--- a/Women In Business Presentation.pptx
+++ b/Women In Business Presentation.pptx
@@ -25,8 +25,11 @@
     <p:sldId id="281" r:id="rId19"/>
     <p:sldId id="259" r:id="rId20"/>
     <p:sldId id="267" r:id="rId21"/>
-    <p:sldId id="265" r:id="rId22"/>
-    <p:sldId id="269" r:id="rId23"/>
+    <p:sldId id="283" r:id="rId22"/>
+    <p:sldId id="284" r:id="rId23"/>
+    <p:sldId id="269" r:id="rId24"/>
+    <p:sldId id="285" r:id="rId25"/>
+    <p:sldId id="265" r:id="rId26"/>
   </p:sldIdLst>
   <p:sldSz cx="12192000" cy="6858000"/>
   <p:notesSz cx="6858000" cy="9144000"/>
@@ -144,14 +147,6 @@
 </p:presentation>
 </file>
 
-<file path=ppt/revisionInfo.xml><?xml version="1.0" encoding="utf-8"?>
-<p1510:revInfo xmlns:a="http://schemas.openxmlformats.org/drawingml/2006/main" xmlns:r="http://schemas.openxmlformats.org/officeDocument/2006/relationships" xmlns:p1510="http://schemas.microsoft.com/office/powerpoint/2015/10/main">
-  <p1510:revLst>
-    <p1510:client id="{3DD13EEC-D6AC-499D-9096-E5245D6AF77E}" v="5" dt="2022-02-04T17:27:23.657"/>
-  </p1510:revLst>
-</p1510:revInfo>
-</file>
-
 <file path=ppt/slideLayouts/slideLayout1.xml><?xml version="1.0" encoding="utf-8"?>
 <p:sldLayout xmlns:a="http://schemas.openxmlformats.org/drawingml/2006/main" xmlns:r="http://schemas.openxmlformats.org/officeDocument/2006/relationships" xmlns:p="http://schemas.openxmlformats.org/presentationml/2006/main" showMasterSp="0" type="title" preserve="1">
   <p:cSld name="Title Slide">
@@ -487,7 +482,7 @@
           <a:p>
             <a:fld id="{6606CE42-9294-4836-A840-A909238F13A8}" type="datetimeFigureOut">
               <a:rPr lang="en-US" smtClean="0"/>
-              <a:t>2/5/2022</a:t>
+              <a:t>2/26/2022</a:t>
             </a:fld>
             <a:endParaRPr lang="en-US"/>
           </a:p>
@@ -1575,7 +1570,7 @@
           <a:p>
             <a:fld id="{6606CE42-9294-4836-A840-A909238F13A8}" type="datetimeFigureOut">
               <a:rPr lang="en-US" smtClean="0"/>
-              <a:t>2/5/2022</a:t>
+              <a:t>2/26/2022</a:t>
             </a:fld>
             <a:endParaRPr lang="en-US"/>
           </a:p>
@@ -2555,7 +2550,7 @@
           <a:p>
             <a:fld id="{6606CE42-9294-4836-A840-A909238F13A8}" type="datetimeFigureOut">
               <a:rPr lang="en-US" smtClean="0"/>
-              <a:t>2/5/2022</a:t>
+              <a:t>2/26/2022</a:t>
             </a:fld>
             <a:endParaRPr lang="en-US"/>
           </a:p>
@@ -3689,7 +3684,7 @@
           <a:p>
             <a:fld id="{6606CE42-9294-4836-A840-A909238F13A8}" type="datetimeFigureOut">
               <a:rPr lang="en-US" smtClean="0"/>
-              <a:t>2/5/2022</a:t>
+              <a:t>2/26/2022</a:t>
             </a:fld>
             <a:endParaRPr lang="en-US"/>
           </a:p>
@@ -4722,7 +4717,7 @@
           <a:p>
             <a:fld id="{6606CE42-9294-4836-A840-A909238F13A8}" type="datetimeFigureOut">
               <a:rPr lang="en-US" smtClean="0"/>
-              <a:t>2/5/2022</a:t>
+              <a:t>2/26/2022</a:t>
             </a:fld>
             <a:endParaRPr lang="en-US"/>
           </a:p>
@@ -5382,7 +5377,7 @@
           <a:p>
             <a:fld id="{6606CE42-9294-4836-A840-A909238F13A8}" type="datetimeFigureOut">
               <a:rPr lang="en-US" smtClean="0"/>
-              <a:t>2/5/2022</a:t>
+              <a:t>2/26/2022</a:t>
             </a:fld>
             <a:endParaRPr lang="en-US"/>
           </a:p>
@@ -6243,7 +6238,7 @@
           <a:p>
             <a:fld id="{6606CE42-9294-4836-A840-A909238F13A8}" type="datetimeFigureOut">
               <a:rPr lang="en-US" smtClean="0"/>
-              <a:t>2/5/2022</a:t>
+              <a:t>2/26/2022</a:t>
             </a:fld>
             <a:endParaRPr lang="en-US"/>
           </a:p>
@@ -6433,7 +6428,7 @@
           <a:p>
             <a:fld id="{6606CE42-9294-4836-A840-A909238F13A8}" type="datetimeFigureOut">
               <a:rPr lang="en-US" smtClean="0"/>
-              <a:t>2/5/2022</a:t>
+              <a:t>2/26/2022</a:t>
             </a:fld>
             <a:endParaRPr lang="en-US"/>
           </a:p>
@@ -7405,7 +7400,7 @@
           <a:p>
             <a:fld id="{6606CE42-9294-4836-A840-A909238F13A8}" type="datetimeFigureOut">
               <a:rPr lang="en-US" smtClean="0"/>
-              <a:t>2/5/2022</a:t>
+              <a:t>2/26/2022</a:t>
             </a:fld>
             <a:endParaRPr lang="en-US"/>
           </a:p>
@@ -7616,7 +7611,7 @@
           <a:p>
             <a:fld id="{6606CE42-9294-4836-A840-A909238F13A8}" type="datetimeFigureOut">
               <a:rPr lang="en-US" smtClean="0"/>
-              <a:t>2/5/2022</a:t>
+              <a:t>2/26/2022</a:t>
             </a:fld>
             <a:endParaRPr lang="en-US"/>
           </a:p>
@@ -8650,7 +8645,7 @@
           <a:p>
             <a:fld id="{6606CE42-9294-4836-A840-A909238F13A8}" type="datetimeFigureOut">
               <a:rPr lang="en-US" smtClean="0"/>
-              <a:t>2/5/2022</a:t>
+              <a:t>2/26/2022</a:t>
             </a:fld>
             <a:endParaRPr lang="en-US"/>
           </a:p>
@@ -8922,7 +8917,7 @@
           <a:p>
             <a:fld id="{6606CE42-9294-4836-A840-A909238F13A8}" type="datetimeFigureOut">
               <a:rPr lang="en-US" smtClean="0"/>
-              <a:t>2/5/2022</a:t>
+              <a:t>2/26/2022</a:t>
             </a:fld>
             <a:endParaRPr lang="en-US"/>
           </a:p>
@@ -9332,7 +9327,7 @@
           <a:p>
             <a:fld id="{6606CE42-9294-4836-A840-A909238F13A8}" type="datetimeFigureOut">
               <a:rPr lang="en-US" smtClean="0"/>
-              <a:t>2/5/2022</a:t>
+              <a:t>2/26/2022</a:t>
             </a:fld>
             <a:endParaRPr lang="en-US"/>
           </a:p>
@@ -9459,7 +9454,7 @@
           <a:p>
             <a:fld id="{6606CE42-9294-4836-A840-A909238F13A8}" type="datetimeFigureOut">
               <a:rPr lang="en-US" smtClean="0"/>
-              <a:t>2/5/2022</a:t>
+              <a:t>2/26/2022</a:t>
             </a:fld>
             <a:endParaRPr lang="en-US"/>
           </a:p>
@@ -9554,7 +9549,7 @@
           <a:p>
             <a:fld id="{6606CE42-9294-4836-A840-A909238F13A8}" type="datetimeFigureOut">
               <a:rPr lang="en-US" smtClean="0"/>
-              <a:t>2/5/2022</a:t>
+              <a:t>2/26/2022</a:t>
             </a:fld>
             <a:endParaRPr lang="en-US"/>
           </a:p>
@@ -10635,7 +10630,7 @@
           <a:p>
             <a:fld id="{6606CE42-9294-4836-A840-A909238F13A8}" type="datetimeFigureOut">
               <a:rPr lang="en-US" smtClean="0"/>
-              <a:t>2/5/2022</a:t>
+              <a:t>2/26/2022</a:t>
             </a:fld>
             <a:endParaRPr lang="en-US"/>
           </a:p>
@@ -11743,7 +11738,7 @@
           <a:p>
             <a:fld id="{6606CE42-9294-4836-A840-A909238F13A8}" type="datetimeFigureOut">
               <a:rPr lang="en-US" smtClean="0"/>
-              <a:t>2/5/2022</a:t>
+              <a:t>2/26/2022</a:t>
             </a:fld>
             <a:endParaRPr lang="en-US"/>
           </a:p>
@@ -12740,7 +12735,7 @@
           <a:p>
             <a:fld id="{6606CE42-9294-4836-A840-A909238F13A8}" type="datetimeFigureOut">
               <a:rPr lang="en-US" smtClean="0"/>
-              <a:t>2/5/2022</a:t>
+              <a:t>2/26/2022</a:t>
             </a:fld>
             <a:endParaRPr lang="en-US"/>
           </a:p>
@@ -13479,12 +13474,71 @@
             <p:ph idx="1"/>
           </p:nvPr>
         </p:nvSpPr>
-        <p:spPr/>
+        <p:spPr>
+          <a:xfrm>
+            <a:off x="1154954" y="2603500"/>
+            <a:ext cx="9693668" cy="4254500"/>
+          </a:xfrm>
+        </p:spPr>
         <p:txBody>
-          <a:bodyPr/>
+          <a:bodyPr>
+            <a:normAutofit/>
+          </a:bodyPr>
           <a:lstStyle/>
           <a:p>
-            <a:endParaRPr lang="en-US"/>
+            <a:pPr>
+              <a:lnSpc>
+                <a:spcPct val="150000"/>
+              </a:lnSpc>
+            </a:pPr>
+            <a:r>
+              <a:rPr lang="en-US" sz="2000" dirty="0"/>
+              <a:t>Examined connections between race, ethnicity, gender, and sales</a:t>
+            </a:r>
+          </a:p>
+          <a:p>
+            <a:pPr>
+              <a:lnSpc>
+                <a:spcPct val="150000"/>
+              </a:lnSpc>
+            </a:pPr>
+            <a:r>
+              <a:rPr lang="en-US" sz="2000" dirty="0"/>
+              <a:t>Examine connections between race, ethnicity, gender, and industry</a:t>
+            </a:r>
+          </a:p>
+          <a:p>
+            <a:pPr>
+              <a:lnSpc>
+                <a:spcPct val="150000"/>
+              </a:lnSpc>
+            </a:pPr>
+            <a:r>
+              <a:rPr lang="en-US" sz="2000" dirty="0"/>
+              <a:t>Reviewed average sales from 2018-2020 for men and women</a:t>
+            </a:r>
+          </a:p>
+          <a:p>
+            <a:pPr>
+              <a:lnSpc>
+                <a:spcPct val="150000"/>
+              </a:lnSpc>
+            </a:pPr>
+            <a:r>
+              <a:rPr lang="en-US" sz="2000" dirty="0"/>
+              <a:t>Reviewed growth rate for men and women from 2018-2020</a:t>
+            </a:r>
+          </a:p>
+          <a:p>
+            <a:pPr>
+              <a:lnSpc>
+                <a:spcPct val="150000"/>
+              </a:lnSpc>
+            </a:pPr>
+            <a:r>
+              <a:rPr lang="en-US" sz="2000" dirty="0"/>
+              <a:t>Assessed top industries for female-owned businesses</a:t>
+            </a:r>
           </a:p>
         </p:txBody>
       </p:sp>
@@ -14512,8 +14566,8 @@
         </p:blipFill>
         <p:spPr>
           <a:xfrm>
-            <a:off x="317500" y="117592"/>
-            <a:ext cx="8736189" cy="6471251"/>
+            <a:off x="317500" y="83727"/>
+            <a:ext cx="8544561" cy="6329304"/>
           </a:xfrm>
           <a:prstGeom prst="rect">
             <a:avLst/>
@@ -14534,8 +14588,8 @@
         </p:nvSpPr>
         <p:spPr>
           <a:xfrm>
-            <a:off x="9053688" y="1714737"/>
-            <a:ext cx="2820811" cy="5441170"/>
+            <a:off x="8782756" y="1387359"/>
+            <a:ext cx="3273777" cy="4610173"/>
           </a:xfrm>
           <a:prstGeom prst="rect">
             <a:avLst/>
@@ -14674,20 +14728,19 @@
             <p:ph idx="1"/>
           </p:nvPr>
         </p:nvSpPr>
-        <p:spPr/>
+        <p:spPr>
+          <a:xfrm>
+            <a:off x="1154954" y="2603500"/>
+            <a:ext cx="9659802" cy="3955344"/>
+          </a:xfrm>
+        </p:spPr>
         <p:txBody>
           <a:bodyPr>
-            <a:normAutofit fontScale="47500" lnSpcReduction="20000"/>
+            <a:normAutofit fontScale="85000" lnSpcReduction="20000"/>
           </a:bodyPr>
           <a:lstStyle/>
           <a:p>
             <a:r>
-              <a:rPr lang="en-US" dirty="0"/>
-              <a:t>The results section will be the meat of your presentation. You should divide your results section into parts by evaluation question, so that you can easily signpost things. In the results section, you will go over any of the exploratory findings you have you want discuss, as well as the answers to each evaluation question. Ensure that you provide LOTS of beautiful visuals to go along with your findings.</a:t>
-            </a:r>
-          </a:p>
-          <a:p>
-            <a:r>
               <a:rPr lang="en-US" b="1" dirty="0"/>
               <a:t>Top 5 industry sectors in 2020:</a:t>
             </a:r>
@@ -14698,7 +14751,7 @@
             </a:pPr>
             <a:r>
               <a:rPr lang="en-US" dirty="0"/>
-              <a:t>1. Professional, Scientific, and Technical Services</a:t>
+              <a:t>	1. Professional, Scientific, and Technical Services</a:t>
             </a:r>
           </a:p>
           <a:p>
@@ -14707,7 +14760,7 @@
             </a:pPr>
             <a:r>
               <a:rPr lang="en-US" dirty="0"/>
-              <a:t>2. Health Care and Social Assistance</a:t>
+              <a:t>	2. Health Care and Social Assistance</a:t>
             </a:r>
           </a:p>
           <a:p>
@@ -14716,7 +14769,7 @@
             </a:pPr>
             <a:r>
               <a:rPr lang="en-US" dirty="0"/>
-              <a:t>3. Accommodations and Food Services</a:t>
+              <a:t>	3. Accommodations and Food Services</a:t>
             </a:r>
           </a:p>
           <a:p>
@@ -14725,7 +14778,7 @@
             </a:pPr>
             <a:r>
               <a:rPr lang="en-US" dirty="0"/>
-              <a:t>4. Manufacturing</a:t>
+              <a:t>	4. Manufacturing</a:t>
             </a:r>
           </a:p>
           <a:p>
@@ -14734,7 +14787,7 @@
             </a:pPr>
             <a:r>
               <a:rPr lang="en-US" dirty="0"/>
-              <a:t>5. Transportation and Warehousing</a:t>
+              <a:t>	5. Transportation and Warehousing</a:t>
             </a:r>
           </a:p>
           <a:p>
@@ -14749,7 +14802,7 @@
             </a:pPr>
             <a:r>
               <a:rPr lang="en-US" dirty="0"/>
-              <a:t>1. Professional, scientific, and Technical Services</a:t>
+              <a:t>	1. Professional, scientific, and Technical Services</a:t>
             </a:r>
           </a:p>
           <a:p>
@@ -14758,7 +14811,7 @@
             </a:pPr>
             <a:r>
               <a:rPr lang="en-US" dirty="0"/>
-              <a:t>2. Health Care &amp; Social Assistance</a:t>
+              <a:t>	2. Manufacturing</a:t>
             </a:r>
           </a:p>
           <a:p>
@@ -14767,7 +14820,7 @@
             </a:pPr>
             <a:r>
               <a:rPr lang="en-US" dirty="0"/>
-              <a:t>3. Administrative and support and Waste Management and Remediation Services</a:t>
+              <a:t>	3. Healthcare and Social Assistance</a:t>
             </a:r>
           </a:p>
           <a:p>
@@ -14776,7 +14829,7 @@
             </a:pPr>
             <a:r>
               <a:rPr lang="en-US" dirty="0"/>
-              <a:t>4. Wholesale Trade</a:t>
+              <a:t>	4. Retail Trade</a:t>
             </a:r>
           </a:p>
           <a:p>
@@ -14785,11 +14838,8 @@
             </a:pPr>
             <a:r>
               <a:rPr lang="en-US" dirty="0"/>
-              <a:t>5. Accommodations &amp; Food Services</a:t>
-            </a:r>
-          </a:p>
-          <a:p>
-            <a:endParaRPr lang="en-US" dirty="0"/>
+              <a:t>	5. Administrative and Support and Waste Management and Remediation Services</a:t>
+            </a:r>
           </a:p>
           <a:p>
             <a:endParaRPr lang="en-US" dirty="0"/>
@@ -14848,74 +14898,6 @@
           </a:p>
         </p:txBody>
       </p:sp>
-      <p:sp>
-        <p:nvSpPr>
-          <p:cNvPr id="3" name="Content Placeholder 2"/>
-          <p:cNvSpPr>
-            <a:spLocks noGrp="1"/>
-          </p:cNvSpPr>
-          <p:nvPr>
-            <p:ph idx="1"/>
-          </p:nvPr>
-        </p:nvSpPr>
-        <p:spPr>
-          <a:xfrm>
-            <a:off x="1154954" y="2757127"/>
-            <a:ext cx="6603999" cy="2286476"/>
-          </a:xfrm>
-        </p:spPr>
-        <p:txBody>
-          <a:bodyPr>
-            <a:normAutofit/>
-          </a:bodyPr>
-          <a:lstStyle/>
-          <a:p>
-            <a:r>
-              <a:rPr lang="en-US" sz="2000" dirty="0">
-                <a:solidFill>
-                  <a:schemeClr val="tx1"/>
-                </a:solidFill>
-              </a:rPr>
-              <a:t>Public Relations, Bachelor’s Degree, University of Central Oklahoma</a:t>
-            </a:r>
-          </a:p>
-          <a:p>
-            <a:r>
-              <a:rPr lang="en-US" sz="2000" dirty="0">
-                <a:solidFill>
-                  <a:schemeClr val="tx1"/>
-                </a:solidFill>
-              </a:rPr>
-              <a:t>Data Science, Entity Virtual Academy/ Woz U</a:t>
-            </a:r>
-          </a:p>
-          <a:p>
-            <a:r>
-              <a:rPr lang="en-US" sz="2000" dirty="0">
-                <a:solidFill>
-                  <a:schemeClr val="tx1"/>
-                </a:solidFill>
-              </a:rPr>
-              <a:t>Graphic Designer and Publishing Assistant</a:t>
-            </a:r>
-          </a:p>
-          <a:p>
-            <a:pPr>
-              <a:lnSpc>
-                <a:spcPct val="150000"/>
-              </a:lnSpc>
-            </a:pPr>
-            <a:r>
-              <a:rPr lang="en-US" sz="2000" dirty="0">
-                <a:solidFill>
-                  <a:schemeClr val="tx1"/>
-                </a:solidFill>
-              </a:rPr>
-              <a:t>Goal: Live in London, England</a:t>
-            </a:r>
-          </a:p>
-        </p:txBody>
-      </p:sp>
       <p:pic>
         <p:nvPicPr>
           <p:cNvPr id="5" name="Picture 4"/>
@@ -14938,7 +14920,7 @@
         </p:blipFill>
         <p:spPr>
           <a:xfrm>
-            <a:off x="8599190" y="2581359"/>
+            <a:off x="9208790" y="2674492"/>
             <a:ext cx="2634354" cy="2638013"/>
           </a:xfrm>
           <a:prstGeom prst="rect">
@@ -14957,6 +14939,75 @@
           </a:ln>
         </p:spPr>
       </p:pic>
+      <p:sp>
+        <p:nvSpPr>
+          <p:cNvPr id="4" name="Content Placeholder 3"/>
+          <p:cNvSpPr>
+            <a:spLocks noGrp="1"/>
+          </p:cNvSpPr>
+          <p:nvPr>
+            <p:ph idx="1"/>
+          </p:nvPr>
+        </p:nvSpPr>
+        <p:spPr>
+          <a:xfrm>
+            <a:off x="922868" y="2547493"/>
+            <a:ext cx="8161865" cy="3438441"/>
+          </a:xfrm>
+        </p:spPr>
+        <p:txBody>
+          <a:bodyPr/>
+          <a:lstStyle/>
+          <a:p>
+            <a:r>
+              <a:rPr lang="en-US" sz="2000" dirty="0">
+                <a:solidFill>
+                  <a:schemeClr val="tx1"/>
+                </a:solidFill>
+              </a:rPr>
+              <a:t>Public Relations, Bachelor’s Degree, University of Central Oklahoma (UCO)</a:t>
+            </a:r>
+          </a:p>
+          <a:p>
+            <a:r>
+              <a:rPr lang="en-US" sz="2000" dirty="0">
+                <a:solidFill>
+                  <a:schemeClr val="tx1"/>
+                </a:solidFill>
+              </a:rPr>
+              <a:t>Data Science, Entity Virtual Academy/ Woz U</a:t>
+            </a:r>
+          </a:p>
+          <a:p>
+            <a:r>
+              <a:rPr lang="en-US" sz="2000" dirty="0">
+                <a:solidFill>
+                  <a:schemeClr val="tx1"/>
+                </a:solidFill>
+              </a:rPr>
+              <a:t>Graphic Designer and Publishing Assistant at UCO</a:t>
+            </a:r>
+          </a:p>
+          <a:p>
+            <a:pPr>
+              <a:lnSpc>
+                <a:spcPct val="150000"/>
+              </a:lnSpc>
+            </a:pPr>
+            <a:r>
+              <a:rPr lang="en-US" sz="2000" dirty="0">
+                <a:solidFill>
+                  <a:schemeClr val="tx1"/>
+                </a:solidFill>
+              </a:rPr>
+              <a:t>Goal: entry level data analyst for fashion related company in London, England</a:t>
+            </a:r>
+          </a:p>
+          <a:p>
+            <a:endParaRPr lang="en-US" dirty="0"/>
+          </a:p>
+        </p:txBody>
+      </p:sp>
     </p:spTree>
     <p:extLst>
       <p:ext uri="{BB962C8B-B14F-4D97-AF65-F5344CB8AC3E}">
@@ -15027,10 +15078,15 @@
             <p:ph idx="1"/>
           </p:nvPr>
         </p:nvSpPr>
-        <p:spPr/>
+        <p:spPr>
+          <a:xfrm>
+            <a:off x="1154954" y="2603500"/>
+            <a:ext cx="9411446" cy="3740856"/>
+          </a:xfrm>
+        </p:spPr>
         <p:txBody>
           <a:bodyPr>
-            <a:normAutofit fontScale="85000" lnSpcReduction="10000"/>
+            <a:normAutofit fontScale="92500"/>
           </a:bodyPr>
           <a:lstStyle/>
           <a:p>
@@ -15081,7 +15137,7 @@
             </a:pPr>
             <a:r>
               <a:rPr lang="en-US" dirty="0"/>
-              <a:t>	5. Construction</a:t>
+              <a:t>	5. Retail Trade</a:t>
             </a:r>
             <a:endParaRPr lang="en-US" b="1" dirty="0"/>
           </a:p>
@@ -15137,6 +15193,544 @@
 </file>
 
 <file path=ppt/slides/slide21.xml><?xml version="1.0" encoding="utf-8"?>
+<p:sld xmlns:a="http://schemas.openxmlformats.org/drawingml/2006/main" xmlns:r="http://schemas.openxmlformats.org/officeDocument/2006/relationships" xmlns:p="http://schemas.openxmlformats.org/presentationml/2006/main">
+  <p:cSld>
+    <p:spTree>
+      <p:nvGrpSpPr>
+        <p:cNvPr id="1" name=""/>
+        <p:cNvGrpSpPr/>
+        <p:nvPr/>
+      </p:nvGrpSpPr>
+      <p:grpSpPr>
+        <a:xfrm>
+          <a:off x="0" y="0"/>
+          <a:ext cx="0" cy="0"/>
+          <a:chOff x="0" y="0"/>
+          <a:chExt cx="0" cy="0"/>
+        </a:xfrm>
+      </p:grpSpPr>
+      <p:sp>
+        <p:nvSpPr>
+          <p:cNvPr id="2" name="Title 1">
+            <a:extLst>
+              <a:ext uri="{FF2B5EF4-FFF2-40B4-BE49-F238E27FC236}">
+                <a16:creationId xmlns:a16="http://schemas.microsoft.com/office/drawing/2014/main" id="{E5D1D92E-DBD1-4D94-A3CB-BA00A2DCF892}"/>
+              </a:ext>
+            </a:extLst>
+          </p:cNvPr>
+          <p:cNvSpPr>
+            <a:spLocks noGrp="1"/>
+          </p:cNvSpPr>
+          <p:nvPr>
+            <p:ph type="title"/>
+          </p:nvPr>
+        </p:nvSpPr>
+        <p:spPr/>
+        <p:txBody>
+          <a:bodyPr/>
+          <a:lstStyle/>
+          <a:p>
+            <a:r>
+              <a:rPr lang="en-US" sz="4800" dirty="0"/>
+              <a:t>Summary</a:t>
+            </a:r>
+            <a:endParaRPr lang="en-US" dirty="0"/>
+          </a:p>
+        </p:txBody>
+      </p:sp>
+      <p:sp>
+        <p:nvSpPr>
+          <p:cNvPr id="3" name="Content Placeholder 2">
+            <a:extLst>
+              <a:ext uri="{FF2B5EF4-FFF2-40B4-BE49-F238E27FC236}">
+                <a16:creationId xmlns:a16="http://schemas.microsoft.com/office/drawing/2014/main" id="{248AECDB-3C85-476B-AC5C-750F499A1A15}"/>
+              </a:ext>
+            </a:extLst>
+          </p:cNvPr>
+          <p:cNvSpPr>
+            <a:spLocks noGrp="1"/>
+          </p:cNvSpPr>
+          <p:nvPr>
+            <p:ph idx="1"/>
+          </p:nvPr>
+        </p:nvSpPr>
+        <p:spPr>
+          <a:xfrm>
+            <a:off x="1154954" y="2603499"/>
+            <a:ext cx="9614646" cy="3966633"/>
+          </a:xfrm>
+        </p:spPr>
+        <p:txBody>
+          <a:bodyPr>
+            <a:normAutofit fontScale="92500" lnSpcReduction="20000"/>
+          </a:bodyPr>
+          <a:lstStyle/>
+          <a:p>
+            <a:pPr>
+              <a:lnSpc>
+                <a:spcPct val="160000"/>
+              </a:lnSpc>
+            </a:pPr>
+            <a:r>
+              <a:rPr lang="en-US" dirty="0"/>
+              <a:t>No significant relationship between race, ethnicity, gender, and sales</a:t>
+            </a:r>
+          </a:p>
+          <a:p>
+            <a:pPr>
+              <a:lnSpc>
+                <a:spcPct val="160000"/>
+              </a:lnSpc>
+            </a:pPr>
+            <a:r>
+              <a:rPr lang="en-US" dirty="0"/>
+              <a:t>No significant relationship between race, ethnicity, gender, and industry</a:t>
+            </a:r>
+          </a:p>
+          <a:p>
+            <a:pPr>
+              <a:lnSpc>
+                <a:spcPct val="160000"/>
+              </a:lnSpc>
+            </a:pPr>
+            <a:r>
+              <a:rPr lang="en-US" dirty="0"/>
+              <a:t>Growth rates for male-owned and female-owned businesses were similar with a difference of 1.74%</a:t>
+            </a:r>
+          </a:p>
+          <a:p>
+            <a:pPr>
+              <a:lnSpc>
+                <a:spcPct val="160000"/>
+              </a:lnSpc>
+            </a:pPr>
+            <a:r>
+              <a:rPr lang="en-US" dirty="0"/>
+              <a:t>While average sales for female-owned businesses compared to male-owned, there are also fewer female-owned businesses: (though they account for 42% of all businesses in the U.S.)</a:t>
+            </a:r>
+          </a:p>
+          <a:p>
+            <a:pPr>
+              <a:lnSpc>
+                <a:spcPct val="160000"/>
+              </a:lnSpc>
+            </a:pPr>
+            <a:r>
+              <a:rPr lang="en-US" dirty="0"/>
+              <a:t>Top industries for women remained relatively the same except for transportation and warehousing in 2020</a:t>
+            </a:r>
+          </a:p>
+        </p:txBody>
+      </p:sp>
+    </p:spTree>
+    <p:extLst>
+      <p:ext uri="{BB962C8B-B14F-4D97-AF65-F5344CB8AC3E}">
+        <p14:creationId xmlns:p14="http://schemas.microsoft.com/office/powerpoint/2010/main" val="3458054255"/>
+      </p:ext>
+    </p:extLst>
+  </p:cSld>
+  <p:clrMapOvr>
+    <a:masterClrMapping/>
+  </p:clrMapOvr>
+</p:sld>
+</file>
+
+<file path=ppt/slides/slide22.xml><?xml version="1.0" encoding="utf-8"?>
+<p:sld xmlns:a="http://schemas.openxmlformats.org/drawingml/2006/main" xmlns:r="http://schemas.openxmlformats.org/officeDocument/2006/relationships" xmlns:p="http://schemas.openxmlformats.org/presentationml/2006/main">
+  <p:cSld>
+    <p:spTree>
+      <p:nvGrpSpPr>
+        <p:cNvPr id="1" name=""/>
+        <p:cNvGrpSpPr/>
+        <p:nvPr/>
+      </p:nvGrpSpPr>
+      <p:grpSpPr>
+        <a:xfrm>
+          <a:off x="0" y="0"/>
+          <a:ext cx="0" cy="0"/>
+          <a:chOff x="0" y="0"/>
+          <a:chExt cx="0" cy="0"/>
+        </a:xfrm>
+      </p:grpSpPr>
+      <p:sp>
+        <p:nvSpPr>
+          <p:cNvPr id="2" name="Title 1">
+            <a:extLst>
+              <a:ext uri="{FF2B5EF4-FFF2-40B4-BE49-F238E27FC236}">
+                <a16:creationId xmlns:a16="http://schemas.microsoft.com/office/drawing/2014/main" id="{E5D1D92E-DBD1-4D94-A3CB-BA00A2DCF892}"/>
+              </a:ext>
+            </a:extLst>
+          </p:cNvPr>
+          <p:cNvSpPr>
+            <a:spLocks noGrp="1"/>
+          </p:cNvSpPr>
+          <p:nvPr>
+            <p:ph type="title"/>
+          </p:nvPr>
+        </p:nvSpPr>
+        <p:spPr/>
+        <p:txBody>
+          <a:bodyPr/>
+          <a:lstStyle/>
+          <a:p>
+            <a:r>
+              <a:rPr lang="en-US" sz="4800" dirty="0"/>
+              <a:t>Conclusions</a:t>
+            </a:r>
+            <a:endParaRPr lang="en-US" dirty="0"/>
+          </a:p>
+        </p:txBody>
+      </p:sp>
+      <p:sp>
+        <p:nvSpPr>
+          <p:cNvPr id="3" name="Content Placeholder 2">
+            <a:extLst>
+              <a:ext uri="{FF2B5EF4-FFF2-40B4-BE49-F238E27FC236}">
+                <a16:creationId xmlns:a16="http://schemas.microsoft.com/office/drawing/2014/main" id="{248AECDB-3C85-476B-AC5C-750F499A1A15}"/>
+              </a:ext>
+            </a:extLst>
+          </p:cNvPr>
+          <p:cNvSpPr>
+            <a:spLocks noGrp="1"/>
+          </p:cNvSpPr>
+          <p:nvPr>
+            <p:ph idx="1"/>
+          </p:nvPr>
+        </p:nvSpPr>
+        <p:spPr>
+          <a:xfrm>
+            <a:off x="1154954" y="2603499"/>
+            <a:ext cx="9704957" cy="3921479"/>
+          </a:xfrm>
+        </p:spPr>
+        <p:txBody>
+          <a:bodyPr/>
+          <a:lstStyle/>
+          <a:p>
+            <a:pPr>
+              <a:lnSpc>
+                <a:spcPct val="150000"/>
+              </a:lnSpc>
+            </a:pPr>
+            <a:r>
+              <a:rPr lang="en-US" sz="2000" dirty="0"/>
+              <a:t>Gender, race, and ethnicity are not a predictors for success, particularly with the earning potential</a:t>
+            </a:r>
+          </a:p>
+          <a:p>
+            <a:pPr>
+              <a:lnSpc>
+                <a:spcPct val="150000"/>
+              </a:lnSpc>
+            </a:pPr>
+            <a:r>
+              <a:rPr lang="en-US" sz="2000" dirty="0"/>
+              <a:t>Female-owned businesses are emerging in sector previously atypical for women (such as construction and transportation)</a:t>
+            </a:r>
+          </a:p>
+          <a:p>
+            <a:pPr>
+              <a:lnSpc>
+                <a:spcPct val="150000"/>
+              </a:lnSpc>
+            </a:pPr>
+            <a:r>
+              <a:rPr lang="en-US" sz="2000" dirty="0"/>
+              <a:t>Barriers to women owning businesses do not appear to be institutionalized, and may be related to other factors such as risk aversion and childcare </a:t>
+            </a:r>
+          </a:p>
+          <a:p>
+            <a:pPr marL="0" indent="0">
+              <a:buNone/>
+            </a:pPr>
+            <a:endParaRPr lang="en-US" dirty="0"/>
+          </a:p>
+        </p:txBody>
+      </p:sp>
+    </p:spTree>
+    <p:extLst>
+      <p:ext uri="{BB962C8B-B14F-4D97-AF65-F5344CB8AC3E}">
+        <p14:creationId xmlns:p14="http://schemas.microsoft.com/office/powerpoint/2010/main" val="3713530836"/>
+      </p:ext>
+    </p:extLst>
+  </p:cSld>
+  <p:clrMapOvr>
+    <a:masterClrMapping/>
+  </p:clrMapOvr>
+</p:sld>
+</file>
+
+<file path=ppt/slides/slide23.xml><?xml version="1.0" encoding="utf-8"?>
+<p:sld xmlns:a="http://schemas.openxmlformats.org/drawingml/2006/main" xmlns:r="http://schemas.openxmlformats.org/officeDocument/2006/relationships" xmlns:p="http://schemas.openxmlformats.org/presentationml/2006/main">
+  <p:cSld>
+    <p:spTree>
+      <p:nvGrpSpPr>
+        <p:cNvPr id="1" name=""/>
+        <p:cNvGrpSpPr/>
+        <p:nvPr/>
+      </p:nvGrpSpPr>
+      <p:grpSpPr>
+        <a:xfrm>
+          <a:off x="0" y="0"/>
+          <a:ext cx="0" cy="0"/>
+          <a:chOff x="0" y="0"/>
+          <a:chExt cx="0" cy="0"/>
+        </a:xfrm>
+      </p:grpSpPr>
+      <p:sp>
+        <p:nvSpPr>
+          <p:cNvPr id="2" name="Title 1"/>
+          <p:cNvSpPr>
+            <a:spLocks noGrp="1"/>
+          </p:cNvSpPr>
+          <p:nvPr>
+            <p:ph type="ctrTitle"/>
+          </p:nvPr>
+        </p:nvSpPr>
+        <p:spPr>
+          <a:xfrm>
+            <a:off x="1243967" y="1706213"/>
+            <a:ext cx="8825658" cy="2677648"/>
+          </a:xfrm>
+        </p:spPr>
+        <p:txBody>
+          <a:bodyPr/>
+          <a:lstStyle/>
+          <a:p>
+            <a:pPr algn="ctr"/>
+            <a:r>
+              <a:rPr lang="en-US" sz="7200" b="1" dirty="0">
+                <a:solidFill>
+                  <a:schemeClr val="bg1"/>
+                </a:solidFill>
+              </a:rPr>
+              <a:t>Questions</a:t>
+            </a:r>
+          </a:p>
+        </p:txBody>
+      </p:sp>
+    </p:spTree>
+    <p:extLst>
+      <p:ext uri="{BB962C8B-B14F-4D97-AF65-F5344CB8AC3E}">
+        <p14:creationId xmlns:p14="http://schemas.microsoft.com/office/powerpoint/2010/main" val="2340578683"/>
+      </p:ext>
+    </p:extLst>
+  </p:cSld>
+  <p:clrMapOvr>
+    <a:masterClrMapping/>
+  </p:clrMapOvr>
+</p:sld>
+</file>
+
+<file path=ppt/slides/slide24.xml><?xml version="1.0" encoding="utf-8"?>
+<p:sld xmlns:a="http://schemas.openxmlformats.org/drawingml/2006/main" xmlns:r="http://schemas.openxmlformats.org/officeDocument/2006/relationships" xmlns:p="http://schemas.openxmlformats.org/presentationml/2006/main">
+  <p:cSld>
+    <p:spTree>
+      <p:nvGrpSpPr>
+        <p:cNvPr id="1" name=""/>
+        <p:cNvGrpSpPr/>
+        <p:nvPr/>
+      </p:nvGrpSpPr>
+      <p:grpSpPr>
+        <a:xfrm>
+          <a:off x="0" y="0"/>
+          <a:ext cx="0" cy="0"/>
+          <a:chOff x="0" y="0"/>
+          <a:chExt cx="0" cy="0"/>
+        </a:xfrm>
+      </p:grpSpPr>
+      <p:sp>
+        <p:nvSpPr>
+          <p:cNvPr id="2" name="Title 1">
+            <a:extLst>
+              <a:ext uri="{FF2B5EF4-FFF2-40B4-BE49-F238E27FC236}">
+                <a16:creationId xmlns:a16="http://schemas.microsoft.com/office/drawing/2014/main" id="{E6171A0E-422B-45DA-9D0E-6949BF32A3BD}"/>
+              </a:ext>
+            </a:extLst>
+          </p:cNvPr>
+          <p:cNvSpPr>
+            <a:spLocks noGrp="1"/>
+          </p:cNvSpPr>
+          <p:nvPr>
+            <p:ph type="title"/>
+          </p:nvPr>
+        </p:nvSpPr>
+        <p:spPr/>
+        <p:txBody>
+          <a:bodyPr/>
+          <a:lstStyle/>
+          <a:p>
+            <a:r>
+              <a:rPr lang="en-US" dirty="0"/>
+              <a:t>Bibliography </a:t>
+            </a:r>
+          </a:p>
+        </p:txBody>
+      </p:sp>
+      <p:sp>
+        <p:nvSpPr>
+          <p:cNvPr id="3" name="Content Placeholder 2">
+            <a:extLst>
+              <a:ext uri="{FF2B5EF4-FFF2-40B4-BE49-F238E27FC236}">
+                <a16:creationId xmlns:a16="http://schemas.microsoft.com/office/drawing/2014/main" id="{432FE1D8-B326-481A-AE71-CC32AF3F969C}"/>
+              </a:ext>
+            </a:extLst>
+          </p:cNvPr>
+          <p:cNvSpPr>
+            <a:spLocks noGrp="1"/>
+          </p:cNvSpPr>
+          <p:nvPr>
+            <p:ph idx="1"/>
+          </p:nvPr>
+        </p:nvSpPr>
+        <p:spPr/>
+        <p:txBody>
+          <a:bodyPr>
+            <a:normAutofit fontScale="92500" lnSpcReduction="10000"/>
+          </a:bodyPr>
+          <a:lstStyle/>
+          <a:p>
+            <a:pPr rtl="0">
+              <a:spcBef>
+                <a:spcPts val="0"/>
+              </a:spcBef>
+              <a:spcAft>
+                <a:spcPts val="800"/>
+              </a:spcAft>
+            </a:pPr>
+            <a:r>
+              <a:rPr lang="en-US" sz="2400" b="0" i="0" u="sng" strike="noStrike" dirty="0">
+                <a:solidFill>
+                  <a:srgbClr val="1155CC"/>
+                </a:solidFill>
+                <a:effectLst/>
+                <a:hlinkClick r:id="rId2"/>
+              </a:rPr>
+              <a:t>Small Business Index | MetLife &amp; US Chamber of Commerce</a:t>
+            </a:r>
+            <a:endParaRPr lang="en-US" sz="2400" b="0" dirty="0">
+              <a:effectLst/>
+            </a:endParaRPr>
+          </a:p>
+          <a:p>
+            <a:pPr rtl="0">
+              <a:spcBef>
+                <a:spcPts val="0"/>
+              </a:spcBef>
+              <a:spcAft>
+                <a:spcPts val="800"/>
+              </a:spcAft>
+            </a:pPr>
+            <a:r>
+              <a:rPr lang="en-US" sz="2400" b="0" i="0" u="sng" strike="noStrike" dirty="0">
+                <a:solidFill>
+                  <a:srgbClr val="1155CC"/>
+                </a:solidFill>
+                <a:effectLst/>
+                <a:hlinkClick r:id="rId3"/>
+              </a:rPr>
+              <a:t>Who Started Businesses During the Pandemic? A Survey of Women Starting Businesses During COVID | Gusto</a:t>
+            </a:r>
+            <a:endParaRPr lang="en-US" sz="2400" b="0" dirty="0">
+              <a:effectLst/>
+            </a:endParaRPr>
+          </a:p>
+          <a:p>
+            <a:pPr rtl="0">
+              <a:spcBef>
+                <a:spcPts val="0"/>
+              </a:spcBef>
+              <a:spcAft>
+                <a:spcPts val="800"/>
+              </a:spcAft>
+            </a:pPr>
+            <a:r>
+              <a:rPr lang="en-US" sz="2400" b="0" i="0" u="sng" strike="noStrike" dirty="0">
+                <a:solidFill>
+                  <a:srgbClr val="1155CC"/>
+                </a:solidFill>
+                <a:effectLst/>
+                <a:hlinkClick r:id="rId4"/>
+              </a:rPr>
+              <a:t>Women-Owned Businesses: Statistics and Overview (2021) - </a:t>
+            </a:r>
+            <a:r>
+              <a:rPr lang="en-US" sz="2400" b="0" i="0" u="sng" strike="noStrike" dirty="0" err="1">
+                <a:solidFill>
+                  <a:srgbClr val="1155CC"/>
+                </a:solidFill>
+                <a:effectLst/>
+                <a:hlinkClick r:id="rId4"/>
+              </a:rPr>
+              <a:t>Fundera</a:t>
+            </a:r>
+            <a:r>
+              <a:rPr lang="en-US" sz="2400" b="0" i="0" u="sng" strike="noStrike" dirty="0">
+                <a:solidFill>
+                  <a:srgbClr val="1155CC"/>
+                </a:solidFill>
+                <a:effectLst/>
+                <a:hlinkClick r:id="rId4"/>
+              </a:rPr>
+              <a:t> Ledger</a:t>
+            </a:r>
+            <a:endParaRPr lang="en-US" sz="2400" b="0" dirty="0">
+              <a:effectLst/>
+            </a:endParaRPr>
+          </a:p>
+          <a:p>
+            <a:pPr rtl="0">
+              <a:spcBef>
+                <a:spcPts val="0"/>
+              </a:spcBef>
+              <a:spcAft>
+                <a:spcPts val="800"/>
+              </a:spcAft>
+            </a:pPr>
+            <a:r>
+              <a:rPr lang="en-US" sz="2400" b="0" i="0" u="sng" strike="noStrike" dirty="0">
+                <a:solidFill>
+                  <a:srgbClr val="1155CC"/>
+                </a:solidFill>
+                <a:effectLst/>
+                <a:hlinkClick r:id="rId5"/>
+              </a:rPr>
+              <a:t>Businesses owned by women and minorities have grown. Will COVID-19 undo that?</a:t>
+            </a:r>
+            <a:endParaRPr lang="en-US" sz="2400" b="0" dirty="0">
+              <a:effectLst/>
+            </a:endParaRPr>
+          </a:p>
+          <a:p>
+            <a:r>
+              <a:rPr lang="en-US" sz="2400" dirty="0"/>
+              <a:t>U.S. Census Bureau: Annual Business Surveys (2018-2020)</a:t>
+            </a:r>
+            <a:r>
+              <a:rPr lang="en-US" dirty="0"/>
+              <a:t/>
+            </a:r>
+            <a:br>
+              <a:rPr lang="en-US" dirty="0"/>
+            </a:br>
+            <a:endParaRPr lang="en-US" dirty="0"/>
+          </a:p>
+        </p:txBody>
+      </p:sp>
+    </p:spTree>
+    <p:extLst>
+      <p:ext uri="{BB962C8B-B14F-4D97-AF65-F5344CB8AC3E}">
+        <p14:creationId xmlns:p14="http://schemas.microsoft.com/office/powerpoint/2010/main" val="774797883"/>
+      </p:ext>
+    </p:extLst>
+  </p:cSld>
+  <p:clrMapOvr>
+    <a:masterClrMapping/>
+  </p:clrMapOvr>
+</p:sld>
+</file>
+
+<file path=ppt/slides/slide25.xml><?xml version="1.0" encoding="utf-8"?>
 <p:sld xmlns:a="http://schemas.openxmlformats.org/drawingml/2006/main" xmlns:r="http://schemas.openxmlformats.org/officeDocument/2006/relationships" xmlns:p="http://schemas.openxmlformats.org/presentationml/2006/main">
   <p:cSld>
     <p:spTree>
@@ -15209,72 +15803,98 @@
           </a:p>
         </p:txBody>
       </p:sp>
-    </p:spTree>
-    <p:extLst>
-      <p:ext uri="{BB962C8B-B14F-4D97-AF65-F5344CB8AC3E}">
-        <p14:creationId xmlns:p14="http://schemas.microsoft.com/office/powerpoint/2010/main" val="1246139815"/>
-      </p:ext>
-    </p:extLst>
-  </p:cSld>
-  <p:clrMapOvr>
-    <a:masterClrMapping/>
-  </p:clrMapOvr>
-</p:sld>
-</file>
-
-<file path=ppt/slides/slide22.xml><?xml version="1.0" encoding="utf-8"?>
-<p:sld xmlns:a="http://schemas.openxmlformats.org/drawingml/2006/main" xmlns:r="http://schemas.openxmlformats.org/officeDocument/2006/relationships" xmlns:p="http://schemas.openxmlformats.org/presentationml/2006/main">
-  <p:cSld>
-    <p:spTree>
-      <p:nvGrpSpPr>
-        <p:cNvPr id="1" name=""/>
-        <p:cNvGrpSpPr/>
-        <p:nvPr/>
-      </p:nvGrpSpPr>
-      <p:grpSpPr>
-        <a:xfrm>
-          <a:off x="0" y="0"/>
-          <a:ext cx="0" cy="0"/>
-          <a:chOff x="0" y="0"/>
-          <a:chExt cx="0" cy="0"/>
-        </a:xfrm>
-      </p:grpSpPr>
       <p:sp>
         <p:nvSpPr>
-          <p:cNvPr id="2" name="Title 1"/>
-          <p:cNvSpPr>
-            <a:spLocks noGrp="1"/>
-          </p:cNvSpPr>
-          <p:nvPr>
-            <p:ph type="ctrTitle"/>
-          </p:nvPr>
+          <p:cNvPr id="6" name="TextBox 5">
+            <a:extLst>
+              <a:ext uri="{FF2B5EF4-FFF2-40B4-BE49-F238E27FC236}">
+                <a16:creationId xmlns:a16="http://schemas.microsoft.com/office/drawing/2014/main" id="{8ED8DE46-E2DE-41CE-91CB-142EEDBF5F48}"/>
+              </a:ext>
+            </a:extLst>
+          </p:cNvPr>
+          <p:cNvSpPr txBox="1"/>
+          <p:nvPr/>
         </p:nvSpPr>
         <p:spPr>
           <a:xfrm>
-            <a:off x="1243967" y="1706213"/>
-            <a:ext cx="8825658" cy="2677648"/>
+            <a:off x="1061155" y="2575977"/>
+            <a:ext cx="9234311" cy="3600986"/>
           </a:xfrm>
+          <a:prstGeom prst="rect">
+            <a:avLst/>
+          </a:prstGeom>
+          <a:noFill/>
         </p:spPr>
         <p:txBody>
-          <a:bodyPr/>
+          <a:bodyPr wrap="square" rtlCol="0">
+            <a:spAutoFit/>
+          </a:bodyPr>
           <a:lstStyle/>
           <a:p>
-            <a:pPr algn="ctr"/>
-            <a:r>
-              <a:rPr lang="en-US" sz="7200" b="1" dirty="0">
-                <a:solidFill>
-                  <a:schemeClr val="bg1"/>
-                </a:solidFill>
-              </a:rPr>
-              <a:t>Questions</a:t>
-            </a:r>
+            <a:pPr marL="285750" indent="-285750">
+              <a:lnSpc>
+                <a:spcPct val="150000"/>
+              </a:lnSpc>
+              <a:buFont typeface="Arial" panose="020B0604020202020204" pitchFamily="34" charset="0"/>
+              <a:buChar char="•"/>
+            </a:pPr>
+            <a:r>
+              <a:rPr lang="en-US" sz="2000" dirty="0"/>
+              <a:t>Pivoting sooner when encountering challenges</a:t>
+            </a:r>
+          </a:p>
+          <a:p>
+            <a:pPr marL="285750" indent="-285750">
+              <a:lnSpc>
+                <a:spcPct val="150000"/>
+              </a:lnSpc>
+              <a:buFont typeface="Arial" panose="020B0604020202020204" pitchFamily="34" charset="0"/>
+              <a:buChar char="•"/>
+            </a:pPr>
+            <a:r>
+              <a:rPr lang="en-US" sz="2000" dirty="0"/>
+              <a:t>National scale large and too ambitious: regional or state level would have been better</a:t>
+            </a:r>
+          </a:p>
+          <a:p>
+            <a:pPr marL="285750" indent="-285750">
+              <a:lnSpc>
+                <a:spcPct val="150000"/>
+              </a:lnSpc>
+              <a:buFont typeface="Arial" panose="020B0604020202020204" pitchFamily="34" charset="0"/>
+              <a:buChar char="•"/>
+            </a:pPr>
+            <a:r>
+              <a:rPr lang="en-US" sz="2000" dirty="0"/>
+              <a:t>Better understanding of extracting API data from sources such as YouTube</a:t>
+            </a:r>
+          </a:p>
+          <a:p>
+            <a:pPr marL="285750" indent="-285750">
+              <a:lnSpc>
+                <a:spcPct val="150000"/>
+              </a:lnSpc>
+              <a:buFont typeface="Arial" panose="020B0604020202020204" pitchFamily="34" charset="0"/>
+              <a:buChar char="•"/>
+            </a:pPr>
+            <a:r>
+              <a:rPr lang="en-US" sz="2000" dirty="0"/>
+              <a:t>Started with basic statistical analysis before attempting more advanced statistical analysis</a:t>
+            </a:r>
+          </a:p>
+          <a:p>
+            <a:pPr marL="285750" indent="-285750">
+              <a:buFont typeface="Arial" panose="020B0604020202020204" pitchFamily="34" charset="0"/>
+              <a:buChar char="•"/>
+            </a:pPr>
+            <a:endParaRPr lang="en-US" dirty="0"/>
           </a:p>
         </p:txBody>
       </p:sp>
     </p:spTree>
     <p:extLst>
       <p:ext uri="{BB962C8B-B14F-4D97-AF65-F5344CB8AC3E}">
-        <p14:creationId xmlns:p14="http://schemas.microsoft.com/office/powerpoint/2010/main" val="2340578683"/>
+        <p14:creationId xmlns:p14="http://schemas.microsoft.com/office/powerpoint/2010/main" val="1246139815"/>
       </p:ext>
     </p:extLst>
   </p:cSld>
@@ -15497,6 +16117,19 @@
               <a:buNone/>
               <a:tabLst/>
             </a:pPr>
+            <a:r>
+              <a:rPr kumimoji="0" lang="en-US" altLang="en-US" sz="1100" b="0" i="0" u="none" strike="noStrike" cap="none" normalizeH="0" baseline="0">
+                <a:ln>
+                  <a:noFill/>
+                </a:ln>
+                <a:solidFill>
+                  <a:srgbClr val="1D1C1D"/>
+                </a:solidFill>
+                <a:effectLst/>
+                <a:latin typeface="Slack-Lato"/>
+              </a:rPr>
+              <a:t/>
+            </a:r>
             <a:br>
               <a:rPr kumimoji="0" lang="en-US" altLang="en-US" sz="1100" b="0" i="0" u="none" strike="noStrike" cap="none" normalizeH="0" baseline="0">
                 <a:ln>
@@ -15649,7 +16282,7 @@
             <a:r>
               <a:rPr lang="en-US" dirty="0">
                 <a:solidFill>
-                  <a:srgbClr val="009999"/>
+                  <a:schemeClr val="tx1"/>
                 </a:solidFill>
               </a:rPr>
               <a:t>Mass Communication – Print Concentration, Bachelor’s Degree, Georgia College &amp; State University</a:t>
@@ -15664,7 +16297,7 @@
             <a:r>
               <a:rPr lang="en-US" dirty="0">
                 <a:solidFill>
-                  <a:srgbClr val="009999"/>
+                  <a:schemeClr val="tx1"/>
                 </a:solidFill>
               </a:rPr>
               <a:t>Executive MBA, Masters Degree, Wesleyan College</a:t>
@@ -15679,7 +16312,7 @@
             <a:r>
               <a:rPr lang="en-US" dirty="0">
                 <a:solidFill>
-                  <a:srgbClr val="009999"/>
+                  <a:schemeClr val="tx1"/>
                 </a:solidFill>
               </a:rPr>
               <a:t>Data Science, Entity Virtual Academy/Woz U</a:t>
@@ -15694,7 +16327,7 @@
             <a:r>
               <a:rPr lang="en-US" dirty="0">
                 <a:solidFill>
-                  <a:srgbClr val="009999"/>
+                  <a:schemeClr val="tx1"/>
                 </a:solidFill>
               </a:rPr>
               <a:t>Marketing Coordinator for Choice Premiums</a:t>
@@ -15709,7 +16342,7 @@
             <a:r>
               <a:rPr lang="en-US" dirty="0">
                 <a:solidFill>
-                  <a:srgbClr val="009999"/>
+                  <a:schemeClr val="tx1"/>
                 </a:solidFill>
               </a:rPr>
               <a:t>Goal: Get an entry level data analyst job with a start-up or hire myself as co-founder of a tech start-up</a:t>
@@ -15798,6 +16431,19 @@
               <a:buNone/>
               <a:tabLst/>
             </a:pPr>
+            <a:r>
+              <a:rPr kumimoji="0" lang="en-US" altLang="en-US" sz="1100" b="0" i="0" u="none" strike="noStrike" cap="none" normalizeH="0" baseline="0">
+                <a:ln>
+                  <a:noFill/>
+                </a:ln>
+                <a:solidFill>
+                  <a:srgbClr val="1D1C1D"/>
+                </a:solidFill>
+                <a:effectLst/>
+                <a:latin typeface="Slack-Lato"/>
+              </a:rPr>
+              <a:t/>
+            </a:r>
             <a:br>
               <a:rPr kumimoji="0" lang="en-US" altLang="en-US" sz="1100" b="0" i="0" u="none" strike="noStrike" cap="none" normalizeH="0" baseline="0">
                 <a:ln>
@@ -16098,8 +16744,13 @@
           </a:bodyPr>
           <a:lstStyle/>
           <a:p>
-            <a:r>
-              <a:rPr lang="en-US" sz="2400" dirty="0">
+            <a:pPr>
+              <a:lnSpc>
+                <a:spcPct val="150000"/>
+              </a:lnSpc>
+            </a:pPr>
+            <a:r>
+              <a:rPr lang="en-US" sz="2000" dirty="0">
                 <a:solidFill>
                   <a:schemeClr val="tx1"/>
                 </a:solidFill>
@@ -16109,8 +16760,13 @@
             </a:r>
           </a:p>
           <a:p>
-            <a:r>
-              <a:rPr lang="en-US" sz="2400" dirty="0">
+            <a:pPr>
+              <a:lnSpc>
+                <a:spcPct val="150000"/>
+              </a:lnSpc>
+            </a:pPr>
+            <a:r>
+              <a:rPr lang="en-US" sz="2000" dirty="0">
                 <a:solidFill>
                   <a:schemeClr val="tx1"/>
                 </a:solidFill>
@@ -16120,8 +16776,13 @@
             </a:r>
           </a:p>
           <a:p>
-            <a:r>
-              <a:rPr lang="en-US" sz="2400" dirty="0">
+            <a:pPr>
+              <a:lnSpc>
+                <a:spcPct val="150000"/>
+              </a:lnSpc>
+            </a:pPr>
+            <a:r>
+              <a:rPr lang="en-US" sz="2000" dirty="0">
                 <a:solidFill>
                   <a:schemeClr val="tx1"/>
                 </a:solidFill>
@@ -16131,8 +16792,13 @@
             </a:r>
           </a:p>
           <a:p>
-            <a:r>
-              <a:rPr lang="en-US" sz="2400" dirty="0">
+            <a:pPr>
+              <a:lnSpc>
+                <a:spcPct val="150000"/>
+              </a:lnSpc>
+            </a:pPr>
+            <a:r>
+              <a:rPr lang="en-US" sz="2000" dirty="0">
                 <a:solidFill>
                   <a:schemeClr val="tx1"/>
                 </a:solidFill>
@@ -16142,8 +16808,13 @@
             </a:r>
           </a:p>
           <a:p>
-            <a:r>
-              <a:rPr lang="en-US" sz="2400" dirty="0">
+            <a:pPr>
+              <a:lnSpc>
+                <a:spcPct val="150000"/>
+              </a:lnSpc>
+            </a:pPr>
+            <a:r>
+              <a:rPr lang="en-US" sz="2000" dirty="0">
                 <a:solidFill>
                   <a:schemeClr val="tx1"/>
                 </a:solidFill>
@@ -16454,8 +17125,13 @@
           </a:bodyPr>
           <a:lstStyle/>
           <a:p>
-            <a:r>
-              <a:rPr lang="en-US" sz="2400" dirty="0">
+            <a:pPr>
+              <a:lnSpc>
+                <a:spcPct val="150000"/>
+              </a:lnSpc>
+            </a:pPr>
+            <a:r>
+              <a:rPr lang="en-US" sz="2000" dirty="0">
                 <a:solidFill>
                   <a:schemeClr val="tx1"/>
                 </a:solidFill>
@@ -16465,8 +17141,13 @@
             </a:r>
           </a:p>
           <a:p>
-            <a:r>
-              <a:rPr lang="en-US" sz="2400" dirty="0">
+            <a:pPr>
+              <a:lnSpc>
+                <a:spcPct val="150000"/>
+              </a:lnSpc>
+            </a:pPr>
+            <a:r>
+              <a:rPr lang="en-US" sz="2000" dirty="0">
                 <a:solidFill>
                   <a:schemeClr val="tx1"/>
                 </a:solidFill>
@@ -16476,8 +17157,13 @@
             </a:r>
           </a:p>
           <a:p>
-            <a:r>
-              <a:rPr lang="en-US" sz="2400" dirty="0">
+            <a:pPr>
+              <a:lnSpc>
+                <a:spcPct val="150000"/>
+              </a:lnSpc>
+            </a:pPr>
+            <a:r>
+              <a:rPr lang="en-US" sz="2000" dirty="0">
                 <a:solidFill>
                   <a:schemeClr val="tx1"/>
                 </a:solidFill>
@@ -16487,8 +17173,13 @@
             </a:r>
           </a:p>
           <a:p>
-            <a:r>
-              <a:rPr lang="en-US" sz="2400" dirty="0">
+            <a:pPr>
+              <a:lnSpc>
+                <a:spcPct val="150000"/>
+              </a:lnSpc>
+            </a:pPr>
+            <a:r>
+              <a:rPr lang="en-US" sz="2000" dirty="0">
                 <a:solidFill>
                   <a:schemeClr val="tx1"/>
                 </a:solidFill>
@@ -16498,8 +17189,13 @@
             </a:r>
           </a:p>
           <a:p>
-            <a:r>
-              <a:rPr lang="en-US" sz="2400" dirty="0">
+            <a:pPr>
+              <a:lnSpc>
+                <a:spcPct val="150000"/>
+              </a:lnSpc>
+            </a:pPr>
+            <a:r>
+              <a:rPr lang="en-US" sz="2000" dirty="0">
                 <a:solidFill>
                   <a:schemeClr val="tx1"/>
                 </a:solidFill>

--- a/Women In Business Presentation.pptx
+++ b/Women In Business Presentation.pptx
@@ -28,8 +28,11 @@
     <p:sldId id="283" r:id="rId22"/>
     <p:sldId id="284" r:id="rId23"/>
     <p:sldId id="269" r:id="rId24"/>
-    <p:sldId id="285" r:id="rId25"/>
-    <p:sldId id="265" r:id="rId26"/>
+    <p:sldId id="286" r:id="rId25"/>
+    <p:sldId id="287" r:id="rId26"/>
+    <p:sldId id="288" r:id="rId27"/>
+    <p:sldId id="285" r:id="rId28"/>
+    <p:sldId id="289" r:id="rId29"/>
   </p:sldIdLst>
   <p:sldSz cx="12192000" cy="6858000"/>
   <p:notesSz cx="6858000" cy="9144000"/>
@@ -482,7 +485,7 @@
           <a:p>
             <a:fld id="{6606CE42-9294-4836-A840-A909238F13A8}" type="datetimeFigureOut">
               <a:rPr lang="en-US" smtClean="0"/>
-              <a:t>2/26/2022</a:t>
+              <a:t>3/12/2022</a:t>
             </a:fld>
             <a:endParaRPr lang="en-US"/>
           </a:p>
@@ -1570,7 +1573,7 @@
           <a:p>
             <a:fld id="{6606CE42-9294-4836-A840-A909238F13A8}" type="datetimeFigureOut">
               <a:rPr lang="en-US" smtClean="0"/>
-              <a:t>2/26/2022</a:t>
+              <a:t>3/12/2022</a:t>
             </a:fld>
             <a:endParaRPr lang="en-US"/>
           </a:p>
@@ -2550,7 +2553,7 @@
           <a:p>
             <a:fld id="{6606CE42-9294-4836-A840-A909238F13A8}" type="datetimeFigureOut">
               <a:rPr lang="en-US" smtClean="0"/>
-              <a:t>2/26/2022</a:t>
+              <a:t>3/12/2022</a:t>
             </a:fld>
             <a:endParaRPr lang="en-US"/>
           </a:p>
@@ -3684,7 +3687,7 @@
           <a:p>
             <a:fld id="{6606CE42-9294-4836-A840-A909238F13A8}" type="datetimeFigureOut">
               <a:rPr lang="en-US" smtClean="0"/>
-              <a:t>2/26/2022</a:t>
+              <a:t>3/12/2022</a:t>
             </a:fld>
             <a:endParaRPr lang="en-US"/>
           </a:p>
@@ -4717,7 +4720,7 @@
           <a:p>
             <a:fld id="{6606CE42-9294-4836-A840-A909238F13A8}" type="datetimeFigureOut">
               <a:rPr lang="en-US" smtClean="0"/>
-              <a:t>2/26/2022</a:t>
+              <a:t>3/12/2022</a:t>
             </a:fld>
             <a:endParaRPr lang="en-US"/>
           </a:p>
@@ -5377,7 +5380,7 @@
           <a:p>
             <a:fld id="{6606CE42-9294-4836-A840-A909238F13A8}" type="datetimeFigureOut">
               <a:rPr lang="en-US" smtClean="0"/>
-              <a:t>2/26/2022</a:t>
+              <a:t>3/12/2022</a:t>
             </a:fld>
             <a:endParaRPr lang="en-US"/>
           </a:p>
@@ -6238,7 +6241,7 @@
           <a:p>
             <a:fld id="{6606CE42-9294-4836-A840-A909238F13A8}" type="datetimeFigureOut">
               <a:rPr lang="en-US" smtClean="0"/>
-              <a:t>2/26/2022</a:t>
+              <a:t>3/12/2022</a:t>
             </a:fld>
             <a:endParaRPr lang="en-US"/>
           </a:p>
@@ -6428,7 +6431,7 @@
           <a:p>
             <a:fld id="{6606CE42-9294-4836-A840-A909238F13A8}" type="datetimeFigureOut">
               <a:rPr lang="en-US" smtClean="0"/>
-              <a:t>2/26/2022</a:t>
+              <a:t>3/12/2022</a:t>
             </a:fld>
             <a:endParaRPr lang="en-US"/>
           </a:p>
@@ -7400,7 +7403,7 @@
           <a:p>
             <a:fld id="{6606CE42-9294-4836-A840-A909238F13A8}" type="datetimeFigureOut">
               <a:rPr lang="en-US" smtClean="0"/>
-              <a:t>2/26/2022</a:t>
+              <a:t>3/12/2022</a:t>
             </a:fld>
             <a:endParaRPr lang="en-US"/>
           </a:p>
@@ -7611,7 +7614,7 @@
           <a:p>
             <a:fld id="{6606CE42-9294-4836-A840-A909238F13A8}" type="datetimeFigureOut">
               <a:rPr lang="en-US" smtClean="0"/>
-              <a:t>2/26/2022</a:t>
+              <a:t>3/12/2022</a:t>
             </a:fld>
             <a:endParaRPr lang="en-US"/>
           </a:p>
@@ -8645,7 +8648,7 @@
           <a:p>
             <a:fld id="{6606CE42-9294-4836-A840-A909238F13A8}" type="datetimeFigureOut">
               <a:rPr lang="en-US" smtClean="0"/>
-              <a:t>2/26/2022</a:t>
+              <a:t>3/12/2022</a:t>
             </a:fld>
             <a:endParaRPr lang="en-US"/>
           </a:p>
@@ -8917,7 +8920,7 @@
           <a:p>
             <a:fld id="{6606CE42-9294-4836-A840-A909238F13A8}" type="datetimeFigureOut">
               <a:rPr lang="en-US" smtClean="0"/>
-              <a:t>2/26/2022</a:t>
+              <a:t>3/12/2022</a:t>
             </a:fld>
             <a:endParaRPr lang="en-US"/>
           </a:p>
@@ -9327,7 +9330,7 @@
           <a:p>
             <a:fld id="{6606CE42-9294-4836-A840-A909238F13A8}" type="datetimeFigureOut">
               <a:rPr lang="en-US" smtClean="0"/>
-              <a:t>2/26/2022</a:t>
+              <a:t>3/12/2022</a:t>
             </a:fld>
             <a:endParaRPr lang="en-US"/>
           </a:p>
@@ -9454,7 +9457,7 @@
           <a:p>
             <a:fld id="{6606CE42-9294-4836-A840-A909238F13A8}" type="datetimeFigureOut">
               <a:rPr lang="en-US" smtClean="0"/>
-              <a:t>2/26/2022</a:t>
+              <a:t>3/12/2022</a:t>
             </a:fld>
             <a:endParaRPr lang="en-US"/>
           </a:p>
@@ -9549,7 +9552,7 @@
           <a:p>
             <a:fld id="{6606CE42-9294-4836-A840-A909238F13A8}" type="datetimeFigureOut">
               <a:rPr lang="en-US" smtClean="0"/>
-              <a:t>2/26/2022</a:t>
+              <a:t>3/12/2022</a:t>
             </a:fld>
             <a:endParaRPr lang="en-US"/>
           </a:p>
@@ -10630,7 +10633,7 @@
           <a:p>
             <a:fld id="{6606CE42-9294-4836-A840-A909238F13A8}" type="datetimeFigureOut">
               <a:rPr lang="en-US" smtClean="0"/>
-              <a:t>2/26/2022</a:t>
+              <a:t>3/12/2022</a:t>
             </a:fld>
             <a:endParaRPr lang="en-US"/>
           </a:p>
@@ -11738,7 +11741,7 @@
           <a:p>
             <a:fld id="{6606CE42-9294-4836-A840-A909238F13A8}" type="datetimeFigureOut">
               <a:rPr lang="en-US" smtClean="0"/>
-              <a:t>2/26/2022</a:t>
+              <a:t>3/12/2022</a:t>
             </a:fld>
             <a:endParaRPr lang="en-US"/>
           </a:p>
@@ -12735,7 +12738,7 @@
           <a:p>
             <a:fld id="{6606CE42-9294-4836-A840-A909238F13A8}" type="datetimeFigureOut">
               <a:rPr lang="en-US" smtClean="0"/>
-              <a:t>2/26/2022</a:t>
+              <a:t>3/12/2022</a:t>
             </a:fld>
             <a:endParaRPr lang="en-US"/>
           </a:p>
@@ -13422,6 +13425,18 @@
   <p:clrMapOvr>
     <a:masterClrMapping/>
   </p:clrMapOvr>
+  <mc:AlternateContent xmlns:mc="http://schemas.openxmlformats.org/markup-compatibility/2006">
+    <mc:Choice xmlns:p14="http://schemas.microsoft.com/office/powerpoint/2010/main" Requires="p14">
+      <p:transition spd="med" p14:dur="700">
+        <p:fade/>
+      </p:transition>
+    </mc:Choice>
+    <mc:Fallback>
+      <p:transition spd="med">
+        <p:fade/>
+      </p:transition>
+    </mc:Fallback>
+  </mc:AlternateContent>
 </p:sld>
 </file>
 
@@ -13552,6 +13567,18 @@
   <p:clrMapOvr>
     <a:masterClrMapping/>
   </p:clrMapOvr>
+  <mc:AlternateContent xmlns:mc="http://schemas.openxmlformats.org/markup-compatibility/2006">
+    <mc:Choice xmlns:p14="http://schemas.microsoft.com/office/powerpoint/2010/main" Requires="p14">
+      <p:transition spd="med" p14:dur="700">
+        <p:fade/>
+      </p:transition>
+    </mc:Choice>
+    <mc:Fallback>
+      <p:transition spd="med">
+        <p:fade/>
+      </p:transition>
+    </mc:Fallback>
+  </mc:AlternateContent>
 </p:sld>
 </file>
 
@@ -13677,6 +13704,18 @@
   <p:clrMapOvr>
     <a:masterClrMapping/>
   </p:clrMapOvr>
+  <mc:AlternateContent xmlns:mc="http://schemas.openxmlformats.org/markup-compatibility/2006">
+    <mc:Choice xmlns:p14="http://schemas.microsoft.com/office/powerpoint/2010/main" Requires="p14">
+      <p:transition spd="med" p14:dur="700">
+        <p:fade/>
+      </p:transition>
+    </mc:Choice>
+    <mc:Fallback>
+      <p:transition spd="med">
+        <p:fade/>
+      </p:transition>
+    </mc:Fallback>
+  </mc:AlternateContent>
 </p:sld>
 </file>
 
@@ -13802,6 +13841,18 @@
   <p:clrMapOvr>
     <a:masterClrMapping/>
   </p:clrMapOvr>
+  <mc:AlternateContent xmlns:mc="http://schemas.openxmlformats.org/markup-compatibility/2006">
+    <mc:Choice xmlns:p14="http://schemas.microsoft.com/office/powerpoint/2010/main" Requires="p14">
+      <p:transition spd="med" p14:dur="700">
+        <p:fade/>
+      </p:transition>
+    </mc:Choice>
+    <mc:Fallback>
+      <p:transition spd="med">
+        <p:fade/>
+      </p:transition>
+    </mc:Fallback>
+  </mc:AlternateContent>
 </p:sld>
 </file>
 
@@ -13962,6 +14013,18 @@
   <p:clrMapOvr>
     <a:masterClrMapping/>
   </p:clrMapOvr>
+  <mc:AlternateContent xmlns:mc="http://schemas.openxmlformats.org/markup-compatibility/2006">
+    <mc:Choice xmlns:p14="http://schemas.microsoft.com/office/powerpoint/2010/main" Requires="p14">
+      <p:transition spd="med" p14:dur="700">
+        <p:fade/>
+      </p:transition>
+    </mc:Choice>
+    <mc:Fallback>
+      <p:transition spd="med">
+        <p:fade/>
+      </p:transition>
+    </mc:Fallback>
+  </mc:AlternateContent>
 </p:sld>
 </file>
 
@@ -14130,6 +14193,18 @@
   <p:clrMapOvr>
     <a:masterClrMapping/>
   </p:clrMapOvr>
+  <mc:AlternateContent xmlns:mc="http://schemas.openxmlformats.org/markup-compatibility/2006">
+    <mc:Choice xmlns:p14="http://schemas.microsoft.com/office/powerpoint/2010/main" Requires="p14">
+      <p:transition spd="med" p14:dur="700">
+        <p:fade/>
+      </p:transition>
+    </mc:Choice>
+    <mc:Fallback>
+      <p:transition spd="med">
+        <p:fade/>
+      </p:transition>
+    </mc:Fallback>
+  </mc:AlternateContent>
 </p:sld>
 </file>
 
@@ -14290,6 +14365,18 @@
   <p:clrMapOvr>
     <a:masterClrMapping/>
   </p:clrMapOvr>
+  <mc:AlternateContent xmlns:mc="http://schemas.openxmlformats.org/markup-compatibility/2006">
+    <mc:Choice xmlns:p14="http://schemas.microsoft.com/office/powerpoint/2010/main" Requires="p14">
+      <p:transition spd="med" p14:dur="700">
+        <p:fade/>
+      </p:transition>
+    </mc:Choice>
+    <mc:Fallback>
+      <p:transition spd="med">
+        <p:fade/>
+      </p:transition>
+    </mc:Fallback>
+  </mc:AlternateContent>
 </p:sld>
 </file>
 
@@ -14450,6 +14537,18 @@
   <p:clrMapOvr>
     <a:masterClrMapping/>
   </p:clrMapOvr>
+  <mc:AlternateContent xmlns:mc="http://schemas.openxmlformats.org/markup-compatibility/2006">
+    <mc:Choice xmlns:p14="http://schemas.microsoft.com/office/powerpoint/2010/main" Requires="p14">
+      <p:transition spd="med" p14:dur="700">
+        <p:fade/>
+      </p:transition>
+    </mc:Choice>
+    <mc:Fallback>
+      <p:transition spd="med">
+        <p:fade/>
+      </p:transition>
+    </mc:Fallback>
+  </mc:AlternateContent>
 </p:sld>
 </file>
 
@@ -14524,6 +14623,18 @@
   <p:clrMapOvr>
     <a:masterClrMapping/>
   </p:clrMapOvr>
+  <mc:AlternateContent xmlns:mc="http://schemas.openxmlformats.org/markup-compatibility/2006">
+    <mc:Choice xmlns:p14="http://schemas.microsoft.com/office/powerpoint/2010/main" Requires="p14">
+      <p:transition spd="med" p14:dur="700">
+        <p:fade/>
+      </p:transition>
+    </mc:Choice>
+    <mc:Fallback>
+      <p:transition spd="med">
+        <p:fade/>
+      </p:transition>
+    </mc:Fallback>
+  </mc:AlternateContent>
 </p:sld>
 </file>
 
@@ -14675,6 +14786,18 @@
   <p:clrMapOvr>
     <a:masterClrMapping/>
   </p:clrMapOvr>
+  <mc:AlternateContent xmlns:mc="http://schemas.openxmlformats.org/markup-compatibility/2006">
+    <mc:Choice xmlns:p14="http://schemas.microsoft.com/office/powerpoint/2010/main" Requires="p14">
+      <p:transition spd="med" p14:dur="700">
+        <p:fade/>
+      </p:transition>
+    </mc:Choice>
+    <mc:Fallback>
+      <p:transition spd="med">
+        <p:fade/>
+      </p:transition>
+    </mc:Fallback>
+  </mc:AlternateContent>
 </p:sld>
 </file>
 
@@ -14856,6 +14979,18 @@
   <p:clrMapOvr>
     <a:masterClrMapping/>
   </p:clrMapOvr>
+  <mc:AlternateContent xmlns:mc="http://schemas.openxmlformats.org/markup-compatibility/2006">
+    <mc:Choice xmlns:p14="http://schemas.microsoft.com/office/powerpoint/2010/main" Requires="p14">
+      <p:transition spd="med" p14:dur="700">
+        <p:fade/>
+      </p:transition>
+    </mc:Choice>
+    <mc:Fallback>
+      <p:transition spd="med">
+        <p:fade/>
+      </p:transition>
+    </mc:Fallback>
+  </mc:AlternateContent>
 </p:sld>
 </file>
 
@@ -15018,6 +15153,18 @@
   <p:clrMapOvr>
     <a:masterClrMapping/>
   </p:clrMapOvr>
+  <mc:AlternateContent xmlns:mc="http://schemas.openxmlformats.org/markup-compatibility/2006">
+    <mc:Choice xmlns:p14="http://schemas.microsoft.com/office/powerpoint/2010/main" Requires="p14">
+      <p:transition spd="med" p14:dur="700">
+        <p:fade/>
+      </p:transition>
+    </mc:Choice>
+    <mc:Fallback>
+      <p:transition spd="med">
+        <p:fade/>
+      </p:transition>
+    </mc:Fallback>
+  </mc:AlternateContent>
 </p:sld>
 </file>
 
@@ -15189,6 +15336,18 @@
   <p:clrMapOvr>
     <a:masterClrMapping/>
   </p:clrMapOvr>
+  <mc:AlternateContent xmlns:mc="http://schemas.openxmlformats.org/markup-compatibility/2006">
+    <mc:Choice xmlns:p14="http://schemas.microsoft.com/office/powerpoint/2010/main" Requires="p14">
+      <p:transition spd="med" p14:dur="700">
+        <p:fade/>
+      </p:transition>
+    </mc:Choice>
+    <mc:Fallback>
+      <p:transition spd="med">
+        <p:fade/>
+      </p:transition>
+    </mc:Fallback>
+  </mc:AlternateContent>
 </p:sld>
 </file>
 
@@ -15332,6 +15491,18 @@
   <p:clrMapOvr>
     <a:masterClrMapping/>
   </p:clrMapOvr>
+  <mc:AlternateContent xmlns:mc="http://schemas.openxmlformats.org/markup-compatibility/2006">
+    <mc:Choice xmlns:p14="http://schemas.microsoft.com/office/powerpoint/2010/main" Requires="p14">
+      <p:transition spd="med" p14:dur="700">
+        <p:fade/>
+      </p:transition>
+    </mc:Choice>
+    <mc:Fallback>
+      <p:transition spd="med">
+        <p:fade/>
+      </p:transition>
+    </mc:Fallback>
+  </mc:AlternateContent>
 </p:sld>
 </file>
 
@@ -15457,6 +15628,18 @@
   <p:clrMapOvr>
     <a:masterClrMapping/>
   </p:clrMapOvr>
+  <mc:AlternateContent xmlns:mc="http://schemas.openxmlformats.org/markup-compatibility/2006">
+    <mc:Choice xmlns:p14="http://schemas.microsoft.com/office/powerpoint/2010/main" Requires="p14">
+      <p:transition spd="med" p14:dur="700">
+        <p:fade/>
+      </p:transition>
+    </mc:Choice>
+    <mc:Fallback>
+      <p:transition spd="med">
+        <p:fade/>
+      </p:transition>
+    </mc:Fallback>
+  </mc:AlternateContent>
 </p:sld>
 </file>
 
@@ -15519,6 +15702,18 @@
   <p:clrMapOvr>
     <a:masterClrMapping/>
   </p:clrMapOvr>
+  <mc:AlternateContent xmlns:mc="http://schemas.openxmlformats.org/markup-compatibility/2006">
+    <mc:Choice xmlns:p14="http://schemas.microsoft.com/office/powerpoint/2010/main" Requires="p14">
+      <p:transition spd="med" p14:dur="700">
+        <p:fade/>
+      </p:transition>
+    </mc:Choice>
+    <mc:Fallback>
+      <p:transition spd="med">
+        <p:fade/>
+      </p:transition>
+    </mc:Fallback>
+  </mc:AlternateContent>
 </p:sld>
 </file>
 
@@ -15562,6 +15757,1248 @@
           <a:p>
             <a:r>
               <a:rPr lang="en-US" dirty="0"/>
+              <a:t>Did any of the results surprise you? </a:t>
+            </a:r>
+          </a:p>
+        </p:txBody>
+      </p:sp>
+      <p:sp>
+        <p:nvSpPr>
+          <p:cNvPr id="3" name="Content Placeholder 2">
+            <a:extLst>
+              <a:ext uri="{FF2B5EF4-FFF2-40B4-BE49-F238E27FC236}">
+                <a16:creationId xmlns:a16="http://schemas.microsoft.com/office/drawing/2014/main" id="{432FE1D8-B326-481A-AE71-CC32AF3F969C}"/>
+              </a:ext>
+            </a:extLst>
+          </p:cNvPr>
+          <p:cNvSpPr>
+            <a:spLocks noGrp="1"/>
+          </p:cNvSpPr>
+          <p:nvPr>
+            <p:ph idx="1"/>
+          </p:nvPr>
+        </p:nvSpPr>
+        <p:spPr/>
+        <p:txBody>
+          <a:bodyPr>
+            <a:normAutofit/>
+          </a:bodyPr>
+          <a:lstStyle/>
+          <a:p>
+            <a:pPr rtl="0">
+              <a:spcBef>
+                <a:spcPts val="0"/>
+              </a:spcBef>
+              <a:spcAft>
+                <a:spcPts val="800"/>
+              </a:spcAft>
+            </a:pPr>
+            <a:r>
+              <a:rPr lang="en-US" sz="2400" dirty="0">
+                <a:solidFill>
+                  <a:schemeClr val="tx1"/>
+                </a:solidFill>
+              </a:rPr>
+              <a:t>Lack of evidence for an inherent connection between race, ethnicity, and sales</a:t>
+            </a:r>
+          </a:p>
+          <a:p>
+            <a:pPr rtl="0">
+              <a:spcBef>
+                <a:spcPts val="0"/>
+              </a:spcBef>
+              <a:spcAft>
+                <a:spcPts val="800"/>
+              </a:spcAft>
+            </a:pPr>
+            <a:r>
+              <a:rPr lang="en-US" sz="2400" dirty="0">
+                <a:solidFill>
+                  <a:schemeClr val="tx1"/>
+                </a:solidFill>
+              </a:rPr>
+              <a:t>Number of women-owned businesses in manufacturing, construction, and waste management</a:t>
+            </a:r>
+          </a:p>
+          <a:p>
+            <a:pPr rtl="0">
+              <a:spcBef>
+                <a:spcPts val="0"/>
+              </a:spcBef>
+              <a:spcAft>
+                <a:spcPts val="800"/>
+              </a:spcAft>
+            </a:pPr>
+            <a:r>
+              <a:rPr lang="en-US" sz="2400" dirty="0">
+                <a:solidFill>
+                  <a:schemeClr val="tx1"/>
+                </a:solidFill>
+              </a:rPr>
+              <a:t>Lack of evidence for an inherent connection between gender and sales</a:t>
+            </a:r>
+            <a:br>
+              <a:rPr lang="en-US" dirty="0"/>
+            </a:br>
+            <a:endParaRPr lang="en-US" dirty="0"/>
+          </a:p>
+        </p:txBody>
+      </p:sp>
+    </p:spTree>
+    <p:extLst>
+      <p:ext uri="{BB962C8B-B14F-4D97-AF65-F5344CB8AC3E}">
+        <p14:creationId xmlns:p14="http://schemas.microsoft.com/office/powerpoint/2010/main" val="2582855603"/>
+      </p:ext>
+    </p:extLst>
+  </p:cSld>
+  <p:clrMapOvr>
+    <a:masterClrMapping/>
+  </p:clrMapOvr>
+  <mc:AlternateContent xmlns:mc="http://schemas.openxmlformats.org/markup-compatibility/2006">
+    <mc:Choice xmlns:p14="http://schemas.microsoft.com/office/powerpoint/2010/main" Requires="p14">
+      <p:transition spd="slow" p14:dur="3400">
+        <p14:reveal/>
+      </p:transition>
+    </mc:Choice>
+    <mc:Fallback>
+      <p:transition spd="slow">
+        <p:fade/>
+      </p:transition>
+    </mc:Fallback>
+  </mc:AlternateContent>
+  <p:timing>
+    <p:tnLst>
+      <p:par>
+        <p:cTn id="1" dur="indefinite" restart="never" nodeType="tmRoot">
+          <p:childTnLst>
+            <p:seq concurrent="1" nextAc="seek">
+              <p:cTn id="2" dur="indefinite" nodeType="mainSeq">
+                <p:childTnLst>
+                  <p:par>
+                    <p:cTn id="3" fill="hold">
+                      <p:stCondLst>
+                        <p:cond delay="indefinite"/>
+                      </p:stCondLst>
+                      <p:childTnLst>
+                        <p:par>
+                          <p:cTn id="4" fill="hold">
+                            <p:stCondLst>
+                              <p:cond delay="0"/>
+                            </p:stCondLst>
+                            <p:childTnLst>
+                              <p:par>
+                                <p:cTn id="5" presetID="10" presetClass="entr" presetSubtype="0" fill="hold" grpId="0" nodeType="clickEffect">
+                                  <p:stCondLst>
+                                    <p:cond delay="0"/>
+                                  </p:stCondLst>
+                                  <p:childTnLst>
+                                    <p:set>
+                                      <p:cBhvr>
+                                        <p:cTn id="6" dur="1" fill="hold">
+                                          <p:stCondLst>
+                                            <p:cond delay="0"/>
+                                          </p:stCondLst>
+                                        </p:cTn>
+                                        <p:tgtEl>
+                                          <p:spTgt spid="2"/>
+                                        </p:tgtEl>
+                                        <p:attrNameLst>
+                                          <p:attrName>style.visibility</p:attrName>
+                                        </p:attrNameLst>
+                                      </p:cBhvr>
+                                      <p:to>
+                                        <p:strVal val="visible"/>
+                                      </p:to>
+                                    </p:set>
+                                    <p:animEffect transition="in" filter="fade">
+                                      <p:cBhvr>
+                                        <p:cTn id="7" dur="500"/>
+                                        <p:tgtEl>
+                                          <p:spTgt spid="2"/>
+                                        </p:tgtEl>
+                                      </p:cBhvr>
+                                    </p:animEffect>
+                                  </p:childTnLst>
+                                </p:cTn>
+                              </p:par>
+                            </p:childTnLst>
+                          </p:cTn>
+                        </p:par>
+                      </p:childTnLst>
+                    </p:cTn>
+                  </p:par>
+                  <p:par>
+                    <p:cTn id="8" fill="hold">
+                      <p:stCondLst>
+                        <p:cond delay="indefinite"/>
+                      </p:stCondLst>
+                      <p:childTnLst>
+                        <p:par>
+                          <p:cTn id="9" fill="hold">
+                            <p:stCondLst>
+                              <p:cond delay="0"/>
+                            </p:stCondLst>
+                            <p:childTnLst>
+                              <p:par>
+                                <p:cTn id="10" presetID="10" presetClass="entr" presetSubtype="0" fill="hold" grpId="0" nodeType="clickEffect">
+                                  <p:stCondLst>
+                                    <p:cond delay="0"/>
+                                  </p:stCondLst>
+                                  <p:childTnLst>
+                                    <p:set>
+                                      <p:cBhvr>
+                                        <p:cTn id="11" dur="1" fill="hold">
+                                          <p:stCondLst>
+                                            <p:cond delay="0"/>
+                                          </p:stCondLst>
+                                        </p:cTn>
+                                        <p:tgtEl>
+                                          <p:spTgt spid="3">
+                                            <p:txEl>
+                                              <p:pRg st="0" end="0"/>
+                                            </p:txEl>
+                                          </p:spTgt>
+                                        </p:tgtEl>
+                                        <p:attrNameLst>
+                                          <p:attrName>style.visibility</p:attrName>
+                                        </p:attrNameLst>
+                                      </p:cBhvr>
+                                      <p:to>
+                                        <p:strVal val="visible"/>
+                                      </p:to>
+                                    </p:set>
+                                    <p:animEffect transition="in" filter="fade">
+                                      <p:cBhvr>
+                                        <p:cTn id="12" dur="500"/>
+                                        <p:tgtEl>
+                                          <p:spTgt spid="3">
+                                            <p:txEl>
+                                              <p:pRg st="0" end="0"/>
+                                            </p:txEl>
+                                          </p:spTgt>
+                                        </p:tgtEl>
+                                      </p:cBhvr>
+                                    </p:animEffect>
+                                  </p:childTnLst>
+                                </p:cTn>
+                              </p:par>
+                            </p:childTnLst>
+                          </p:cTn>
+                        </p:par>
+                      </p:childTnLst>
+                    </p:cTn>
+                  </p:par>
+                  <p:par>
+                    <p:cTn id="13" fill="hold">
+                      <p:stCondLst>
+                        <p:cond delay="indefinite"/>
+                      </p:stCondLst>
+                      <p:childTnLst>
+                        <p:par>
+                          <p:cTn id="14" fill="hold">
+                            <p:stCondLst>
+                              <p:cond delay="0"/>
+                            </p:stCondLst>
+                            <p:childTnLst>
+                              <p:par>
+                                <p:cTn id="15" presetID="10" presetClass="entr" presetSubtype="0" fill="hold" grpId="0" nodeType="clickEffect">
+                                  <p:stCondLst>
+                                    <p:cond delay="0"/>
+                                  </p:stCondLst>
+                                  <p:childTnLst>
+                                    <p:set>
+                                      <p:cBhvr>
+                                        <p:cTn id="16" dur="1" fill="hold">
+                                          <p:stCondLst>
+                                            <p:cond delay="0"/>
+                                          </p:stCondLst>
+                                        </p:cTn>
+                                        <p:tgtEl>
+                                          <p:spTgt spid="3">
+                                            <p:txEl>
+                                              <p:pRg st="1" end="1"/>
+                                            </p:txEl>
+                                          </p:spTgt>
+                                        </p:tgtEl>
+                                        <p:attrNameLst>
+                                          <p:attrName>style.visibility</p:attrName>
+                                        </p:attrNameLst>
+                                      </p:cBhvr>
+                                      <p:to>
+                                        <p:strVal val="visible"/>
+                                      </p:to>
+                                    </p:set>
+                                    <p:animEffect transition="in" filter="fade">
+                                      <p:cBhvr>
+                                        <p:cTn id="17" dur="500"/>
+                                        <p:tgtEl>
+                                          <p:spTgt spid="3">
+                                            <p:txEl>
+                                              <p:pRg st="1" end="1"/>
+                                            </p:txEl>
+                                          </p:spTgt>
+                                        </p:tgtEl>
+                                      </p:cBhvr>
+                                    </p:animEffect>
+                                  </p:childTnLst>
+                                </p:cTn>
+                              </p:par>
+                            </p:childTnLst>
+                          </p:cTn>
+                        </p:par>
+                      </p:childTnLst>
+                    </p:cTn>
+                  </p:par>
+                  <p:par>
+                    <p:cTn id="18" fill="hold">
+                      <p:stCondLst>
+                        <p:cond delay="indefinite"/>
+                      </p:stCondLst>
+                      <p:childTnLst>
+                        <p:par>
+                          <p:cTn id="19" fill="hold">
+                            <p:stCondLst>
+                              <p:cond delay="0"/>
+                            </p:stCondLst>
+                            <p:childTnLst>
+                              <p:par>
+                                <p:cTn id="20" presetID="10" presetClass="entr" presetSubtype="0" fill="hold" grpId="0" nodeType="clickEffect">
+                                  <p:stCondLst>
+                                    <p:cond delay="0"/>
+                                  </p:stCondLst>
+                                  <p:childTnLst>
+                                    <p:set>
+                                      <p:cBhvr>
+                                        <p:cTn id="21" dur="1" fill="hold">
+                                          <p:stCondLst>
+                                            <p:cond delay="0"/>
+                                          </p:stCondLst>
+                                        </p:cTn>
+                                        <p:tgtEl>
+                                          <p:spTgt spid="3">
+                                            <p:txEl>
+                                              <p:pRg st="2" end="2"/>
+                                            </p:txEl>
+                                          </p:spTgt>
+                                        </p:tgtEl>
+                                        <p:attrNameLst>
+                                          <p:attrName>style.visibility</p:attrName>
+                                        </p:attrNameLst>
+                                      </p:cBhvr>
+                                      <p:to>
+                                        <p:strVal val="visible"/>
+                                      </p:to>
+                                    </p:set>
+                                    <p:animEffect transition="in" filter="fade">
+                                      <p:cBhvr>
+                                        <p:cTn id="22" dur="500"/>
+                                        <p:tgtEl>
+                                          <p:spTgt spid="3">
+                                            <p:txEl>
+                                              <p:pRg st="2" end="2"/>
+                                            </p:txEl>
+                                          </p:spTgt>
+                                        </p:tgtEl>
+                                      </p:cBhvr>
+                                    </p:animEffect>
+                                  </p:childTnLst>
+                                </p:cTn>
+                              </p:par>
+                            </p:childTnLst>
+                          </p:cTn>
+                        </p:par>
+                      </p:childTnLst>
+                    </p:cTn>
+                  </p:par>
+                </p:childTnLst>
+              </p:cTn>
+              <p:prevCondLst>
+                <p:cond evt="onPrev" delay="0">
+                  <p:tgtEl>
+                    <p:sldTgt/>
+                  </p:tgtEl>
+                </p:cond>
+              </p:prevCondLst>
+              <p:nextCondLst>
+                <p:cond evt="onNext" delay="0">
+                  <p:tgtEl>
+                    <p:sldTgt/>
+                  </p:tgtEl>
+                </p:cond>
+              </p:nextCondLst>
+            </p:seq>
+          </p:childTnLst>
+        </p:cTn>
+      </p:par>
+    </p:tnLst>
+    <p:bldLst>
+      <p:bldP spid="2" grpId="0"/>
+      <p:bldP spid="3" grpId="0" build="p"/>
+    </p:bldLst>
+  </p:timing>
+</p:sld>
+</file>
+
+<file path=ppt/slides/slide25.xml><?xml version="1.0" encoding="utf-8"?>
+<p:sld xmlns:a="http://schemas.openxmlformats.org/drawingml/2006/main" xmlns:r="http://schemas.openxmlformats.org/officeDocument/2006/relationships" xmlns:p="http://schemas.openxmlformats.org/presentationml/2006/main">
+  <p:cSld>
+    <p:spTree>
+      <p:nvGrpSpPr>
+        <p:cNvPr id="1" name=""/>
+        <p:cNvGrpSpPr/>
+        <p:nvPr/>
+      </p:nvGrpSpPr>
+      <p:grpSpPr>
+        <a:xfrm>
+          <a:off x="0" y="0"/>
+          <a:ext cx="0" cy="0"/>
+          <a:chOff x="0" y="0"/>
+          <a:chExt cx="0" cy="0"/>
+        </a:xfrm>
+      </p:grpSpPr>
+      <p:sp>
+        <p:nvSpPr>
+          <p:cNvPr id="2" name="Title 1">
+            <a:extLst>
+              <a:ext uri="{FF2B5EF4-FFF2-40B4-BE49-F238E27FC236}">
+                <a16:creationId xmlns:a16="http://schemas.microsoft.com/office/drawing/2014/main" id="{E6171A0E-422B-45DA-9D0E-6949BF32A3BD}"/>
+              </a:ext>
+            </a:extLst>
+          </p:cNvPr>
+          <p:cNvSpPr>
+            <a:spLocks noGrp="1"/>
+          </p:cNvSpPr>
+          <p:nvPr>
+            <p:ph type="title"/>
+          </p:nvPr>
+        </p:nvSpPr>
+        <p:spPr/>
+        <p:txBody>
+          <a:bodyPr/>
+          <a:lstStyle/>
+          <a:p>
+            <a:r>
+              <a:rPr lang="en-US" dirty="0"/>
+              <a:t>Did we find any institutional biases during our research?</a:t>
+            </a:r>
+          </a:p>
+        </p:txBody>
+      </p:sp>
+      <p:sp>
+        <p:nvSpPr>
+          <p:cNvPr id="3" name="Content Placeholder 2">
+            <a:extLst>
+              <a:ext uri="{FF2B5EF4-FFF2-40B4-BE49-F238E27FC236}">
+                <a16:creationId xmlns:a16="http://schemas.microsoft.com/office/drawing/2014/main" id="{432FE1D8-B326-481A-AE71-CC32AF3F969C}"/>
+              </a:ext>
+            </a:extLst>
+          </p:cNvPr>
+          <p:cNvSpPr>
+            <a:spLocks noGrp="1"/>
+          </p:cNvSpPr>
+          <p:nvPr>
+            <p:ph idx="1"/>
+          </p:nvPr>
+        </p:nvSpPr>
+        <p:spPr/>
+        <p:txBody>
+          <a:bodyPr>
+            <a:normAutofit/>
+          </a:bodyPr>
+          <a:lstStyle/>
+          <a:p>
+            <a:pPr rtl="0">
+              <a:spcBef>
+                <a:spcPts val="0"/>
+              </a:spcBef>
+              <a:spcAft>
+                <a:spcPts val="800"/>
+              </a:spcAft>
+            </a:pPr>
+            <a:r>
+              <a:rPr lang="en-US" sz="2800" dirty="0"/>
+              <a:t>Did not find any institutional biases</a:t>
+            </a:r>
+          </a:p>
+          <a:p>
+            <a:pPr rtl="0">
+              <a:spcBef>
+                <a:spcPts val="0"/>
+              </a:spcBef>
+              <a:spcAft>
+                <a:spcPts val="800"/>
+              </a:spcAft>
+            </a:pPr>
+            <a:r>
+              <a:rPr lang="en-US" sz="2800" dirty="0"/>
+              <a:t>Women did not take advantage of financial opportunities as often as men</a:t>
+            </a:r>
+          </a:p>
+          <a:p>
+            <a:pPr rtl="0">
+              <a:spcBef>
+                <a:spcPts val="0"/>
+              </a:spcBef>
+              <a:spcAft>
+                <a:spcPts val="800"/>
+              </a:spcAft>
+            </a:pPr>
+            <a:r>
+              <a:rPr lang="en-US" sz="2800" dirty="0"/>
+              <a:t>Limiting business growth for women and/or entrances into other markets</a:t>
+            </a:r>
+            <a:br>
+              <a:rPr lang="en-US" dirty="0"/>
+            </a:br>
+            <a:endParaRPr lang="en-US" dirty="0"/>
+          </a:p>
+        </p:txBody>
+      </p:sp>
+    </p:spTree>
+    <p:extLst>
+      <p:ext uri="{BB962C8B-B14F-4D97-AF65-F5344CB8AC3E}">
+        <p14:creationId xmlns:p14="http://schemas.microsoft.com/office/powerpoint/2010/main" val="1199085014"/>
+      </p:ext>
+    </p:extLst>
+  </p:cSld>
+  <p:clrMapOvr>
+    <a:masterClrMapping/>
+  </p:clrMapOvr>
+  <mc:AlternateContent xmlns:mc="http://schemas.openxmlformats.org/markup-compatibility/2006">
+    <mc:Choice xmlns:p14="http://schemas.microsoft.com/office/powerpoint/2010/main" Requires="p14">
+      <p:transition spd="med" p14:dur="700">
+        <p:fade/>
+      </p:transition>
+    </mc:Choice>
+    <mc:Fallback>
+      <p:transition spd="med">
+        <p:fade/>
+      </p:transition>
+    </mc:Fallback>
+  </mc:AlternateContent>
+  <p:timing>
+    <p:tnLst>
+      <p:par>
+        <p:cTn id="1" dur="indefinite" restart="never" nodeType="tmRoot">
+          <p:childTnLst>
+            <p:seq concurrent="1" nextAc="seek">
+              <p:cTn id="2" dur="indefinite" nodeType="mainSeq">
+                <p:childTnLst>
+                  <p:par>
+                    <p:cTn id="3" fill="hold">
+                      <p:stCondLst>
+                        <p:cond delay="indefinite"/>
+                      </p:stCondLst>
+                      <p:childTnLst>
+                        <p:par>
+                          <p:cTn id="4" fill="hold">
+                            <p:stCondLst>
+                              <p:cond delay="0"/>
+                            </p:stCondLst>
+                            <p:childTnLst>
+                              <p:par>
+                                <p:cTn id="5" presetID="10" presetClass="entr" presetSubtype="0" fill="hold" grpId="0" nodeType="clickEffect">
+                                  <p:stCondLst>
+                                    <p:cond delay="0"/>
+                                  </p:stCondLst>
+                                  <p:childTnLst>
+                                    <p:set>
+                                      <p:cBhvr>
+                                        <p:cTn id="6" dur="1" fill="hold">
+                                          <p:stCondLst>
+                                            <p:cond delay="0"/>
+                                          </p:stCondLst>
+                                        </p:cTn>
+                                        <p:tgtEl>
+                                          <p:spTgt spid="2"/>
+                                        </p:tgtEl>
+                                        <p:attrNameLst>
+                                          <p:attrName>style.visibility</p:attrName>
+                                        </p:attrNameLst>
+                                      </p:cBhvr>
+                                      <p:to>
+                                        <p:strVal val="visible"/>
+                                      </p:to>
+                                    </p:set>
+                                    <p:animEffect transition="in" filter="fade">
+                                      <p:cBhvr>
+                                        <p:cTn id="7" dur="500"/>
+                                        <p:tgtEl>
+                                          <p:spTgt spid="2"/>
+                                        </p:tgtEl>
+                                      </p:cBhvr>
+                                    </p:animEffect>
+                                  </p:childTnLst>
+                                </p:cTn>
+                              </p:par>
+                            </p:childTnLst>
+                          </p:cTn>
+                        </p:par>
+                      </p:childTnLst>
+                    </p:cTn>
+                  </p:par>
+                  <p:par>
+                    <p:cTn id="8" fill="hold">
+                      <p:stCondLst>
+                        <p:cond delay="indefinite"/>
+                      </p:stCondLst>
+                      <p:childTnLst>
+                        <p:par>
+                          <p:cTn id="9" fill="hold">
+                            <p:stCondLst>
+                              <p:cond delay="0"/>
+                            </p:stCondLst>
+                            <p:childTnLst>
+                              <p:par>
+                                <p:cTn id="10" presetID="10" presetClass="entr" presetSubtype="0" fill="hold" grpId="0" nodeType="clickEffect">
+                                  <p:stCondLst>
+                                    <p:cond delay="0"/>
+                                  </p:stCondLst>
+                                  <p:childTnLst>
+                                    <p:set>
+                                      <p:cBhvr>
+                                        <p:cTn id="11" dur="1" fill="hold">
+                                          <p:stCondLst>
+                                            <p:cond delay="0"/>
+                                          </p:stCondLst>
+                                        </p:cTn>
+                                        <p:tgtEl>
+                                          <p:spTgt spid="3">
+                                            <p:txEl>
+                                              <p:pRg st="0" end="0"/>
+                                            </p:txEl>
+                                          </p:spTgt>
+                                        </p:tgtEl>
+                                        <p:attrNameLst>
+                                          <p:attrName>style.visibility</p:attrName>
+                                        </p:attrNameLst>
+                                      </p:cBhvr>
+                                      <p:to>
+                                        <p:strVal val="visible"/>
+                                      </p:to>
+                                    </p:set>
+                                    <p:animEffect transition="in" filter="fade">
+                                      <p:cBhvr>
+                                        <p:cTn id="12" dur="500"/>
+                                        <p:tgtEl>
+                                          <p:spTgt spid="3">
+                                            <p:txEl>
+                                              <p:pRg st="0" end="0"/>
+                                            </p:txEl>
+                                          </p:spTgt>
+                                        </p:tgtEl>
+                                      </p:cBhvr>
+                                    </p:animEffect>
+                                  </p:childTnLst>
+                                </p:cTn>
+                              </p:par>
+                            </p:childTnLst>
+                          </p:cTn>
+                        </p:par>
+                      </p:childTnLst>
+                    </p:cTn>
+                  </p:par>
+                  <p:par>
+                    <p:cTn id="13" fill="hold">
+                      <p:stCondLst>
+                        <p:cond delay="indefinite"/>
+                      </p:stCondLst>
+                      <p:childTnLst>
+                        <p:par>
+                          <p:cTn id="14" fill="hold">
+                            <p:stCondLst>
+                              <p:cond delay="0"/>
+                            </p:stCondLst>
+                            <p:childTnLst>
+                              <p:par>
+                                <p:cTn id="15" presetID="10" presetClass="entr" presetSubtype="0" fill="hold" grpId="0" nodeType="clickEffect">
+                                  <p:stCondLst>
+                                    <p:cond delay="0"/>
+                                  </p:stCondLst>
+                                  <p:childTnLst>
+                                    <p:set>
+                                      <p:cBhvr>
+                                        <p:cTn id="16" dur="1" fill="hold">
+                                          <p:stCondLst>
+                                            <p:cond delay="0"/>
+                                          </p:stCondLst>
+                                        </p:cTn>
+                                        <p:tgtEl>
+                                          <p:spTgt spid="3">
+                                            <p:txEl>
+                                              <p:pRg st="1" end="1"/>
+                                            </p:txEl>
+                                          </p:spTgt>
+                                        </p:tgtEl>
+                                        <p:attrNameLst>
+                                          <p:attrName>style.visibility</p:attrName>
+                                        </p:attrNameLst>
+                                      </p:cBhvr>
+                                      <p:to>
+                                        <p:strVal val="visible"/>
+                                      </p:to>
+                                    </p:set>
+                                    <p:animEffect transition="in" filter="fade">
+                                      <p:cBhvr>
+                                        <p:cTn id="17" dur="500"/>
+                                        <p:tgtEl>
+                                          <p:spTgt spid="3">
+                                            <p:txEl>
+                                              <p:pRg st="1" end="1"/>
+                                            </p:txEl>
+                                          </p:spTgt>
+                                        </p:tgtEl>
+                                      </p:cBhvr>
+                                    </p:animEffect>
+                                  </p:childTnLst>
+                                </p:cTn>
+                              </p:par>
+                            </p:childTnLst>
+                          </p:cTn>
+                        </p:par>
+                      </p:childTnLst>
+                    </p:cTn>
+                  </p:par>
+                  <p:par>
+                    <p:cTn id="18" fill="hold">
+                      <p:stCondLst>
+                        <p:cond delay="indefinite"/>
+                      </p:stCondLst>
+                      <p:childTnLst>
+                        <p:par>
+                          <p:cTn id="19" fill="hold">
+                            <p:stCondLst>
+                              <p:cond delay="0"/>
+                            </p:stCondLst>
+                            <p:childTnLst>
+                              <p:par>
+                                <p:cTn id="20" presetID="10" presetClass="entr" presetSubtype="0" fill="hold" grpId="0" nodeType="clickEffect">
+                                  <p:stCondLst>
+                                    <p:cond delay="0"/>
+                                  </p:stCondLst>
+                                  <p:childTnLst>
+                                    <p:set>
+                                      <p:cBhvr>
+                                        <p:cTn id="21" dur="1" fill="hold">
+                                          <p:stCondLst>
+                                            <p:cond delay="0"/>
+                                          </p:stCondLst>
+                                        </p:cTn>
+                                        <p:tgtEl>
+                                          <p:spTgt spid="3">
+                                            <p:txEl>
+                                              <p:pRg st="2" end="2"/>
+                                            </p:txEl>
+                                          </p:spTgt>
+                                        </p:tgtEl>
+                                        <p:attrNameLst>
+                                          <p:attrName>style.visibility</p:attrName>
+                                        </p:attrNameLst>
+                                      </p:cBhvr>
+                                      <p:to>
+                                        <p:strVal val="visible"/>
+                                      </p:to>
+                                    </p:set>
+                                    <p:animEffect transition="in" filter="fade">
+                                      <p:cBhvr>
+                                        <p:cTn id="22" dur="500"/>
+                                        <p:tgtEl>
+                                          <p:spTgt spid="3">
+                                            <p:txEl>
+                                              <p:pRg st="2" end="2"/>
+                                            </p:txEl>
+                                          </p:spTgt>
+                                        </p:tgtEl>
+                                      </p:cBhvr>
+                                    </p:animEffect>
+                                  </p:childTnLst>
+                                </p:cTn>
+                              </p:par>
+                            </p:childTnLst>
+                          </p:cTn>
+                        </p:par>
+                      </p:childTnLst>
+                    </p:cTn>
+                  </p:par>
+                </p:childTnLst>
+              </p:cTn>
+              <p:prevCondLst>
+                <p:cond evt="onPrev" delay="0">
+                  <p:tgtEl>
+                    <p:sldTgt/>
+                  </p:tgtEl>
+                </p:cond>
+              </p:prevCondLst>
+              <p:nextCondLst>
+                <p:cond evt="onNext" delay="0">
+                  <p:tgtEl>
+                    <p:sldTgt/>
+                  </p:tgtEl>
+                </p:cond>
+              </p:nextCondLst>
+            </p:seq>
+          </p:childTnLst>
+        </p:cTn>
+      </p:par>
+    </p:tnLst>
+    <p:bldLst>
+      <p:bldP spid="2" grpId="0"/>
+      <p:bldP spid="3" grpId="0" build="p"/>
+    </p:bldLst>
+  </p:timing>
+</p:sld>
+</file>
+
+<file path=ppt/slides/slide26.xml><?xml version="1.0" encoding="utf-8"?>
+<p:sld xmlns:a="http://schemas.openxmlformats.org/drawingml/2006/main" xmlns:r="http://schemas.openxmlformats.org/officeDocument/2006/relationships" xmlns:p="http://schemas.openxmlformats.org/presentationml/2006/main">
+  <p:cSld>
+    <p:spTree>
+      <p:nvGrpSpPr>
+        <p:cNvPr id="1" name=""/>
+        <p:cNvGrpSpPr/>
+        <p:nvPr/>
+      </p:nvGrpSpPr>
+      <p:grpSpPr>
+        <a:xfrm>
+          <a:off x="0" y="0"/>
+          <a:ext cx="0" cy="0"/>
+          <a:chOff x="0" y="0"/>
+          <a:chExt cx="0" cy="0"/>
+        </a:xfrm>
+      </p:grpSpPr>
+      <p:sp>
+        <p:nvSpPr>
+          <p:cNvPr id="2" name="Title 1">
+            <a:extLst>
+              <a:ext uri="{FF2B5EF4-FFF2-40B4-BE49-F238E27FC236}">
+                <a16:creationId xmlns:a16="http://schemas.microsoft.com/office/drawing/2014/main" id="{E6171A0E-422B-45DA-9D0E-6949BF32A3BD}"/>
+              </a:ext>
+            </a:extLst>
+          </p:cNvPr>
+          <p:cNvSpPr>
+            <a:spLocks noGrp="1"/>
+          </p:cNvSpPr>
+          <p:nvPr>
+            <p:ph type="title"/>
+          </p:nvPr>
+        </p:nvSpPr>
+        <p:spPr/>
+        <p:txBody>
+          <a:bodyPr/>
+          <a:lstStyle/>
+          <a:p>
+            <a:r>
+              <a:rPr lang="en-US" dirty="0"/>
+              <a:t>Did this project change how you felt about owning your own businesses?</a:t>
+            </a:r>
+          </a:p>
+        </p:txBody>
+      </p:sp>
+      <p:sp>
+        <p:nvSpPr>
+          <p:cNvPr id="3" name="Content Placeholder 2">
+            <a:extLst>
+              <a:ext uri="{FF2B5EF4-FFF2-40B4-BE49-F238E27FC236}">
+                <a16:creationId xmlns:a16="http://schemas.microsoft.com/office/drawing/2014/main" id="{432FE1D8-B326-481A-AE71-CC32AF3F969C}"/>
+              </a:ext>
+            </a:extLst>
+          </p:cNvPr>
+          <p:cNvSpPr>
+            <a:spLocks noGrp="1"/>
+          </p:cNvSpPr>
+          <p:nvPr>
+            <p:ph idx="1"/>
+          </p:nvPr>
+        </p:nvSpPr>
+        <p:spPr/>
+        <p:txBody>
+          <a:bodyPr>
+            <a:normAutofit/>
+          </a:bodyPr>
+          <a:lstStyle/>
+          <a:p>
+            <a:pPr rtl="0">
+              <a:spcBef>
+                <a:spcPts val="0"/>
+              </a:spcBef>
+              <a:spcAft>
+                <a:spcPts val="800"/>
+              </a:spcAft>
+            </a:pPr>
+            <a:r>
+              <a:rPr lang="en-US" sz="2800" dirty="0"/>
+              <a:t>Changed how I feel about owning my own business for the better</a:t>
+            </a:r>
+          </a:p>
+          <a:p>
+            <a:pPr rtl="0">
+              <a:spcBef>
+                <a:spcPts val="0"/>
+              </a:spcBef>
+              <a:spcAft>
+                <a:spcPts val="800"/>
+              </a:spcAft>
+            </a:pPr>
+            <a:r>
+              <a:rPr lang="en-US" sz="2800" dirty="0"/>
+              <a:t>Increased confidence that I can be as successful as my male counterparts</a:t>
+            </a:r>
+          </a:p>
+          <a:p>
+            <a:pPr rtl="0">
+              <a:spcBef>
+                <a:spcPts val="0"/>
+              </a:spcBef>
+              <a:spcAft>
+                <a:spcPts val="800"/>
+              </a:spcAft>
+            </a:pPr>
+            <a:r>
+              <a:rPr lang="en-US" sz="2800" dirty="0"/>
+              <a:t>Encouraged seizing opportunities early and often </a:t>
+            </a:r>
+            <a:br>
+              <a:rPr lang="en-US" dirty="0"/>
+            </a:br>
+            <a:endParaRPr lang="en-US" dirty="0"/>
+          </a:p>
+        </p:txBody>
+      </p:sp>
+    </p:spTree>
+    <p:extLst>
+      <p:ext uri="{BB962C8B-B14F-4D97-AF65-F5344CB8AC3E}">
+        <p14:creationId xmlns:p14="http://schemas.microsoft.com/office/powerpoint/2010/main" val="1614770663"/>
+      </p:ext>
+    </p:extLst>
+  </p:cSld>
+  <p:clrMapOvr>
+    <a:masterClrMapping/>
+  </p:clrMapOvr>
+  <mc:AlternateContent xmlns:mc="http://schemas.openxmlformats.org/markup-compatibility/2006">
+    <mc:Choice xmlns:p14="http://schemas.microsoft.com/office/powerpoint/2010/main" Requires="p14">
+      <p:transition spd="med" p14:dur="700">
+        <p:fade/>
+      </p:transition>
+    </mc:Choice>
+    <mc:Fallback>
+      <p:transition spd="med">
+        <p:fade/>
+      </p:transition>
+    </mc:Fallback>
+  </mc:AlternateContent>
+  <p:timing>
+    <p:tnLst>
+      <p:par>
+        <p:cTn id="1" dur="indefinite" restart="never" nodeType="tmRoot">
+          <p:childTnLst>
+            <p:seq concurrent="1" nextAc="seek">
+              <p:cTn id="2" dur="indefinite" nodeType="mainSeq">
+                <p:childTnLst>
+                  <p:par>
+                    <p:cTn id="3" fill="hold">
+                      <p:stCondLst>
+                        <p:cond delay="indefinite"/>
+                      </p:stCondLst>
+                      <p:childTnLst>
+                        <p:par>
+                          <p:cTn id="4" fill="hold">
+                            <p:stCondLst>
+                              <p:cond delay="0"/>
+                            </p:stCondLst>
+                            <p:childTnLst>
+                              <p:par>
+                                <p:cTn id="5" presetID="10" presetClass="entr" presetSubtype="0" fill="hold" grpId="0" nodeType="clickEffect">
+                                  <p:stCondLst>
+                                    <p:cond delay="0"/>
+                                  </p:stCondLst>
+                                  <p:childTnLst>
+                                    <p:set>
+                                      <p:cBhvr>
+                                        <p:cTn id="6" dur="1" fill="hold">
+                                          <p:stCondLst>
+                                            <p:cond delay="0"/>
+                                          </p:stCondLst>
+                                        </p:cTn>
+                                        <p:tgtEl>
+                                          <p:spTgt spid="2"/>
+                                        </p:tgtEl>
+                                        <p:attrNameLst>
+                                          <p:attrName>style.visibility</p:attrName>
+                                        </p:attrNameLst>
+                                      </p:cBhvr>
+                                      <p:to>
+                                        <p:strVal val="visible"/>
+                                      </p:to>
+                                    </p:set>
+                                    <p:animEffect transition="in" filter="fade">
+                                      <p:cBhvr>
+                                        <p:cTn id="7" dur="500"/>
+                                        <p:tgtEl>
+                                          <p:spTgt spid="2"/>
+                                        </p:tgtEl>
+                                      </p:cBhvr>
+                                    </p:animEffect>
+                                  </p:childTnLst>
+                                </p:cTn>
+                              </p:par>
+                            </p:childTnLst>
+                          </p:cTn>
+                        </p:par>
+                      </p:childTnLst>
+                    </p:cTn>
+                  </p:par>
+                  <p:par>
+                    <p:cTn id="8" fill="hold">
+                      <p:stCondLst>
+                        <p:cond delay="indefinite"/>
+                      </p:stCondLst>
+                      <p:childTnLst>
+                        <p:par>
+                          <p:cTn id="9" fill="hold">
+                            <p:stCondLst>
+                              <p:cond delay="0"/>
+                            </p:stCondLst>
+                            <p:childTnLst>
+                              <p:par>
+                                <p:cTn id="10" presetID="10" presetClass="entr" presetSubtype="0" fill="hold" grpId="0" nodeType="clickEffect">
+                                  <p:stCondLst>
+                                    <p:cond delay="0"/>
+                                  </p:stCondLst>
+                                  <p:childTnLst>
+                                    <p:set>
+                                      <p:cBhvr>
+                                        <p:cTn id="11" dur="1" fill="hold">
+                                          <p:stCondLst>
+                                            <p:cond delay="0"/>
+                                          </p:stCondLst>
+                                        </p:cTn>
+                                        <p:tgtEl>
+                                          <p:spTgt spid="3">
+                                            <p:txEl>
+                                              <p:pRg st="0" end="0"/>
+                                            </p:txEl>
+                                          </p:spTgt>
+                                        </p:tgtEl>
+                                        <p:attrNameLst>
+                                          <p:attrName>style.visibility</p:attrName>
+                                        </p:attrNameLst>
+                                      </p:cBhvr>
+                                      <p:to>
+                                        <p:strVal val="visible"/>
+                                      </p:to>
+                                    </p:set>
+                                    <p:animEffect transition="in" filter="fade">
+                                      <p:cBhvr>
+                                        <p:cTn id="12" dur="500"/>
+                                        <p:tgtEl>
+                                          <p:spTgt spid="3">
+                                            <p:txEl>
+                                              <p:pRg st="0" end="0"/>
+                                            </p:txEl>
+                                          </p:spTgt>
+                                        </p:tgtEl>
+                                      </p:cBhvr>
+                                    </p:animEffect>
+                                  </p:childTnLst>
+                                </p:cTn>
+                              </p:par>
+                            </p:childTnLst>
+                          </p:cTn>
+                        </p:par>
+                      </p:childTnLst>
+                    </p:cTn>
+                  </p:par>
+                  <p:par>
+                    <p:cTn id="13" fill="hold">
+                      <p:stCondLst>
+                        <p:cond delay="indefinite"/>
+                      </p:stCondLst>
+                      <p:childTnLst>
+                        <p:par>
+                          <p:cTn id="14" fill="hold">
+                            <p:stCondLst>
+                              <p:cond delay="0"/>
+                            </p:stCondLst>
+                            <p:childTnLst>
+                              <p:par>
+                                <p:cTn id="15" presetID="10" presetClass="entr" presetSubtype="0" fill="hold" grpId="0" nodeType="clickEffect">
+                                  <p:stCondLst>
+                                    <p:cond delay="0"/>
+                                  </p:stCondLst>
+                                  <p:childTnLst>
+                                    <p:set>
+                                      <p:cBhvr>
+                                        <p:cTn id="16" dur="1" fill="hold">
+                                          <p:stCondLst>
+                                            <p:cond delay="0"/>
+                                          </p:stCondLst>
+                                        </p:cTn>
+                                        <p:tgtEl>
+                                          <p:spTgt spid="3">
+                                            <p:txEl>
+                                              <p:pRg st="1" end="1"/>
+                                            </p:txEl>
+                                          </p:spTgt>
+                                        </p:tgtEl>
+                                        <p:attrNameLst>
+                                          <p:attrName>style.visibility</p:attrName>
+                                        </p:attrNameLst>
+                                      </p:cBhvr>
+                                      <p:to>
+                                        <p:strVal val="visible"/>
+                                      </p:to>
+                                    </p:set>
+                                    <p:animEffect transition="in" filter="fade">
+                                      <p:cBhvr>
+                                        <p:cTn id="17" dur="500"/>
+                                        <p:tgtEl>
+                                          <p:spTgt spid="3">
+                                            <p:txEl>
+                                              <p:pRg st="1" end="1"/>
+                                            </p:txEl>
+                                          </p:spTgt>
+                                        </p:tgtEl>
+                                      </p:cBhvr>
+                                    </p:animEffect>
+                                  </p:childTnLst>
+                                </p:cTn>
+                              </p:par>
+                            </p:childTnLst>
+                          </p:cTn>
+                        </p:par>
+                      </p:childTnLst>
+                    </p:cTn>
+                  </p:par>
+                  <p:par>
+                    <p:cTn id="18" fill="hold">
+                      <p:stCondLst>
+                        <p:cond delay="indefinite"/>
+                      </p:stCondLst>
+                      <p:childTnLst>
+                        <p:par>
+                          <p:cTn id="19" fill="hold">
+                            <p:stCondLst>
+                              <p:cond delay="0"/>
+                            </p:stCondLst>
+                            <p:childTnLst>
+                              <p:par>
+                                <p:cTn id="20" presetID="10" presetClass="entr" presetSubtype="0" fill="hold" grpId="0" nodeType="clickEffect">
+                                  <p:stCondLst>
+                                    <p:cond delay="0"/>
+                                  </p:stCondLst>
+                                  <p:childTnLst>
+                                    <p:set>
+                                      <p:cBhvr>
+                                        <p:cTn id="21" dur="1" fill="hold">
+                                          <p:stCondLst>
+                                            <p:cond delay="0"/>
+                                          </p:stCondLst>
+                                        </p:cTn>
+                                        <p:tgtEl>
+                                          <p:spTgt spid="3">
+                                            <p:txEl>
+                                              <p:pRg st="2" end="2"/>
+                                            </p:txEl>
+                                          </p:spTgt>
+                                        </p:tgtEl>
+                                        <p:attrNameLst>
+                                          <p:attrName>style.visibility</p:attrName>
+                                        </p:attrNameLst>
+                                      </p:cBhvr>
+                                      <p:to>
+                                        <p:strVal val="visible"/>
+                                      </p:to>
+                                    </p:set>
+                                    <p:animEffect transition="in" filter="fade">
+                                      <p:cBhvr>
+                                        <p:cTn id="22" dur="500"/>
+                                        <p:tgtEl>
+                                          <p:spTgt spid="3">
+                                            <p:txEl>
+                                              <p:pRg st="2" end="2"/>
+                                            </p:txEl>
+                                          </p:spTgt>
+                                        </p:tgtEl>
+                                      </p:cBhvr>
+                                    </p:animEffect>
+                                  </p:childTnLst>
+                                </p:cTn>
+                              </p:par>
+                            </p:childTnLst>
+                          </p:cTn>
+                        </p:par>
+                      </p:childTnLst>
+                    </p:cTn>
+                  </p:par>
+                </p:childTnLst>
+              </p:cTn>
+              <p:prevCondLst>
+                <p:cond evt="onPrev" delay="0">
+                  <p:tgtEl>
+                    <p:sldTgt/>
+                  </p:tgtEl>
+                </p:cond>
+              </p:prevCondLst>
+              <p:nextCondLst>
+                <p:cond evt="onNext" delay="0">
+                  <p:tgtEl>
+                    <p:sldTgt/>
+                  </p:tgtEl>
+                </p:cond>
+              </p:nextCondLst>
+            </p:seq>
+          </p:childTnLst>
+        </p:cTn>
+      </p:par>
+    </p:tnLst>
+    <p:bldLst>
+      <p:bldP spid="2" grpId="0"/>
+      <p:bldP spid="3" grpId="0" build="p"/>
+    </p:bldLst>
+  </p:timing>
+</p:sld>
+</file>
+
+<file path=ppt/slides/slide27.xml><?xml version="1.0" encoding="utf-8"?>
+<p:sld xmlns:a="http://schemas.openxmlformats.org/drawingml/2006/main" xmlns:r="http://schemas.openxmlformats.org/officeDocument/2006/relationships" xmlns:p="http://schemas.openxmlformats.org/presentationml/2006/main">
+  <p:cSld>
+    <p:spTree>
+      <p:nvGrpSpPr>
+        <p:cNvPr id="1" name=""/>
+        <p:cNvGrpSpPr/>
+        <p:nvPr/>
+      </p:nvGrpSpPr>
+      <p:grpSpPr>
+        <a:xfrm>
+          <a:off x="0" y="0"/>
+          <a:ext cx="0" cy="0"/>
+          <a:chOff x="0" y="0"/>
+          <a:chExt cx="0" cy="0"/>
+        </a:xfrm>
+      </p:grpSpPr>
+      <p:sp>
+        <p:nvSpPr>
+          <p:cNvPr id="2" name="Title 1">
+            <a:extLst>
+              <a:ext uri="{FF2B5EF4-FFF2-40B4-BE49-F238E27FC236}">
+                <a16:creationId xmlns:a16="http://schemas.microsoft.com/office/drawing/2014/main" id="{E6171A0E-422B-45DA-9D0E-6949BF32A3BD}"/>
+              </a:ext>
+            </a:extLst>
+          </p:cNvPr>
+          <p:cNvSpPr>
+            <a:spLocks noGrp="1"/>
+          </p:cNvSpPr>
+          <p:nvPr>
+            <p:ph type="title"/>
+          </p:nvPr>
+        </p:nvSpPr>
+        <p:spPr/>
+        <p:txBody>
+          <a:bodyPr/>
+          <a:lstStyle/>
+          <a:p>
+            <a:r>
+              <a:rPr lang="en-US" dirty="0"/>
               <a:t>Bibliography </a:t>
             </a:r>
           </a:p>
@@ -15706,10 +17143,6 @@
               <a:rPr lang="en-US" sz="2400" dirty="0"/>
               <a:t>U.S. Census Bureau: Annual Business Surveys (2018-2020)</a:t>
             </a:r>
-            <a:r>
-              <a:rPr lang="en-US" dirty="0"/>
-              <a:t/>
-            </a:r>
             <a:br>
               <a:rPr lang="en-US" dirty="0"/>
             </a:br>
@@ -15727,10 +17160,22 @@
   <p:clrMapOvr>
     <a:masterClrMapping/>
   </p:clrMapOvr>
+  <mc:AlternateContent xmlns:mc="http://schemas.openxmlformats.org/markup-compatibility/2006">
+    <mc:Choice xmlns:p14="http://schemas.microsoft.com/office/powerpoint/2010/main" Requires="p14">
+      <p:transition spd="med" p14:dur="700">
+        <p:fade/>
+      </p:transition>
+    </mc:Choice>
+    <mc:Fallback>
+      <p:transition spd="med">
+        <p:fade/>
+      </p:transition>
+    </mc:Fallback>
+  </mc:AlternateContent>
 </p:sld>
 </file>
 
-<file path=ppt/slides/slide25.xml><?xml version="1.0" encoding="utf-8"?>
+<file path=ppt/slides/slide28.xml><?xml version="1.0" encoding="utf-8"?>
 <p:sld xmlns:a="http://schemas.openxmlformats.org/drawingml/2006/main" xmlns:r="http://schemas.openxmlformats.org/officeDocument/2006/relationships" xmlns:p="http://schemas.openxmlformats.org/presentationml/2006/main">
   <p:cSld>
     <p:spTree>
@@ -15749,7 +17194,13 @@
       </p:grpSpPr>
       <p:sp>
         <p:nvSpPr>
-          <p:cNvPr id="2" name="Title 1"/>
+          <p:cNvPr id="2" name="Title 1">
+            <a:extLst>
+              <a:ext uri="{FF2B5EF4-FFF2-40B4-BE49-F238E27FC236}">
+                <a16:creationId xmlns:a16="http://schemas.microsoft.com/office/drawing/2014/main" id="{E5D1D92E-DBD1-4D94-A3CB-BA00A2DCF892}"/>
+              </a:ext>
+            </a:extLst>
+          </p:cNvPr>
           <p:cNvSpPr>
             <a:spLocks noGrp="1"/>
           </p:cNvSpPr>
@@ -15757,26 +17208,28 @@
             <p:ph type="title"/>
           </p:nvPr>
         </p:nvSpPr>
-        <p:spPr>
-          <a:xfrm>
-            <a:off x="711810" y="500062"/>
-            <a:ext cx="10515600" cy="1325563"/>
-          </a:xfrm>
-        </p:spPr>
+        <p:spPr/>
         <p:txBody>
           <a:bodyPr/>
           <a:lstStyle/>
           <a:p>
             <a:r>
-              <a:rPr lang="en-US" sz="5400" dirty="0"/>
+              <a:rPr lang="en-US" sz="4800" dirty="0"/>
               <a:t>Lessons Learned</a:t>
             </a:r>
+            <a:endParaRPr lang="en-US" dirty="0"/>
           </a:p>
         </p:txBody>
       </p:sp>
       <p:sp>
         <p:nvSpPr>
-          <p:cNvPr id="3" name="Content Placeholder 2"/>
+          <p:cNvPr id="3" name="Content Placeholder 2">
+            <a:extLst>
+              <a:ext uri="{FF2B5EF4-FFF2-40B4-BE49-F238E27FC236}">
+                <a16:creationId xmlns:a16="http://schemas.microsoft.com/office/drawing/2014/main" id="{248AECDB-3C85-476B-AC5C-750F499A1A15}"/>
+              </a:ext>
+            </a:extLst>
+          </p:cNvPr>
           <p:cNvSpPr>
             <a:spLocks noGrp="1"/>
           </p:cNvSpPr>
@@ -15786,8 +17239,8 @@
         </p:nvSpPr>
         <p:spPr>
           <a:xfrm>
-            <a:off x="838200" y="1825625"/>
-            <a:ext cx="5894373" cy="4351338"/>
+            <a:off x="1154954" y="2603499"/>
+            <a:ext cx="9614646" cy="3966633"/>
           </a:xfrm>
         </p:spPr>
         <p:txBody>
@@ -15796,47 +17249,10 @@
           </a:bodyPr>
           <a:lstStyle/>
           <a:p>
-            <a:endParaRPr lang="en-US" dirty="0"/>
-          </a:p>
-          <a:p>
-            <a:endParaRPr lang="en-US" dirty="0"/>
-          </a:p>
-        </p:txBody>
-      </p:sp>
-      <p:sp>
-        <p:nvSpPr>
-          <p:cNvPr id="6" name="TextBox 5">
-            <a:extLst>
-              <a:ext uri="{FF2B5EF4-FFF2-40B4-BE49-F238E27FC236}">
-                <a16:creationId xmlns:a16="http://schemas.microsoft.com/office/drawing/2014/main" id="{8ED8DE46-E2DE-41CE-91CB-142EEDBF5F48}"/>
-              </a:ext>
-            </a:extLst>
-          </p:cNvPr>
-          <p:cNvSpPr txBox="1"/>
-          <p:nvPr/>
-        </p:nvSpPr>
-        <p:spPr>
-          <a:xfrm>
-            <a:off x="1061155" y="2575977"/>
-            <a:ext cx="9234311" cy="3600986"/>
-          </a:xfrm>
-          <a:prstGeom prst="rect">
-            <a:avLst/>
-          </a:prstGeom>
-          <a:noFill/>
-        </p:spPr>
-        <p:txBody>
-          <a:bodyPr wrap="square" rtlCol="0">
-            <a:spAutoFit/>
-          </a:bodyPr>
-          <a:lstStyle/>
-          <a:p>
-            <a:pPr marL="285750" indent="-285750">
+            <a:pPr>
               <a:lnSpc>
-                <a:spcPct val="150000"/>
+                <a:spcPct val="160000"/>
               </a:lnSpc>
-              <a:buFont typeface="Arial" panose="020B0604020202020204" pitchFamily="34" charset="0"/>
-              <a:buChar char="•"/>
             </a:pPr>
             <a:r>
               <a:rPr lang="en-US" sz="2000" dirty="0"/>
@@ -15844,12 +17260,10 @@
             </a:r>
           </a:p>
           <a:p>
-            <a:pPr marL="285750" indent="-285750">
+            <a:pPr>
               <a:lnSpc>
-                <a:spcPct val="150000"/>
+                <a:spcPct val="160000"/>
               </a:lnSpc>
-              <a:buFont typeface="Arial" panose="020B0604020202020204" pitchFamily="34" charset="0"/>
-              <a:buChar char="•"/>
             </a:pPr>
             <a:r>
               <a:rPr lang="en-US" sz="2000" dirty="0"/>
@@ -15857,12 +17271,10 @@
             </a:r>
           </a:p>
           <a:p>
-            <a:pPr marL="285750" indent="-285750">
+            <a:pPr>
               <a:lnSpc>
-                <a:spcPct val="150000"/>
+                <a:spcPct val="160000"/>
               </a:lnSpc>
-              <a:buFont typeface="Arial" panose="020B0604020202020204" pitchFamily="34" charset="0"/>
-              <a:buChar char="•"/>
             </a:pPr>
             <a:r>
               <a:rPr lang="en-US" sz="2000" dirty="0"/>
@@ -15870,37 +17282,40 @@
             </a:r>
           </a:p>
           <a:p>
-            <a:pPr marL="285750" indent="-285750">
+            <a:pPr>
               <a:lnSpc>
-                <a:spcPct val="150000"/>
+                <a:spcPct val="160000"/>
               </a:lnSpc>
-              <a:buFont typeface="Arial" panose="020B0604020202020204" pitchFamily="34" charset="0"/>
-              <a:buChar char="•"/>
             </a:pPr>
             <a:r>
               <a:rPr lang="en-US" sz="2000" dirty="0"/>
               <a:t>Started with basic statistical analysis before attempting more advanced statistical analysis</a:t>
             </a:r>
-          </a:p>
-          <a:p>
-            <a:pPr marL="285750" indent="-285750">
-              <a:buFont typeface="Arial" panose="020B0604020202020204" pitchFamily="34" charset="0"/>
-              <a:buChar char="•"/>
-            </a:pPr>
-            <a:endParaRPr lang="en-US" dirty="0"/>
           </a:p>
         </p:txBody>
       </p:sp>
     </p:spTree>
     <p:extLst>
       <p:ext uri="{BB962C8B-B14F-4D97-AF65-F5344CB8AC3E}">
-        <p14:creationId xmlns:p14="http://schemas.microsoft.com/office/powerpoint/2010/main" val="1246139815"/>
+        <p14:creationId xmlns:p14="http://schemas.microsoft.com/office/powerpoint/2010/main" val="377468140"/>
       </p:ext>
     </p:extLst>
   </p:cSld>
   <p:clrMapOvr>
     <a:masterClrMapping/>
   </p:clrMapOvr>
+  <mc:AlternateContent xmlns:mc="http://schemas.openxmlformats.org/markup-compatibility/2006">
+    <mc:Choice xmlns:p14="http://schemas.microsoft.com/office/powerpoint/2010/main" Requires="p14">
+      <p:transition spd="med" p14:dur="700">
+        <p:fade/>
+      </p:transition>
+    </mc:Choice>
+    <mc:Fallback>
+      <p:transition spd="med">
+        <p:fade/>
+      </p:transition>
+    </mc:Fallback>
+  </mc:AlternateContent>
 </p:sld>
 </file>
 
@@ -16117,19 +17532,6 @@
               <a:buNone/>
               <a:tabLst/>
             </a:pPr>
-            <a:r>
-              <a:rPr kumimoji="0" lang="en-US" altLang="en-US" sz="1100" b="0" i="0" u="none" strike="noStrike" cap="none" normalizeH="0" baseline="0">
-                <a:ln>
-                  <a:noFill/>
-                </a:ln>
-                <a:solidFill>
-                  <a:srgbClr val="1D1C1D"/>
-                </a:solidFill>
-                <a:effectLst/>
-                <a:latin typeface="Slack-Lato"/>
-              </a:rPr>
-              <a:t/>
-            </a:r>
             <a:br>
               <a:rPr kumimoji="0" lang="en-US" altLang="en-US" sz="1100" b="0" i="0" u="none" strike="noStrike" cap="none" normalizeH="0" baseline="0">
                 <a:ln>
@@ -16205,6 +17607,18 @@
   <p:clrMapOvr>
     <a:masterClrMapping/>
   </p:clrMapOvr>
+  <mc:AlternateContent xmlns:mc="http://schemas.openxmlformats.org/markup-compatibility/2006">
+    <mc:Choice xmlns:p14="http://schemas.microsoft.com/office/powerpoint/2010/main" Requires="p14">
+      <p:transition spd="med" p14:dur="700">
+        <p:fade/>
+      </p:transition>
+    </mc:Choice>
+    <mc:Fallback>
+      <p:transition spd="med">
+        <p:fade/>
+      </p:transition>
+    </mc:Fallback>
+  </mc:AlternateContent>
 </p:sld>
 </file>
 
@@ -16431,19 +17845,6 @@
               <a:buNone/>
               <a:tabLst/>
             </a:pPr>
-            <a:r>
-              <a:rPr kumimoji="0" lang="en-US" altLang="en-US" sz="1100" b="0" i="0" u="none" strike="noStrike" cap="none" normalizeH="0" baseline="0">
-                <a:ln>
-                  <a:noFill/>
-                </a:ln>
-                <a:solidFill>
-                  <a:srgbClr val="1D1C1D"/>
-                </a:solidFill>
-                <a:effectLst/>
-                <a:latin typeface="Slack-Lato"/>
-              </a:rPr>
-              <a:t/>
-            </a:r>
             <a:br>
               <a:rPr kumimoji="0" lang="en-US" altLang="en-US" sz="1100" b="0" i="0" u="none" strike="noStrike" cap="none" normalizeH="0" baseline="0">
                 <a:ln>
@@ -16522,6 +17923,18 @@
   <p:clrMapOvr>
     <a:masterClrMapping/>
   </p:clrMapOvr>
+  <mc:AlternateContent xmlns:mc="http://schemas.openxmlformats.org/markup-compatibility/2006">
+    <mc:Choice xmlns:p14="http://schemas.microsoft.com/office/powerpoint/2010/main" Requires="p14">
+      <p:transition spd="med" p14:dur="700">
+        <p:fade/>
+      </p:transition>
+    </mc:Choice>
+    <mc:Fallback>
+      <p:transition spd="med">
+        <p:fade/>
+      </p:transition>
+    </mc:Fallback>
+  </mc:AlternateContent>
 </p:sld>
 </file>
 
@@ -16657,6 +18070,18 @@
   <p:clrMapOvr>
     <a:masterClrMapping/>
   </p:clrMapOvr>
+  <mc:AlternateContent xmlns:mc="http://schemas.openxmlformats.org/markup-compatibility/2006">
+    <mc:Choice xmlns:p14="http://schemas.microsoft.com/office/powerpoint/2010/main" Requires="p14">
+      <p:transition spd="med" p14:dur="700">
+        <p:fade/>
+      </p:transition>
+    </mc:Choice>
+    <mc:Fallback>
+      <p:transition spd="med">
+        <p:fade/>
+      </p:transition>
+    </mc:Fallback>
+  </mc:AlternateContent>
 </p:sld>
 </file>
 
@@ -16835,6 +18260,18 @@
   <p:clrMapOvr>
     <a:masterClrMapping/>
   </p:clrMapOvr>
+  <mc:AlternateContent xmlns:mc="http://schemas.openxmlformats.org/markup-compatibility/2006">
+    <mc:Choice xmlns:p14="http://schemas.microsoft.com/office/powerpoint/2010/main" Requires="p14">
+      <p:transition spd="med" p14:dur="700">
+        <p:fade/>
+      </p:transition>
+    </mc:Choice>
+    <mc:Fallback>
+      <p:transition spd="med">
+        <p:fade/>
+      </p:transition>
+    </mc:Fallback>
+  </mc:AlternateContent>
 </p:sld>
 </file>
 
@@ -16903,6 +18340,18 @@
   <p:clrMapOvr>
     <a:masterClrMapping/>
   </p:clrMapOvr>
+  <mc:AlternateContent xmlns:mc="http://schemas.openxmlformats.org/markup-compatibility/2006">
+    <mc:Choice xmlns:p14="http://schemas.microsoft.com/office/powerpoint/2010/main" Requires="p14">
+      <p:transition spd="med" p14:dur="700">
+        <p:fade/>
+      </p:transition>
+    </mc:Choice>
+    <mc:Fallback>
+      <p:transition spd="med">
+        <p:fade/>
+      </p:transition>
+    </mc:Fallback>
+  </mc:AlternateContent>
   <p:timing>
     <p:tnLst>
       <p:par>
@@ -17216,6 +18665,18 @@
   <p:clrMapOvr>
     <a:masterClrMapping/>
   </p:clrMapOvr>
+  <mc:AlternateContent xmlns:mc="http://schemas.openxmlformats.org/markup-compatibility/2006">
+    <mc:Choice xmlns:p14="http://schemas.microsoft.com/office/powerpoint/2010/main" Requires="p14">
+      <p:transition spd="med" p14:dur="700">
+        <p:fade/>
+      </p:transition>
+    </mc:Choice>
+    <mc:Fallback>
+      <p:transition spd="med">
+        <p:fade/>
+      </p:transition>
+    </mc:Fallback>
+  </mc:AlternateContent>
 </p:sld>
 </file>
 
@@ -17331,6 +18792,18 @@
   <p:clrMapOvr>
     <a:masterClrMapping/>
   </p:clrMapOvr>
+  <mc:AlternateContent xmlns:mc="http://schemas.openxmlformats.org/markup-compatibility/2006">
+    <mc:Choice xmlns:p14="http://schemas.microsoft.com/office/powerpoint/2010/main" Requires="p14">
+      <p:transition spd="med" p14:dur="700">
+        <p:fade/>
+      </p:transition>
+    </mc:Choice>
+    <mc:Fallback>
+      <p:transition spd="med">
+        <p:fade/>
+      </p:transition>
+    </mc:Fallback>
+  </mc:AlternateContent>
 </p:sld>
 </file>
 

--- a/Women In Business Presentation.pptx
+++ b/Women In Business Presentation.pptx
@@ -27,12 +27,12 @@
     <p:sldId id="267" r:id="rId21"/>
     <p:sldId id="283" r:id="rId22"/>
     <p:sldId id="284" r:id="rId23"/>
-    <p:sldId id="269" r:id="rId24"/>
-    <p:sldId id="286" r:id="rId25"/>
-    <p:sldId id="287" r:id="rId26"/>
-    <p:sldId id="288" r:id="rId27"/>
-    <p:sldId id="285" r:id="rId28"/>
-    <p:sldId id="289" r:id="rId29"/>
+    <p:sldId id="289" r:id="rId24"/>
+    <p:sldId id="269" r:id="rId25"/>
+    <p:sldId id="286" r:id="rId26"/>
+    <p:sldId id="287" r:id="rId27"/>
+    <p:sldId id="288" r:id="rId28"/>
+    <p:sldId id="285" r:id="rId29"/>
   </p:sldIdLst>
   <p:sldSz cx="12192000" cy="6858000"/>
   <p:notesSz cx="6858000" cy="9144000"/>
@@ -13425,13 +13425,13 @@
   <p:clrMapOvr>
     <a:masterClrMapping/>
   </p:clrMapOvr>
-  <mc:AlternateContent xmlns:mc="http://schemas.openxmlformats.org/markup-compatibility/2006">
-    <mc:Choice xmlns:p14="http://schemas.microsoft.com/office/powerpoint/2010/main" Requires="p14">
+  <mc:AlternateContent xmlns:mc="http://schemas.openxmlformats.org/markup-compatibility/2006" xmlns:p14="http://schemas.microsoft.com/office/powerpoint/2010/main">
+    <mc:Choice Requires="p14">
       <p:transition spd="med" p14:dur="700">
         <p:fade/>
       </p:transition>
     </mc:Choice>
-    <mc:Fallback>
+    <mc:Fallback xmlns="">
       <p:transition spd="med">
         <p:fade/>
       </p:transition>
@@ -13567,13 +13567,13 @@
   <p:clrMapOvr>
     <a:masterClrMapping/>
   </p:clrMapOvr>
-  <mc:AlternateContent xmlns:mc="http://schemas.openxmlformats.org/markup-compatibility/2006">
-    <mc:Choice xmlns:p14="http://schemas.microsoft.com/office/powerpoint/2010/main" Requires="p14">
+  <mc:AlternateContent xmlns:mc="http://schemas.openxmlformats.org/markup-compatibility/2006" xmlns:p14="http://schemas.microsoft.com/office/powerpoint/2010/main">
+    <mc:Choice Requires="p14">
       <p:transition spd="med" p14:dur="700">
         <p:fade/>
       </p:transition>
     </mc:Choice>
-    <mc:Fallback>
+    <mc:Fallback xmlns="">
       <p:transition spd="med">
         <p:fade/>
       </p:transition>
@@ -13704,13 +13704,13 @@
   <p:clrMapOvr>
     <a:masterClrMapping/>
   </p:clrMapOvr>
-  <mc:AlternateContent xmlns:mc="http://schemas.openxmlformats.org/markup-compatibility/2006">
-    <mc:Choice xmlns:p14="http://schemas.microsoft.com/office/powerpoint/2010/main" Requires="p14">
+  <mc:AlternateContent xmlns:mc="http://schemas.openxmlformats.org/markup-compatibility/2006" xmlns:p14="http://schemas.microsoft.com/office/powerpoint/2010/main">
+    <mc:Choice Requires="p14">
       <p:transition spd="med" p14:dur="700">
         <p:fade/>
       </p:transition>
     </mc:Choice>
-    <mc:Fallback>
+    <mc:Fallback xmlns="">
       <p:transition spd="med">
         <p:fade/>
       </p:transition>
@@ -13841,13 +13841,13 @@
   <p:clrMapOvr>
     <a:masterClrMapping/>
   </p:clrMapOvr>
-  <mc:AlternateContent xmlns:mc="http://schemas.openxmlformats.org/markup-compatibility/2006">
-    <mc:Choice xmlns:p14="http://schemas.microsoft.com/office/powerpoint/2010/main" Requires="p14">
+  <mc:AlternateContent xmlns:mc="http://schemas.openxmlformats.org/markup-compatibility/2006" xmlns:p14="http://schemas.microsoft.com/office/powerpoint/2010/main">
+    <mc:Choice Requires="p14">
       <p:transition spd="med" p14:dur="700">
         <p:fade/>
       </p:transition>
     </mc:Choice>
-    <mc:Fallback>
+    <mc:Fallback xmlns="">
       <p:transition spd="med">
         <p:fade/>
       </p:transition>
@@ -14013,13 +14013,13 @@
   <p:clrMapOvr>
     <a:masterClrMapping/>
   </p:clrMapOvr>
-  <mc:AlternateContent xmlns:mc="http://schemas.openxmlformats.org/markup-compatibility/2006">
-    <mc:Choice xmlns:p14="http://schemas.microsoft.com/office/powerpoint/2010/main" Requires="p14">
+  <mc:AlternateContent xmlns:mc="http://schemas.openxmlformats.org/markup-compatibility/2006" xmlns:p14="http://schemas.microsoft.com/office/powerpoint/2010/main">
+    <mc:Choice Requires="p14">
       <p:transition spd="med" p14:dur="700">
         <p:fade/>
       </p:transition>
     </mc:Choice>
-    <mc:Fallback>
+    <mc:Fallback xmlns="">
       <p:transition spd="med">
         <p:fade/>
       </p:transition>
@@ -14193,13 +14193,13 @@
   <p:clrMapOvr>
     <a:masterClrMapping/>
   </p:clrMapOvr>
-  <mc:AlternateContent xmlns:mc="http://schemas.openxmlformats.org/markup-compatibility/2006">
-    <mc:Choice xmlns:p14="http://schemas.microsoft.com/office/powerpoint/2010/main" Requires="p14">
+  <mc:AlternateContent xmlns:mc="http://schemas.openxmlformats.org/markup-compatibility/2006" xmlns:p14="http://schemas.microsoft.com/office/powerpoint/2010/main">
+    <mc:Choice Requires="p14">
       <p:transition spd="med" p14:dur="700">
         <p:fade/>
       </p:transition>
     </mc:Choice>
-    <mc:Fallback>
+    <mc:Fallback xmlns="">
       <p:transition spd="med">
         <p:fade/>
       </p:transition>
@@ -14365,13 +14365,13 @@
   <p:clrMapOvr>
     <a:masterClrMapping/>
   </p:clrMapOvr>
-  <mc:AlternateContent xmlns:mc="http://schemas.openxmlformats.org/markup-compatibility/2006">
-    <mc:Choice xmlns:p14="http://schemas.microsoft.com/office/powerpoint/2010/main" Requires="p14">
+  <mc:AlternateContent xmlns:mc="http://schemas.openxmlformats.org/markup-compatibility/2006" xmlns:p14="http://schemas.microsoft.com/office/powerpoint/2010/main">
+    <mc:Choice Requires="p14">
       <p:transition spd="med" p14:dur="700">
         <p:fade/>
       </p:transition>
     </mc:Choice>
-    <mc:Fallback>
+    <mc:Fallback xmlns="">
       <p:transition spd="med">
         <p:fade/>
       </p:transition>
@@ -14537,13 +14537,13 @@
   <p:clrMapOvr>
     <a:masterClrMapping/>
   </p:clrMapOvr>
-  <mc:AlternateContent xmlns:mc="http://schemas.openxmlformats.org/markup-compatibility/2006">
-    <mc:Choice xmlns:p14="http://schemas.microsoft.com/office/powerpoint/2010/main" Requires="p14">
+  <mc:AlternateContent xmlns:mc="http://schemas.openxmlformats.org/markup-compatibility/2006" xmlns:p14="http://schemas.microsoft.com/office/powerpoint/2010/main">
+    <mc:Choice Requires="p14">
       <p:transition spd="med" p14:dur="700">
         <p:fade/>
       </p:transition>
     </mc:Choice>
-    <mc:Fallback>
+    <mc:Fallback xmlns="">
       <p:transition spd="med">
         <p:fade/>
       </p:transition>
@@ -14623,13 +14623,13 @@
   <p:clrMapOvr>
     <a:masterClrMapping/>
   </p:clrMapOvr>
-  <mc:AlternateContent xmlns:mc="http://schemas.openxmlformats.org/markup-compatibility/2006">
-    <mc:Choice xmlns:p14="http://schemas.microsoft.com/office/powerpoint/2010/main" Requires="p14">
+  <mc:AlternateContent xmlns:mc="http://schemas.openxmlformats.org/markup-compatibility/2006" xmlns:p14="http://schemas.microsoft.com/office/powerpoint/2010/main">
+    <mc:Choice Requires="p14">
       <p:transition spd="med" p14:dur="700">
         <p:fade/>
       </p:transition>
     </mc:Choice>
-    <mc:Fallback>
+    <mc:Fallback xmlns="">
       <p:transition spd="med">
         <p:fade/>
       </p:transition>
@@ -14786,13 +14786,13 @@
   <p:clrMapOvr>
     <a:masterClrMapping/>
   </p:clrMapOvr>
-  <mc:AlternateContent xmlns:mc="http://schemas.openxmlformats.org/markup-compatibility/2006">
-    <mc:Choice xmlns:p14="http://schemas.microsoft.com/office/powerpoint/2010/main" Requires="p14">
+  <mc:AlternateContent xmlns:mc="http://schemas.openxmlformats.org/markup-compatibility/2006" xmlns:p14="http://schemas.microsoft.com/office/powerpoint/2010/main">
+    <mc:Choice Requires="p14">
       <p:transition spd="med" p14:dur="700">
         <p:fade/>
       </p:transition>
     </mc:Choice>
-    <mc:Fallback>
+    <mc:Fallback xmlns="">
       <p:transition spd="med">
         <p:fade/>
       </p:transition>
@@ -14979,13 +14979,13 @@
   <p:clrMapOvr>
     <a:masterClrMapping/>
   </p:clrMapOvr>
-  <mc:AlternateContent xmlns:mc="http://schemas.openxmlformats.org/markup-compatibility/2006">
-    <mc:Choice xmlns:p14="http://schemas.microsoft.com/office/powerpoint/2010/main" Requires="p14">
+  <mc:AlternateContent xmlns:mc="http://schemas.openxmlformats.org/markup-compatibility/2006" xmlns:p14="http://schemas.microsoft.com/office/powerpoint/2010/main">
+    <mc:Choice Requires="p14">
       <p:transition spd="med" p14:dur="700">
         <p:fade/>
       </p:transition>
     </mc:Choice>
-    <mc:Fallback>
+    <mc:Fallback xmlns="">
       <p:transition spd="med">
         <p:fade/>
       </p:transition>
@@ -15153,13 +15153,13 @@
   <p:clrMapOvr>
     <a:masterClrMapping/>
   </p:clrMapOvr>
-  <mc:AlternateContent xmlns:mc="http://schemas.openxmlformats.org/markup-compatibility/2006">
-    <mc:Choice xmlns:p14="http://schemas.microsoft.com/office/powerpoint/2010/main" Requires="p14">
+  <mc:AlternateContent xmlns:mc="http://schemas.openxmlformats.org/markup-compatibility/2006" xmlns:p14="http://schemas.microsoft.com/office/powerpoint/2010/main">
+    <mc:Choice Requires="p14">
       <p:transition spd="med" p14:dur="700">
         <p:fade/>
       </p:transition>
     </mc:Choice>
-    <mc:Fallback>
+    <mc:Fallback xmlns="">
       <p:transition spd="med">
         <p:fade/>
       </p:transition>
@@ -15336,13 +15336,13 @@
   <p:clrMapOvr>
     <a:masterClrMapping/>
   </p:clrMapOvr>
-  <mc:AlternateContent xmlns:mc="http://schemas.openxmlformats.org/markup-compatibility/2006">
-    <mc:Choice xmlns:p14="http://schemas.microsoft.com/office/powerpoint/2010/main" Requires="p14">
+  <mc:AlternateContent xmlns:mc="http://schemas.openxmlformats.org/markup-compatibility/2006" xmlns:p14="http://schemas.microsoft.com/office/powerpoint/2010/main">
+    <mc:Choice Requires="p14">
       <p:transition spd="med" p14:dur="700">
         <p:fade/>
       </p:transition>
     </mc:Choice>
-    <mc:Fallback>
+    <mc:Fallback xmlns="">
       <p:transition spd="med">
         <p:fade/>
       </p:transition>
@@ -15491,13 +15491,13 @@
   <p:clrMapOvr>
     <a:masterClrMapping/>
   </p:clrMapOvr>
-  <mc:AlternateContent xmlns:mc="http://schemas.openxmlformats.org/markup-compatibility/2006">
-    <mc:Choice xmlns:p14="http://schemas.microsoft.com/office/powerpoint/2010/main" Requires="p14">
+  <mc:AlternateContent xmlns:mc="http://schemas.openxmlformats.org/markup-compatibility/2006" xmlns:p14="http://schemas.microsoft.com/office/powerpoint/2010/main">
+    <mc:Choice Requires="p14">
       <p:transition spd="med" p14:dur="700">
         <p:fade/>
       </p:transition>
     </mc:Choice>
-    <mc:Fallback>
+    <mc:Fallback xmlns="">
       <p:transition spd="med">
         <p:fade/>
       </p:transition>
@@ -15628,13 +15628,13 @@
   <p:clrMapOvr>
     <a:masterClrMapping/>
   </p:clrMapOvr>
-  <mc:AlternateContent xmlns:mc="http://schemas.openxmlformats.org/markup-compatibility/2006">
-    <mc:Choice xmlns:p14="http://schemas.microsoft.com/office/powerpoint/2010/main" Requires="p14">
+  <mc:AlternateContent xmlns:mc="http://schemas.openxmlformats.org/markup-compatibility/2006" xmlns:p14="http://schemas.microsoft.com/office/powerpoint/2010/main">
+    <mc:Choice Requires="p14">
       <p:transition spd="med" p14:dur="700">
         <p:fade/>
       </p:transition>
     </mc:Choice>
-    <mc:Fallback>
+    <mc:Fallback xmlns="">
       <p:transition spd="med">
         <p:fade/>
       </p:transition>
@@ -15644,6 +15644,150 @@
 </file>
 
 <file path=ppt/slides/slide23.xml><?xml version="1.0" encoding="utf-8"?>
+<p:sld xmlns:a="http://schemas.openxmlformats.org/drawingml/2006/main" xmlns:r="http://schemas.openxmlformats.org/officeDocument/2006/relationships" xmlns:p="http://schemas.openxmlformats.org/presentationml/2006/main">
+  <p:cSld>
+    <p:spTree>
+      <p:nvGrpSpPr>
+        <p:cNvPr id="1" name=""/>
+        <p:cNvGrpSpPr/>
+        <p:nvPr/>
+      </p:nvGrpSpPr>
+      <p:grpSpPr>
+        <a:xfrm>
+          <a:off x="0" y="0"/>
+          <a:ext cx="0" cy="0"/>
+          <a:chOff x="0" y="0"/>
+          <a:chExt cx="0" cy="0"/>
+        </a:xfrm>
+      </p:grpSpPr>
+      <p:sp>
+        <p:nvSpPr>
+          <p:cNvPr id="2" name="Title 1">
+            <a:extLst>
+              <a:ext uri="{FF2B5EF4-FFF2-40B4-BE49-F238E27FC236}">
+                <a16:creationId xmlns:a16="http://schemas.microsoft.com/office/drawing/2014/main" id="{E5D1D92E-DBD1-4D94-A3CB-BA00A2DCF892}"/>
+              </a:ext>
+            </a:extLst>
+          </p:cNvPr>
+          <p:cNvSpPr>
+            <a:spLocks noGrp="1"/>
+          </p:cNvSpPr>
+          <p:nvPr>
+            <p:ph type="title"/>
+          </p:nvPr>
+        </p:nvSpPr>
+        <p:spPr/>
+        <p:txBody>
+          <a:bodyPr/>
+          <a:lstStyle/>
+          <a:p>
+            <a:r>
+              <a:rPr lang="en-US" sz="4800" dirty="0"/>
+              <a:t>Lessons Learned</a:t>
+            </a:r>
+            <a:endParaRPr lang="en-US" dirty="0"/>
+          </a:p>
+        </p:txBody>
+      </p:sp>
+      <p:sp>
+        <p:nvSpPr>
+          <p:cNvPr id="3" name="Content Placeholder 2">
+            <a:extLst>
+              <a:ext uri="{FF2B5EF4-FFF2-40B4-BE49-F238E27FC236}">
+                <a16:creationId xmlns:a16="http://schemas.microsoft.com/office/drawing/2014/main" id="{248AECDB-3C85-476B-AC5C-750F499A1A15}"/>
+              </a:ext>
+            </a:extLst>
+          </p:cNvPr>
+          <p:cNvSpPr>
+            <a:spLocks noGrp="1"/>
+          </p:cNvSpPr>
+          <p:nvPr>
+            <p:ph idx="1"/>
+          </p:nvPr>
+        </p:nvSpPr>
+        <p:spPr>
+          <a:xfrm>
+            <a:off x="1154954" y="2603499"/>
+            <a:ext cx="9614646" cy="3966633"/>
+          </a:xfrm>
+        </p:spPr>
+        <p:txBody>
+          <a:bodyPr>
+            <a:normAutofit/>
+          </a:bodyPr>
+          <a:lstStyle/>
+          <a:p>
+            <a:pPr>
+              <a:lnSpc>
+                <a:spcPct val="160000"/>
+              </a:lnSpc>
+            </a:pPr>
+            <a:r>
+              <a:rPr lang="en-US" sz="2000" dirty="0"/>
+              <a:t>Pivoting sooner when encountering challenges</a:t>
+            </a:r>
+          </a:p>
+          <a:p>
+            <a:pPr>
+              <a:lnSpc>
+                <a:spcPct val="160000"/>
+              </a:lnSpc>
+            </a:pPr>
+            <a:r>
+              <a:rPr lang="en-US" sz="2000" dirty="0"/>
+              <a:t>National scale large and too ambitious: regional or state level would have been better</a:t>
+            </a:r>
+          </a:p>
+          <a:p>
+            <a:pPr>
+              <a:lnSpc>
+                <a:spcPct val="160000"/>
+              </a:lnSpc>
+            </a:pPr>
+            <a:r>
+              <a:rPr lang="en-US" sz="2000" dirty="0"/>
+              <a:t>Better understanding of extracting API data from sources such as YouTube</a:t>
+            </a:r>
+          </a:p>
+          <a:p>
+            <a:pPr>
+              <a:lnSpc>
+                <a:spcPct val="160000"/>
+              </a:lnSpc>
+            </a:pPr>
+            <a:r>
+              <a:rPr lang="en-US" sz="2000" dirty="0"/>
+              <a:t>Started with basic statistical analysis before attempting more advanced statistical analysis</a:t>
+            </a:r>
+          </a:p>
+        </p:txBody>
+      </p:sp>
+    </p:spTree>
+    <p:extLst>
+      <p:ext uri="{BB962C8B-B14F-4D97-AF65-F5344CB8AC3E}">
+        <p14:creationId xmlns:p14="http://schemas.microsoft.com/office/powerpoint/2010/main" val="377468140"/>
+      </p:ext>
+    </p:extLst>
+  </p:cSld>
+  <p:clrMapOvr>
+    <a:masterClrMapping/>
+  </p:clrMapOvr>
+  <mc:AlternateContent xmlns:mc="http://schemas.openxmlformats.org/markup-compatibility/2006" xmlns:p14="http://schemas.microsoft.com/office/powerpoint/2010/main">
+    <mc:Choice Requires="p14">
+      <p:transition spd="med" p14:dur="700">
+        <p:fade/>
+      </p:transition>
+    </mc:Choice>
+    <mc:Fallback xmlns="">
+      <p:transition spd="med">
+        <p:fade/>
+      </p:transition>
+    </mc:Fallback>
+  </mc:AlternateContent>
+</p:sld>
+</file>
+
+<file path=ppt/slides/slide24.xml><?xml version="1.0" encoding="utf-8"?>
 <p:sld xmlns:a="http://schemas.openxmlformats.org/drawingml/2006/main" xmlns:r="http://schemas.openxmlformats.org/officeDocument/2006/relationships" xmlns:p="http://schemas.openxmlformats.org/presentationml/2006/main">
   <p:cSld>
     <p:spTree>
@@ -15702,440 +15846,18 @@
   <p:clrMapOvr>
     <a:masterClrMapping/>
   </p:clrMapOvr>
-  <mc:AlternateContent xmlns:mc="http://schemas.openxmlformats.org/markup-compatibility/2006">
-    <mc:Choice xmlns:p14="http://schemas.microsoft.com/office/powerpoint/2010/main" Requires="p14">
+  <mc:AlternateContent xmlns:mc="http://schemas.openxmlformats.org/markup-compatibility/2006" xmlns:p14="http://schemas.microsoft.com/office/powerpoint/2010/main">
+    <mc:Choice Requires="p14">
       <p:transition spd="med" p14:dur="700">
         <p:fade/>
       </p:transition>
     </mc:Choice>
-    <mc:Fallback>
+    <mc:Fallback xmlns="">
       <p:transition spd="med">
         <p:fade/>
       </p:transition>
     </mc:Fallback>
   </mc:AlternateContent>
-</p:sld>
-</file>
-
-<file path=ppt/slides/slide24.xml><?xml version="1.0" encoding="utf-8"?>
-<p:sld xmlns:a="http://schemas.openxmlformats.org/drawingml/2006/main" xmlns:r="http://schemas.openxmlformats.org/officeDocument/2006/relationships" xmlns:p="http://schemas.openxmlformats.org/presentationml/2006/main">
-  <p:cSld>
-    <p:spTree>
-      <p:nvGrpSpPr>
-        <p:cNvPr id="1" name=""/>
-        <p:cNvGrpSpPr/>
-        <p:nvPr/>
-      </p:nvGrpSpPr>
-      <p:grpSpPr>
-        <a:xfrm>
-          <a:off x="0" y="0"/>
-          <a:ext cx="0" cy="0"/>
-          <a:chOff x="0" y="0"/>
-          <a:chExt cx="0" cy="0"/>
-        </a:xfrm>
-      </p:grpSpPr>
-      <p:sp>
-        <p:nvSpPr>
-          <p:cNvPr id="2" name="Title 1">
-            <a:extLst>
-              <a:ext uri="{FF2B5EF4-FFF2-40B4-BE49-F238E27FC236}">
-                <a16:creationId xmlns:a16="http://schemas.microsoft.com/office/drawing/2014/main" id="{E6171A0E-422B-45DA-9D0E-6949BF32A3BD}"/>
-              </a:ext>
-            </a:extLst>
-          </p:cNvPr>
-          <p:cNvSpPr>
-            <a:spLocks noGrp="1"/>
-          </p:cNvSpPr>
-          <p:nvPr>
-            <p:ph type="title"/>
-          </p:nvPr>
-        </p:nvSpPr>
-        <p:spPr/>
-        <p:txBody>
-          <a:bodyPr/>
-          <a:lstStyle/>
-          <a:p>
-            <a:r>
-              <a:rPr lang="en-US" dirty="0"/>
-              <a:t>Did any of the results surprise you? </a:t>
-            </a:r>
-          </a:p>
-        </p:txBody>
-      </p:sp>
-      <p:sp>
-        <p:nvSpPr>
-          <p:cNvPr id="3" name="Content Placeholder 2">
-            <a:extLst>
-              <a:ext uri="{FF2B5EF4-FFF2-40B4-BE49-F238E27FC236}">
-                <a16:creationId xmlns:a16="http://schemas.microsoft.com/office/drawing/2014/main" id="{432FE1D8-B326-481A-AE71-CC32AF3F969C}"/>
-              </a:ext>
-            </a:extLst>
-          </p:cNvPr>
-          <p:cNvSpPr>
-            <a:spLocks noGrp="1"/>
-          </p:cNvSpPr>
-          <p:nvPr>
-            <p:ph idx="1"/>
-          </p:nvPr>
-        </p:nvSpPr>
-        <p:spPr/>
-        <p:txBody>
-          <a:bodyPr>
-            <a:normAutofit/>
-          </a:bodyPr>
-          <a:lstStyle/>
-          <a:p>
-            <a:pPr rtl="0">
-              <a:spcBef>
-                <a:spcPts val="0"/>
-              </a:spcBef>
-              <a:spcAft>
-                <a:spcPts val="800"/>
-              </a:spcAft>
-            </a:pPr>
-            <a:r>
-              <a:rPr lang="en-US" sz="2400" dirty="0">
-                <a:solidFill>
-                  <a:schemeClr val="tx1"/>
-                </a:solidFill>
-              </a:rPr>
-              <a:t>Lack of evidence for an inherent connection between race, ethnicity, and sales</a:t>
-            </a:r>
-          </a:p>
-          <a:p>
-            <a:pPr rtl="0">
-              <a:spcBef>
-                <a:spcPts val="0"/>
-              </a:spcBef>
-              <a:spcAft>
-                <a:spcPts val="800"/>
-              </a:spcAft>
-            </a:pPr>
-            <a:r>
-              <a:rPr lang="en-US" sz="2400" dirty="0">
-                <a:solidFill>
-                  <a:schemeClr val="tx1"/>
-                </a:solidFill>
-              </a:rPr>
-              <a:t>Number of women-owned businesses in manufacturing, construction, and waste management</a:t>
-            </a:r>
-          </a:p>
-          <a:p>
-            <a:pPr rtl="0">
-              <a:spcBef>
-                <a:spcPts val="0"/>
-              </a:spcBef>
-              <a:spcAft>
-                <a:spcPts val="800"/>
-              </a:spcAft>
-            </a:pPr>
-            <a:r>
-              <a:rPr lang="en-US" sz="2400" dirty="0">
-                <a:solidFill>
-                  <a:schemeClr val="tx1"/>
-                </a:solidFill>
-              </a:rPr>
-              <a:t>Lack of evidence for an inherent connection between gender and sales</a:t>
-            </a:r>
-            <a:br>
-              <a:rPr lang="en-US" dirty="0"/>
-            </a:br>
-            <a:endParaRPr lang="en-US" dirty="0"/>
-          </a:p>
-        </p:txBody>
-      </p:sp>
-    </p:spTree>
-    <p:extLst>
-      <p:ext uri="{BB962C8B-B14F-4D97-AF65-F5344CB8AC3E}">
-        <p14:creationId xmlns:p14="http://schemas.microsoft.com/office/powerpoint/2010/main" val="2582855603"/>
-      </p:ext>
-    </p:extLst>
-  </p:cSld>
-  <p:clrMapOvr>
-    <a:masterClrMapping/>
-  </p:clrMapOvr>
-  <mc:AlternateContent xmlns:mc="http://schemas.openxmlformats.org/markup-compatibility/2006">
-    <mc:Choice xmlns:p14="http://schemas.microsoft.com/office/powerpoint/2010/main" Requires="p14">
-      <p:transition spd="slow" p14:dur="3400">
-        <p14:reveal/>
-      </p:transition>
-    </mc:Choice>
-    <mc:Fallback>
-      <p:transition spd="slow">
-        <p:fade/>
-      </p:transition>
-    </mc:Fallback>
-  </mc:AlternateContent>
-  <p:timing>
-    <p:tnLst>
-      <p:par>
-        <p:cTn id="1" dur="indefinite" restart="never" nodeType="tmRoot">
-          <p:childTnLst>
-            <p:seq concurrent="1" nextAc="seek">
-              <p:cTn id="2" dur="indefinite" nodeType="mainSeq">
-                <p:childTnLst>
-                  <p:par>
-                    <p:cTn id="3" fill="hold">
-                      <p:stCondLst>
-                        <p:cond delay="indefinite"/>
-                      </p:stCondLst>
-                      <p:childTnLst>
-                        <p:par>
-                          <p:cTn id="4" fill="hold">
-                            <p:stCondLst>
-                              <p:cond delay="0"/>
-                            </p:stCondLst>
-                            <p:childTnLst>
-                              <p:par>
-                                <p:cTn id="5" presetID="10" presetClass="entr" presetSubtype="0" fill="hold" grpId="0" nodeType="clickEffect">
-                                  <p:stCondLst>
-                                    <p:cond delay="0"/>
-                                  </p:stCondLst>
-                                  <p:childTnLst>
-                                    <p:set>
-                                      <p:cBhvr>
-                                        <p:cTn id="6" dur="1" fill="hold">
-                                          <p:stCondLst>
-                                            <p:cond delay="0"/>
-                                          </p:stCondLst>
-                                        </p:cTn>
-                                        <p:tgtEl>
-                                          <p:spTgt spid="2"/>
-                                        </p:tgtEl>
-                                        <p:attrNameLst>
-                                          <p:attrName>style.visibility</p:attrName>
-                                        </p:attrNameLst>
-                                      </p:cBhvr>
-                                      <p:to>
-                                        <p:strVal val="visible"/>
-                                      </p:to>
-                                    </p:set>
-                                    <p:animEffect transition="in" filter="fade">
-                                      <p:cBhvr>
-                                        <p:cTn id="7" dur="500"/>
-                                        <p:tgtEl>
-                                          <p:spTgt spid="2"/>
-                                        </p:tgtEl>
-                                      </p:cBhvr>
-                                    </p:animEffect>
-                                  </p:childTnLst>
-                                </p:cTn>
-                              </p:par>
-                            </p:childTnLst>
-                          </p:cTn>
-                        </p:par>
-                      </p:childTnLst>
-                    </p:cTn>
-                  </p:par>
-                  <p:par>
-                    <p:cTn id="8" fill="hold">
-                      <p:stCondLst>
-                        <p:cond delay="indefinite"/>
-                      </p:stCondLst>
-                      <p:childTnLst>
-                        <p:par>
-                          <p:cTn id="9" fill="hold">
-                            <p:stCondLst>
-                              <p:cond delay="0"/>
-                            </p:stCondLst>
-                            <p:childTnLst>
-                              <p:par>
-                                <p:cTn id="10" presetID="10" presetClass="entr" presetSubtype="0" fill="hold" grpId="0" nodeType="clickEffect">
-                                  <p:stCondLst>
-                                    <p:cond delay="0"/>
-                                  </p:stCondLst>
-                                  <p:childTnLst>
-                                    <p:set>
-                                      <p:cBhvr>
-                                        <p:cTn id="11" dur="1" fill="hold">
-                                          <p:stCondLst>
-                                            <p:cond delay="0"/>
-                                          </p:stCondLst>
-                                        </p:cTn>
-                                        <p:tgtEl>
-                                          <p:spTgt spid="3">
-                                            <p:txEl>
-                                              <p:pRg st="0" end="0"/>
-                                            </p:txEl>
-                                          </p:spTgt>
-                                        </p:tgtEl>
-                                        <p:attrNameLst>
-                                          <p:attrName>style.visibility</p:attrName>
-                                        </p:attrNameLst>
-                                      </p:cBhvr>
-                                      <p:to>
-                                        <p:strVal val="visible"/>
-                                      </p:to>
-                                    </p:set>
-                                    <p:animEffect transition="in" filter="fade">
-                                      <p:cBhvr>
-                                        <p:cTn id="12" dur="500"/>
-                                        <p:tgtEl>
-                                          <p:spTgt spid="3">
-                                            <p:txEl>
-                                              <p:pRg st="0" end="0"/>
-                                            </p:txEl>
-                                          </p:spTgt>
-                                        </p:tgtEl>
-                                      </p:cBhvr>
-                                    </p:animEffect>
-                                  </p:childTnLst>
-                                </p:cTn>
-                              </p:par>
-                            </p:childTnLst>
-                          </p:cTn>
-                        </p:par>
-                      </p:childTnLst>
-                    </p:cTn>
-                  </p:par>
-                  <p:par>
-                    <p:cTn id="13" fill="hold">
-                      <p:stCondLst>
-                        <p:cond delay="indefinite"/>
-                      </p:stCondLst>
-                      <p:childTnLst>
-                        <p:par>
-                          <p:cTn id="14" fill="hold">
-                            <p:stCondLst>
-                              <p:cond delay="0"/>
-                            </p:stCondLst>
-                            <p:childTnLst>
-                              <p:par>
-                                <p:cTn id="15" presetID="10" presetClass="entr" presetSubtype="0" fill="hold" grpId="0" nodeType="clickEffect">
-                                  <p:stCondLst>
-                                    <p:cond delay="0"/>
-                                  </p:stCondLst>
-                                  <p:childTnLst>
-                                    <p:set>
-                                      <p:cBhvr>
-                                        <p:cTn id="16" dur="1" fill="hold">
-                                          <p:stCondLst>
-                                            <p:cond delay="0"/>
-                                          </p:stCondLst>
-                                        </p:cTn>
-                                        <p:tgtEl>
-                                          <p:spTgt spid="3">
-                                            <p:txEl>
-                                              <p:pRg st="1" end="1"/>
-                                            </p:txEl>
-                                          </p:spTgt>
-                                        </p:tgtEl>
-                                        <p:attrNameLst>
-                                          <p:attrName>style.visibility</p:attrName>
-                                        </p:attrNameLst>
-                                      </p:cBhvr>
-                                      <p:to>
-                                        <p:strVal val="visible"/>
-                                      </p:to>
-                                    </p:set>
-                                    <p:animEffect transition="in" filter="fade">
-                                      <p:cBhvr>
-                                        <p:cTn id="17" dur="500"/>
-                                        <p:tgtEl>
-                                          <p:spTgt spid="3">
-                                            <p:txEl>
-                                              <p:pRg st="1" end="1"/>
-                                            </p:txEl>
-                                          </p:spTgt>
-                                        </p:tgtEl>
-                                      </p:cBhvr>
-                                    </p:animEffect>
-                                  </p:childTnLst>
-                                </p:cTn>
-                              </p:par>
-                            </p:childTnLst>
-                          </p:cTn>
-                        </p:par>
-                      </p:childTnLst>
-                    </p:cTn>
-                  </p:par>
-                  <p:par>
-                    <p:cTn id="18" fill="hold">
-                      <p:stCondLst>
-                        <p:cond delay="indefinite"/>
-                      </p:stCondLst>
-                      <p:childTnLst>
-                        <p:par>
-                          <p:cTn id="19" fill="hold">
-                            <p:stCondLst>
-                              <p:cond delay="0"/>
-                            </p:stCondLst>
-                            <p:childTnLst>
-                              <p:par>
-                                <p:cTn id="20" presetID="10" presetClass="entr" presetSubtype="0" fill="hold" grpId="0" nodeType="clickEffect">
-                                  <p:stCondLst>
-                                    <p:cond delay="0"/>
-                                  </p:stCondLst>
-                                  <p:childTnLst>
-                                    <p:set>
-                                      <p:cBhvr>
-                                        <p:cTn id="21" dur="1" fill="hold">
-                                          <p:stCondLst>
-                                            <p:cond delay="0"/>
-                                          </p:stCondLst>
-                                        </p:cTn>
-                                        <p:tgtEl>
-                                          <p:spTgt spid="3">
-                                            <p:txEl>
-                                              <p:pRg st="2" end="2"/>
-                                            </p:txEl>
-                                          </p:spTgt>
-                                        </p:tgtEl>
-                                        <p:attrNameLst>
-                                          <p:attrName>style.visibility</p:attrName>
-                                        </p:attrNameLst>
-                                      </p:cBhvr>
-                                      <p:to>
-                                        <p:strVal val="visible"/>
-                                      </p:to>
-                                    </p:set>
-                                    <p:animEffect transition="in" filter="fade">
-                                      <p:cBhvr>
-                                        <p:cTn id="22" dur="500"/>
-                                        <p:tgtEl>
-                                          <p:spTgt spid="3">
-                                            <p:txEl>
-                                              <p:pRg st="2" end="2"/>
-                                            </p:txEl>
-                                          </p:spTgt>
-                                        </p:tgtEl>
-                                      </p:cBhvr>
-                                    </p:animEffect>
-                                  </p:childTnLst>
-                                </p:cTn>
-                              </p:par>
-                            </p:childTnLst>
-                          </p:cTn>
-                        </p:par>
-                      </p:childTnLst>
-                    </p:cTn>
-                  </p:par>
-                </p:childTnLst>
-              </p:cTn>
-              <p:prevCondLst>
-                <p:cond evt="onPrev" delay="0">
-                  <p:tgtEl>
-                    <p:sldTgt/>
-                  </p:tgtEl>
-                </p:cond>
-              </p:prevCondLst>
-              <p:nextCondLst>
-                <p:cond evt="onNext" delay="0">
-                  <p:tgtEl>
-                    <p:sldTgt/>
-                  </p:tgtEl>
-                </p:cond>
-              </p:nextCondLst>
-            </p:seq>
-          </p:childTnLst>
-        </p:cTn>
-      </p:par>
-    </p:tnLst>
-    <p:bldLst>
-      <p:bldP spid="2" grpId="0"/>
-      <p:bldP spid="3" grpId="0" build="p"/>
-    </p:bldLst>
-  </p:timing>
 </p:sld>
 </file>
 
@@ -16179,7 +15901,7 @@
           <a:p>
             <a:r>
               <a:rPr lang="en-US" dirty="0"/>
-              <a:t>Did we find any institutional biases during our research?</a:t>
+              <a:t>Did any of the results surprise you? </a:t>
             </a:r>
           </a:p>
         </p:txBody>
@@ -16216,8 +15938,12 @@
               </a:spcAft>
             </a:pPr>
             <a:r>
-              <a:rPr lang="en-US" sz="2800" dirty="0"/>
-              <a:t>Did not find any institutional biases</a:t>
+              <a:rPr lang="en-US" sz="2400" dirty="0">
+                <a:solidFill>
+                  <a:schemeClr val="tx1"/>
+                </a:solidFill>
+              </a:rPr>
+              <a:t>Lack of evidence for an inherent connection between race, ethnicity, and sales</a:t>
             </a:r>
           </a:p>
           <a:p>
@@ -16230,8 +15956,12 @@
               </a:spcAft>
             </a:pPr>
             <a:r>
-              <a:rPr lang="en-US" sz="2800" dirty="0"/>
-              <a:t>Women did not take advantage of financial opportunities as often as men</a:t>
+              <a:rPr lang="en-US" sz="2400" dirty="0">
+                <a:solidFill>
+                  <a:schemeClr val="tx1"/>
+                </a:solidFill>
+              </a:rPr>
+              <a:t>Number of women-owned businesses in manufacturing, construction, and waste management</a:t>
             </a:r>
           </a:p>
           <a:p>
@@ -16244,8 +15974,12 @@
               </a:spcAft>
             </a:pPr>
             <a:r>
-              <a:rPr lang="en-US" sz="2800" dirty="0"/>
-              <a:t>Limiting business growth for women and/or entrances into other markets</a:t>
+              <a:rPr lang="en-US" sz="2400" dirty="0">
+                <a:solidFill>
+                  <a:schemeClr val="tx1"/>
+                </a:solidFill>
+              </a:rPr>
+              <a:t>Lack of evidence for an inherent connection between gender and sales</a:t>
             </a:r>
             <a:br>
               <a:rPr lang="en-US" dirty="0"/>
@@ -16257,21 +15991,21 @@
     </p:spTree>
     <p:extLst>
       <p:ext uri="{BB962C8B-B14F-4D97-AF65-F5344CB8AC3E}">
-        <p14:creationId xmlns:p14="http://schemas.microsoft.com/office/powerpoint/2010/main" val="1199085014"/>
+        <p14:creationId xmlns:p14="http://schemas.microsoft.com/office/powerpoint/2010/main" val="2582855603"/>
       </p:ext>
     </p:extLst>
   </p:cSld>
   <p:clrMapOvr>
     <a:masterClrMapping/>
   </p:clrMapOvr>
-  <mc:AlternateContent xmlns:mc="http://schemas.openxmlformats.org/markup-compatibility/2006">
-    <mc:Choice xmlns:p14="http://schemas.microsoft.com/office/powerpoint/2010/main" Requires="p14">
-      <p:transition spd="med" p14:dur="700">
-        <p:fade/>
+  <mc:AlternateContent xmlns:mc="http://schemas.openxmlformats.org/markup-compatibility/2006" xmlns:p14="http://schemas.microsoft.com/office/powerpoint/2010/main">
+    <mc:Choice Requires="p14">
+      <p:transition spd="slow" p14:dur="3400">
+        <p14:reveal/>
       </p:transition>
     </mc:Choice>
-    <mc:Fallback>
-      <p:transition spd="med">
+    <mc:Fallback xmlns="">
+      <p:transition spd="slow">
         <p:fade/>
       </p:transition>
     </mc:Fallback>
@@ -16589,7 +16323,7 @@
           <a:p>
             <a:r>
               <a:rPr lang="en-US" dirty="0"/>
-              <a:t>Did this project change how you felt about owning your own businesses?</a:t>
+              <a:t>Did we find any institutional biases during our research?</a:t>
             </a:r>
           </a:p>
         </p:txBody>
@@ -16627,7 +16361,7 @@
             </a:pPr>
             <a:r>
               <a:rPr lang="en-US" sz="2800" dirty="0"/>
-              <a:t>Changed how I feel about owning my own business for the better</a:t>
+              <a:t>Did not find any institutional biases</a:t>
             </a:r>
           </a:p>
           <a:p>
@@ -16641,7 +16375,7 @@
             </a:pPr>
             <a:r>
               <a:rPr lang="en-US" sz="2800" dirty="0"/>
-              <a:t>Increased confidence that I can be as successful as my male counterparts</a:t>
+              <a:t>Women did not take advantage of financial opportunities as often as men</a:t>
             </a:r>
           </a:p>
           <a:p>
@@ -16655,7 +16389,7 @@
             </a:pPr>
             <a:r>
               <a:rPr lang="en-US" sz="2800" dirty="0"/>
-              <a:t>Encouraged seizing opportunities early and often </a:t>
+              <a:t>Limiting business growth for women and/or entrances into other markets</a:t>
             </a:r>
             <a:br>
               <a:rPr lang="en-US" dirty="0"/>
@@ -16667,20 +16401,20 @@
     </p:spTree>
     <p:extLst>
       <p:ext uri="{BB962C8B-B14F-4D97-AF65-F5344CB8AC3E}">
-        <p14:creationId xmlns:p14="http://schemas.microsoft.com/office/powerpoint/2010/main" val="1614770663"/>
+        <p14:creationId xmlns:p14="http://schemas.microsoft.com/office/powerpoint/2010/main" val="1199085014"/>
       </p:ext>
     </p:extLst>
   </p:cSld>
   <p:clrMapOvr>
     <a:masterClrMapping/>
   </p:clrMapOvr>
-  <mc:AlternateContent xmlns:mc="http://schemas.openxmlformats.org/markup-compatibility/2006">
-    <mc:Choice xmlns:p14="http://schemas.microsoft.com/office/powerpoint/2010/main" Requires="p14">
+  <mc:AlternateContent xmlns:mc="http://schemas.openxmlformats.org/markup-compatibility/2006" xmlns:p14="http://schemas.microsoft.com/office/powerpoint/2010/main">
+    <mc:Choice Requires="p14">
       <p:transition spd="med" p14:dur="700">
         <p:fade/>
       </p:transition>
     </mc:Choice>
-    <mc:Fallback>
+    <mc:Fallback xmlns="">
       <p:transition spd="med">
         <p:fade/>
       </p:transition>
@@ -16999,7 +16733,7 @@
           <a:p>
             <a:r>
               <a:rPr lang="en-US" dirty="0"/>
-              <a:t>Bibliography </a:t>
+              <a:t>Did this project change how you felt about owning your own businesses?</a:t>
             </a:r>
           </a:p>
         </p:txBody>
@@ -17023,7 +16757,7 @@
         <p:spPr/>
         <p:txBody>
           <a:bodyPr>
-            <a:normAutofit fontScale="92500" lnSpcReduction="10000"/>
+            <a:normAutofit/>
           </a:bodyPr>
           <a:lstStyle/>
           <a:p>
@@ -17036,18 +16770,9 @@
               </a:spcAft>
             </a:pPr>
             <a:r>
-              <a:rPr lang="en-US" sz="2400" b="0" i="0" u="sng" strike="noStrike" dirty="0">
-                <a:solidFill>
-                  <a:srgbClr val="1155CC"/>
-                </a:solidFill>
-                <a:effectLst/>
-                <a:hlinkClick r:id="rId2"/>
-              </a:rPr>
-              <a:t>Small Business Index | MetLife &amp; US Chamber of Commerce</a:t>
-            </a:r>
-            <a:endParaRPr lang="en-US" sz="2400" b="0" dirty="0">
-              <a:effectLst/>
-            </a:endParaRPr>
+              <a:rPr lang="en-US" sz="2800" dirty="0"/>
+              <a:t>Changed how I feel about owning my own business for the better</a:t>
+            </a:r>
           </a:p>
           <a:p>
             <a:pPr rtl="0">
@@ -17059,18 +16784,9 @@
               </a:spcAft>
             </a:pPr>
             <a:r>
-              <a:rPr lang="en-US" sz="2400" b="0" i="0" u="sng" strike="noStrike" dirty="0">
-                <a:solidFill>
-                  <a:srgbClr val="1155CC"/>
-                </a:solidFill>
-                <a:effectLst/>
-                <a:hlinkClick r:id="rId3"/>
-              </a:rPr>
-              <a:t>Who Started Businesses During the Pandemic? A Survey of Women Starting Businesses During COVID | Gusto</a:t>
-            </a:r>
-            <a:endParaRPr lang="en-US" sz="2400" b="0" dirty="0">
-              <a:effectLst/>
-            </a:endParaRPr>
+              <a:rPr lang="en-US" sz="2800" dirty="0"/>
+              <a:t>Increased confidence that I can be as successful as my male counterparts</a:t>
+            </a:r>
           </a:p>
           <a:p>
             <a:pPr rtl="0">
@@ -17082,66 +16798,8 @@
               </a:spcAft>
             </a:pPr>
             <a:r>
-              <a:rPr lang="en-US" sz="2400" b="0" i="0" u="sng" strike="noStrike" dirty="0">
-                <a:solidFill>
-                  <a:srgbClr val="1155CC"/>
-                </a:solidFill>
-                <a:effectLst/>
-                <a:hlinkClick r:id="rId4"/>
-              </a:rPr>
-              <a:t>Women-Owned Businesses: Statistics and Overview (2021) - </a:t>
-            </a:r>
-            <a:r>
-              <a:rPr lang="en-US" sz="2400" b="0" i="0" u="sng" strike="noStrike" dirty="0" err="1">
-                <a:solidFill>
-                  <a:srgbClr val="1155CC"/>
-                </a:solidFill>
-                <a:effectLst/>
-                <a:hlinkClick r:id="rId4"/>
-              </a:rPr>
-              <a:t>Fundera</a:t>
-            </a:r>
-            <a:r>
-              <a:rPr lang="en-US" sz="2400" b="0" i="0" u="sng" strike="noStrike" dirty="0">
-                <a:solidFill>
-                  <a:srgbClr val="1155CC"/>
-                </a:solidFill>
-                <a:effectLst/>
-                <a:hlinkClick r:id="rId4"/>
-              </a:rPr>
-              <a:t> Ledger</a:t>
-            </a:r>
-            <a:endParaRPr lang="en-US" sz="2400" b="0" dirty="0">
-              <a:effectLst/>
-            </a:endParaRPr>
-          </a:p>
-          <a:p>
-            <a:pPr rtl="0">
-              <a:spcBef>
-                <a:spcPts val="0"/>
-              </a:spcBef>
-              <a:spcAft>
-                <a:spcPts val="800"/>
-              </a:spcAft>
-            </a:pPr>
-            <a:r>
-              <a:rPr lang="en-US" sz="2400" b="0" i="0" u="sng" strike="noStrike" dirty="0">
-                <a:solidFill>
-                  <a:srgbClr val="1155CC"/>
-                </a:solidFill>
-                <a:effectLst/>
-                <a:hlinkClick r:id="rId5"/>
-              </a:rPr>
-              <a:t>Businesses owned by women and minorities have grown. Will COVID-19 undo that?</a:t>
-            </a:r>
-            <a:endParaRPr lang="en-US" sz="2400" b="0" dirty="0">
-              <a:effectLst/>
-            </a:endParaRPr>
-          </a:p>
-          <a:p>
-            <a:r>
-              <a:rPr lang="en-US" sz="2400" dirty="0"/>
-              <a:t>U.S. Census Bureau: Annual Business Surveys (2018-2020)</a:t>
+              <a:rPr lang="en-US" sz="2800" dirty="0"/>
+              <a:t>Encouraged seizing opportunities early and often </a:t>
             </a:r>
             <a:br>
               <a:rPr lang="en-US" dirty="0"/>
@@ -17153,25 +16811,295 @@
     </p:spTree>
     <p:extLst>
       <p:ext uri="{BB962C8B-B14F-4D97-AF65-F5344CB8AC3E}">
-        <p14:creationId xmlns:p14="http://schemas.microsoft.com/office/powerpoint/2010/main" val="774797883"/>
+        <p14:creationId xmlns:p14="http://schemas.microsoft.com/office/powerpoint/2010/main" val="1614770663"/>
       </p:ext>
     </p:extLst>
   </p:cSld>
   <p:clrMapOvr>
     <a:masterClrMapping/>
   </p:clrMapOvr>
-  <mc:AlternateContent xmlns:mc="http://schemas.openxmlformats.org/markup-compatibility/2006">
-    <mc:Choice xmlns:p14="http://schemas.microsoft.com/office/powerpoint/2010/main" Requires="p14">
+  <mc:AlternateContent xmlns:mc="http://schemas.openxmlformats.org/markup-compatibility/2006" xmlns:p14="http://schemas.microsoft.com/office/powerpoint/2010/main">
+    <mc:Choice Requires="p14">
       <p:transition spd="med" p14:dur="700">
         <p:fade/>
       </p:transition>
     </mc:Choice>
-    <mc:Fallback>
+    <mc:Fallback xmlns="">
       <p:transition spd="med">
         <p:fade/>
       </p:transition>
     </mc:Fallback>
   </mc:AlternateContent>
+  <p:timing>
+    <p:tnLst>
+      <p:par>
+        <p:cTn id="1" dur="indefinite" restart="never" nodeType="tmRoot">
+          <p:childTnLst>
+            <p:seq concurrent="1" nextAc="seek">
+              <p:cTn id="2" dur="indefinite" nodeType="mainSeq">
+                <p:childTnLst>
+                  <p:par>
+                    <p:cTn id="3" fill="hold">
+                      <p:stCondLst>
+                        <p:cond delay="indefinite"/>
+                      </p:stCondLst>
+                      <p:childTnLst>
+                        <p:par>
+                          <p:cTn id="4" fill="hold">
+                            <p:stCondLst>
+                              <p:cond delay="0"/>
+                            </p:stCondLst>
+                            <p:childTnLst>
+                              <p:par>
+                                <p:cTn id="5" presetID="10" presetClass="entr" presetSubtype="0" fill="hold" grpId="0" nodeType="clickEffect">
+                                  <p:stCondLst>
+                                    <p:cond delay="0"/>
+                                  </p:stCondLst>
+                                  <p:childTnLst>
+                                    <p:set>
+                                      <p:cBhvr>
+                                        <p:cTn id="6" dur="1" fill="hold">
+                                          <p:stCondLst>
+                                            <p:cond delay="0"/>
+                                          </p:stCondLst>
+                                        </p:cTn>
+                                        <p:tgtEl>
+                                          <p:spTgt spid="2"/>
+                                        </p:tgtEl>
+                                        <p:attrNameLst>
+                                          <p:attrName>style.visibility</p:attrName>
+                                        </p:attrNameLst>
+                                      </p:cBhvr>
+                                      <p:to>
+                                        <p:strVal val="visible"/>
+                                      </p:to>
+                                    </p:set>
+                                    <p:animEffect transition="in" filter="fade">
+                                      <p:cBhvr>
+                                        <p:cTn id="7" dur="500"/>
+                                        <p:tgtEl>
+                                          <p:spTgt spid="2"/>
+                                        </p:tgtEl>
+                                      </p:cBhvr>
+                                    </p:animEffect>
+                                  </p:childTnLst>
+                                </p:cTn>
+                              </p:par>
+                            </p:childTnLst>
+                          </p:cTn>
+                        </p:par>
+                      </p:childTnLst>
+                    </p:cTn>
+                  </p:par>
+                  <p:par>
+                    <p:cTn id="8" fill="hold">
+                      <p:stCondLst>
+                        <p:cond delay="indefinite"/>
+                      </p:stCondLst>
+                      <p:childTnLst>
+                        <p:par>
+                          <p:cTn id="9" fill="hold">
+                            <p:stCondLst>
+                              <p:cond delay="0"/>
+                            </p:stCondLst>
+                            <p:childTnLst>
+                              <p:par>
+                                <p:cTn id="10" presetID="10" presetClass="entr" presetSubtype="0" fill="hold" grpId="0" nodeType="clickEffect">
+                                  <p:stCondLst>
+                                    <p:cond delay="0"/>
+                                  </p:stCondLst>
+                                  <p:childTnLst>
+                                    <p:set>
+                                      <p:cBhvr>
+                                        <p:cTn id="11" dur="1" fill="hold">
+                                          <p:stCondLst>
+                                            <p:cond delay="0"/>
+                                          </p:stCondLst>
+                                        </p:cTn>
+                                        <p:tgtEl>
+                                          <p:spTgt spid="3">
+                                            <p:txEl>
+                                              <p:pRg st="0" end="0"/>
+                                            </p:txEl>
+                                          </p:spTgt>
+                                        </p:tgtEl>
+                                        <p:attrNameLst>
+                                          <p:attrName>style.visibility</p:attrName>
+                                        </p:attrNameLst>
+                                      </p:cBhvr>
+                                      <p:to>
+                                        <p:strVal val="visible"/>
+                                      </p:to>
+                                    </p:set>
+                                    <p:animEffect transition="in" filter="fade">
+                                      <p:cBhvr>
+                                        <p:cTn id="12" dur="500"/>
+                                        <p:tgtEl>
+                                          <p:spTgt spid="3">
+                                            <p:txEl>
+                                              <p:pRg st="0" end="0"/>
+                                            </p:txEl>
+                                          </p:spTgt>
+                                        </p:tgtEl>
+                                      </p:cBhvr>
+                                    </p:animEffect>
+                                  </p:childTnLst>
+                                </p:cTn>
+                              </p:par>
+                            </p:childTnLst>
+                          </p:cTn>
+                        </p:par>
+                      </p:childTnLst>
+                    </p:cTn>
+                  </p:par>
+                  <p:par>
+                    <p:cTn id="13" fill="hold">
+                      <p:stCondLst>
+                        <p:cond delay="indefinite"/>
+                      </p:stCondLst>
+                      <p:childTnLst>
+                        <p:par>
+                          <p:cTn id="14" fill="hold">
+                            <p:stCondLst>
+                              <p:cond delay="0"/>
+                            </p:stCondLst>
+                            <p:childTnLst>
+                              <p:par>
+                                <p:cTn id="15" presetID="10" presetClass="entr" presetSubtype="0" fill="hold" grpId="0" nodeType="clickEffect">
+                                  <p:stCondLst>
+                                    <p:cond delay="0"/>
+                                  </p:stCondLst>
+                                  <p:childTnLst>
+                                    <p:set>
+                                      <p:cBhvr>
+                                        <p:cTn id="16" dur="1" fill="hold">
+                                          <p:stCondLst>
+                                            <p:cond delay="0"/>
+                                          </p:stCondLst>
+                                        </p:cTn>
+                                        <p:tgtEl>
+                                          <p:spTgt spid="3">
+                                            <p:txEl>
+                                              <p:pRg st="1" end="1"/>
+                                            </p:txEl>
+                                          </p:spTgt>
+                                        </p:tgtEl>
+                                        <p:attrNameLst>
+                                          <p:attrName>style.visibility</p:attrName>
+                                        </p:attrNameLst>
+                                      </p:cBhvr>
+                                      <p:to>
+                                        <p:strVal val="visible"/>
+                                      </p:to>
+                                    </p:set>
+                                    <p:animEffect transition="in" filter="fade">
+                                      <p:cBhvr>
+                                        <p:cTn id="17" dur="500"/>
+                                        <p:tgtEl>
+                                          <p:spTgt spid="3">
+                                            <p:txEl>
+                                              <p:pRg st="1" end="1"/>
+                                            </p:txEl>
+                                          </p:spTgt>
+                                        </p:tgtEl>
+                                      </p:cBhvr>
+                                    </p:animEffect>
+                                  </p:childTnLst>
+                                </p:cTn>
+                              </p:par>
+                            </p:childTnLst>
+                          </p:cTn>
+                        </p:par>
+                      </p:childTnLst>
+                    </p:cTn>
+                  </p:par>
+                  <p:par>
+                    <p:cTn id="18" fill="hold">
+                      <p:stCondLst>
+                        <p:cond delay="indefinite"/>
+                      </p:stCondLst>
+                      <p:childTnLst>
+                        <p:par>
+                          <p:cTn id="19" fill="hold">
+                            <p:stCondLst>
+                              <p:cond delay="0"/>
+                            </p:stCondLst>
+                            <p:childTnLst>
+                              <p:par>
+                                <p:cTn id="20" presetID="10" presetClass="entr" presetSubtype="0" fill="hold" grpId="0" nodeType="clickEffect">
+                                  <p:stCondLst>
+                                    <p:cond delay="0"/>
+                                  </p:stCondLst>
+                                  <p:childTnLst>
+                                    <p:set>
+                                      <p:cBhvr>
+                                        <p:cTn id="21" dur="1" fill="hold">
+                                          <p:stCondLst>
+                                            <p:cond delay="0"/>
+                                          </p:stCondLst>
+                                        </p:cTn>
+                                        <p:tgtEl>
+                                          <p:spTgt spid="3">
+                                            <p:txEl>
+                                              <p:pRg st="2" end="2"/>
+                                            </p:txEl>
+                                          </p:spTgt>
+                                        </p:tgtEl>
+                                        <p:attrNameLst>
+                                          <p:attrName>style.visibility</p:attrName>
+                                        </p:attrNameLst>
+                                      </p:cBhvr>
+                                      <p:to>
+                                        <p:strVal val="visible"/>
+                                      </p:to>
+                                    </p:set>
+                                    <p:animEffect transition="in" filter="fade">
+                                      <p:cBhvr>
+                                        <p:cTn id="22" dur="500"/>
+                                        <p:tgtEl>
+                                          <p:spTgt spid="3">
+                                            <p:txEl>
+                                              <p:pRg st="2" end="2"/>
+                                            </p:txEl>
+                                          </p:spTgt>
+                                        </p:tgtEl>
+                                      </p:cBhvr>
+                                    </p:animEffect>
+                                  </p:childTnLst>
+                                </p:cTn>
+                              </p:par>
+                            </p:childTnLst>
+                          </p:cTn>
+                        </p:par>
+                      </p:childTnLst>
+                    </p:cTn>
+                  </p:par>
+                </p:childTnLst>
+              </p:cTn>
+              <p:prevCondLst>
+                <p:cond evt="onPrev" delay="0">
+                  <p:tgtEl>
+                    <p:sldTgt/>
+                  </p:tgtEl>
+                </p:cond>
+              </p:prevCondLst>
+              <p:nextCondLst>
+                <p:cond evt="onNext" delay="0">
+                  <p:tgtEl>
+                    <p:sldTgt/>
+                  </p:tgtEl>
+                </p:cond>
+              </p:nextCondLst>
+            </p:seq>
+          </p:childTnLst>
+        </p:cTn>
+      </p:par>
+    </p:tnLst>
+    <p:bldLst>
+      <p:bldP spid="2" grpId="0"/>
+      <p:bldP spid="3" grpId="0" build="p"/>
+    </p:bldLst>
+  </p:timing>
 </p:sld>
 </file>
 
@@ -17197,7 +17125,7 @@
           <p:cNvPr id="2" name="Title 1">
             <a:extLst>
               <a:ext uri="{FF2B5EF4-FFF2-40B4-BE49-F238E27FC236}">
-                <a16:creationId xmlns:a16="http://schemas.microsoft.com/office/drawing/2014/main" id="{E5D1D92E-DBD1-4D94-A3CB-BA00A2DCF892}"/>
+                <a16:creationId xmlns:a16="http://schemas.microsoft.com/office/drawing/2014/main" id="{E6171A0E-422B-45DA-9D0E-6949BF32A3BD}"/>
               </a:ext>
             </a:extLst>
           </p:cNvPr>
@@ -17214,10 +17142,9 @@
           <a:lstStyle/>
           <a:p>
             <a:r>
-              <a:rPr lang="en-US" sz="4800" dirty="0"/>
-              <a:t>Lessons Learned</a:t>
-            </a:r>
-            <a:endParaRPr lang="en-US" dirty="0"/>
+              <a:rPr lang="en-US" dirty="0"/>
+              <a:t>Bibliography </a:t>
+            </a:r>
           </a:p>
         </p:txBody>
       </p:sp>
@@ -17226,7 +17153,7 @@
           <p:cNvPr id="3" name="Content Placeholder 2">
             <a:extLst>
               <a:ext uri="{FF2B5EF4-FFF2-40B4-BE49-F238E27FC236}">
-                <a16:creationId xmlns:a16="http://schemas.microsoft.com/office/drawing/2014/main" id="{248AECDB-3C85-476B-AC5C-750F499A1A15}"/>
+                <a16:creationId xmlns:a16="http://schemas.microsoft.com/office/drawing/2014/main" id="{432FE1D8-B326-481A-AE71-CC32AF3F969C}"/>
               </a:ext>
             </a:extLst>
           </p:cNvPr>
@@ -17237,80 +17164,153 @@
             <p:ph idx="1"/>
           </p:nvPr>
         </p:nvSpPr>
-        <p:spPr>
-          <a:xfrm>
-            <a:off x="1154954" y="2603499"/>
-            <a:ext cx="9614646" cy="3966633"/>
-          </a:xfrm>
-        </p:spPr>
+        <p:spPr/>
         <p:txBody>
           <a:bodyPr>
-            <a:normAutofit/>
+            <a:normAutofit fontScale="92500" lnSpcReduction="10000"/>
           </a:bodyPr>
           <a:lstStyle/>
           <a:p>
-            <a:pPr>
-              <a:lnSpc>
-                <a:spcPct val="160000"/>
-              </a:lnSpc>
+            <a:pPr rtl="0">
+              <a:spcBef>
+                <a:spcPts val="0"/>
+              </a:spcBef>
+              <a:spcAft>
+                <a:spcPts val="800"/>
+              </a:spcAft>
             </a:pPr>
             <a:r>
-              <a:rPr lang="en-US" sz="2000" dirty="0"/>
-              <a:t>Pivoting sooner when encountering challenges</a:t>
-            </a:r>
-          </a:p>
-          <a:p>
-            <a:pPr>
-              <a:lnSpc>
-                <a:spcPct val="160000"/>
-              </a:lnSpc>
+              <a:rPr lang="en-US" sz="2400" b="0" i="0" u="sng" strike="noStrike" dirty="0">
+                <a:solidFill>
+                  <a:srgbClr val="1155CC"/>
+                </a:solidFill>
+                <a:effectLst/>
+                <a:hlinkClick r:id="rId2"/>
+              </a:rPr>
+              <a:t>Small Business Index | MetLife &amp; US Chamber of Commerce</a:t>
+            </a:r>
+            <a:endParaRPr lang="en-US" sz="2400" b="0" dirty="0">
+              <a:effectLst/>
+            </a:endParaRPr>
+          </a:p>
+          <a:p>
+            <a:pPr rtl="0">
+              <a:spcBef>
+                <a:spcPts val="0"/>
+              </a:spcBef>
+              <a:spcAft>
+                <a:spcPts val="800"/>
+              </a:spcAft>
             </a:pPr>
             <a:r>
-              <a:rPr lang="en-US" sz="2000" dirty="0"/>
-              <a:t>National scale large and too ambitious: regional or state level would have been better</a:t>
-            </a:r>
-          </a:p>
-          <a:p>
-            <a:pPr>
-              <a:lnSpc>
-                <a:spcPct val="160000"/>
-              </a:lnSpc>
+              <a:rPr lang="en-US" sz="2400" b="0" i="0" u="sng" strike="noStrike" dirty="0">
+                <a:solidFill>
+                  <a:srgbClr val="1155CC"/>
+                </a:solidFill>
+                <a:effectLst/>
+                <a:hlinkClick r:id="rId3"/>
+              </a:rPr>
+              <a:t>Who Started Businesses During the Pandemic? A Survey of Women Starting Businesses During COVID | Gusto</a:t>
+            </a:r>
+            <a:endParaRPr lang="en-US" sz="2400" b="0" dirty="0">
+              <a:effectLst/>
+            </a:endParaRPr>
+          </a:p>
+          <a:p>
+            <a:pPr rtl="0">
+              <a:spcBef>
+                <a:spcPts val="0"/>
+              </a:spcBef>
+              <a:spcAft>
+                <a:spcPts val="800"/>
+              </a:spcAft>
             </a:pPr>
             <a:r>
-              <a:rPr lang="en-US" sz="2000" dirty="0"/>
-              <a:t>Better understanding of extracting API data from sources such as YouTube</a:t>
-            </a:r>
-          </a:p>
-          <a:p>
-            <a:pPr>
-              <a:lnSpc>
-                <a:spcPct val="160000"/>
-              </a:lnSpc>
+              <a:rPr lang="en-US" sz="2400" b="0" i="0" u="sng" strike="noStrike" dirty="0">
+                <a:solidFill>
+                  <a:srgbClr val="1155CC"/>
+                </a:solidFill>
+                <a:effectLst/>
+                <a:hlinkClick r:id="rId4"/>
+              </a:rPr>
+              <a:t>Women-Owned Businesses: Statistics and Overview (2021) - </a:t>
+            </a:r>
+            <a:r>
+              <a:rPr lang="en-US" sz="2400" b="0" i="0" u="sng" strike="noStrike" dirty="0" err="1">
+                <a:solidFill>
+                  <a:srgbClr val="1155CC"/>
+                </a:solidFill>
+                <a:effectLst/>
+                <a:hlinkClick r:id="rId4"/>
+              </a:rPr>
+              <a:t>Fundera</a:t>
+            </a:r>
+            <a:r>
+              <a:rPr lang="en-US" sz="2400" b="0" i="0" u="sng" strike="noStrike" dirty="0">
+                <a:solidFill>
+                  <a:srgbClr val="1155CC"/>
+                </a:solidFill>
+                <a:effectLst/>
+                <a:hlinkClick r:id="rId4"/>
+              </a:rPr>
+              <a:t> Ledger</a:t>
+            </a:r>
+            <a:endParaRPr lang="en-US" sz="2400" b="0" dirty="0">
+              <a:effectLst/>
+            </a:endParaRPr>
+          </a:p>
+          <a:p>
+            <a:pPr rtl="0">
+              <a:spcBef>
+                <a:spcPts val="0"/>
+              </a:spcBef>
+              <a:spcAft>
+                <a:spcPts val="800"/>
+              </a:spcAft>
             </a:pPr>
             <a:r>
-              <a:rPr lang="en-US" sz="2000" dirty="0"/>
-              <a:t>Started with basic statistical analysis before attempting more advanced statistical analysis</a:t>
-            </a:r>
+              <a:rPr lang="en-US" sz="2400" b="0" i="0" u="sng" strike="noStrike" dirty="0">
+                <a:solidFill>
+                  <a:srgbClr val="1155CC"/>
+                </a:solidFill>
+                <a:effectLst/>
+                <a:hlinkClick r:id="rId5"/>
+              </a:rPr>
+              <a:t>Businesses owned by women and minorities have grown. Will COVID-19 undo that?</a:t>
+            </a:r>
+            <a:endParaRPr lang="en-US" sz="2400" b="0" dirty="0">
+              <a:effectLst/>
+            </a:endParaRPr>
+          </a:p>
+          <a:p>
+            <a:r>
+              <a:rPr lang="en-US" sz="2400" dirty="0"/>
+              <a:t>U.S. Census Bureau: Annual Business Surveys (2018-2020)</a:t>
+            </a:r>
+            <a:br>
+              <a:rPr lang="en-US" dirty="0"/>
+            </a:br>
+            <a:endParaRPr lang="en-US" dirty="0"/>
           </a:p>
         </p:txBody>
       </p:sp>
     </p:spTree>
     <p:extLst>
       <p:ext uri="{BB962C8B-B14F-4D97-AF65-F5344CB8AC3E}">
-        <p14:creationId xmlns:p14="http://schemas.microsoft.com/office/powerpoint/2010/main" val="377468140"/>
+        <p14:creationId xmlns:p14="http://schemas.microsoft.com/office/powerpoint/2010/main" val="774797883"/>
       </p:ext>
     </p:extLst>
   </p:cSld>
   <p:clrMapOvr>
     <a:masterClrMapping/>
   </p:clrMapOvr>
-  <mc:AlternateContent xmlns:mc="http://schemas.openxmlformats.org/markup-compatibility/2006">
-    <mc:Choice xmlns:p14="http://schemas.microsoft.com/office/powerpoint/2010/main" Requires="p14">
+  <mc:AlternateContent xmlns:mc="http://schemas.openxmlformats.org/markup-compatibility/2006" xmlns:p14="http://schemas.microsoft.com/office/powerpoint/2010/main">
+    <mc:Choice Requires="p14">
       <p:transition spd="med" p14:dur="700">
         <p:fade/>
       </p:transition>
     </mc:Choice>
-    <mc:Fallback>
+    <mc:Fallback xmlns="">
       <p:transition spd="med">
         <p:fade/>
       </p:transition>
@@ -17607,13 +17607,13 @@
   <p:clrMapOvr>
     <a:masterClrMapping/>
   </p:clrMapOvr>
-  <mc:AlternateContent xmlns:mc="http://schemas.openxmlformats.org/markup-compatibility/2006">
-    <mc:Choice xmlns:p14="http://schemas.microsoft.com/office/powerpoint/2010/main" Requires="p14">
+  <mc:AlternateContent xmlns:mc="http://schemas.openxmlformats.org/markup-compatibility/2006" xmlns:p14="http://schemas.microsoft.com/office/powerpoint/2010/main">
+    <mc:Choice Requires="p14">
       <p:transition spd="med" p14:dur="700">
         <p:fade/>
       </p:transition>
     </mc:Choice>
-    <mc:Fallback>
+    <mc:Fallback xmlns="">
       <p:transition spd="med">
         <p:fade/>
       </p:transition>
@@ -17923,13 +17923,13 @@
   <p:clrMapOvr>
     <a:masterClrMapping/>
   </p:clrMapOvr>
-  <mc:AlternateContent xmlns:mc="http://schemas.openxmlformats.org/markup-compatibility/2006">
-    <mc:Choice xmlns:p14="http://schemas.microsoft.com/office/powerpoint/2010/main" Requires="p14">
+  <mc:AlternateContent xmlns:mc="http://schemas.openxmlformats.org/markup-compatibility/2006" xmlns:p14="http://schemas.microsoft.com/office/powerpoint/2010/main">
+    <mc:Choice Requires="p14">
       <p:transition spd="med" p14:dur="700">
         <p:fade/>
       </p:transition>
     </mc:Choice>
-    <mc:Fallback>
+    <mc:Fallback xmlns="">
       <p:transition spd="med">
         <p:fade/>
       </p:transition>
@@ -18070,13 +18070,13 @@
   <p:clrMapOvr>
     <a:masterClrMapping/>
   </p:clrMapOvr>
-  <mc:AlternateContent xmlns:mc="http://schemas.openxmlformats.org/markup-compatibility/2006">
-    <mc:Choice xmlns:p14="http://schemas.microsoft.com/office/powerpoint/2010/main" Requires="p14">
+  <mc:AlternateContent xmlns:mc="http://schemas.openxmlformats.org/markup-compatibility/2006" xmlns:p14="http://schemas.microsoft.com/office/powerpoint/2010/main">
+    <mc:Choice Requires="p14">
       <p:transition spd="med" p14:dur="700">
         <p:fade/>
       </p:transition>
     </mc:Choice>
-    <mc:Fallback>
+    <mc:Fallback xmlns="">
       <p:transition spd="med">
         <p:fade/>
       </p:transition>
@@ -18260,13 +18260,13 @@
   <p:clrMapOvr>
     <a:masterClrMapping/>
   </p:clrMapOvr>
-  <mc:AlternateContent xmlns:mc="http://schemas.openxmlformats.org/markup-compatibility/2006">
-    <mc:Choice xmlns:p14="http://schemas.microsoft.com/office/powerpoint/2010/main" Requires="p14">
+  <mc:AlternateContent xmlns:mc="http://schemas.openxmlformats.org/markup-compatibility/2006" xmlns:p14="http://schemas.microsoft.com/office/powerpoint/2010/main">
+    <mc:Choice Requires="p14">
       <p:transition spd="med" p14:dur="700">
         <p:fade/>
       </p:transition>
     </mc:Choice>
-    <mc:Fallback>
+    <mc:Fallback xmlns="">
       <p:transition spd="med">
         <p:fade/>
       </p:transition>
@@ -18340,13 +18340,13 @@
   <p:clrMapOvr>
     <a:masterClrMapping/>
   </p:clrMapOvr>
-  <mc:AlternateContent xmlns:mc="http://schemas.openxmlformats.org/markup-compatibility/2006">
-    <mc:Choice xmlns:p14="http://schemas.microsoft.com/office/powerpoint/2010/main" Requires="p14">
+  <mc:AlternateContent xmlns:mc="http://schemas.openxmlformats.org/markup-compatibility/2006" xmlns:p14="http://schemas.microsoft.com/office/powerpoint/2010/main">
+    <mc:Choice Requires="p14">
       <p:transition spd="med" p14:dur="700">
         <p:fade/>
       </p:transition>
     </mc:Choice>
-    <mc:Fallback>
+    <mc:Fallback xmlns="">
       <p:transition spd="med">
         <p:fade/>
       </p:transition>
@@ -18665,13 +18665,13 @@
   <p:clrMapOvr>
     <a:masterClrMapping/>
   </p:clrMapOvr>
-  <mc:AlternateContent xmlns:mc="http://schemas.openxmlformats.org/markup-compatibility/2006">
-    <mc:Choice xmlns:p14="http://schemas.microsoft.com/office/powerpoint/2010/main" Requires="p14">
+  <mc:AlternateContent xmlns:mc="http://schemas.openxmlformats.org/markup-compatibility/2006" xmlns:p14="http://schemas.microsoft.com/office/powerpoint/2010/main">
+    <mc:Choice Requires="p14">
       <p:transition spd="med" p14:dur="700">
         <p:fade/>
       </p:transition>
     </mc:Choice>
-    <mc:Fallback>
+    <mc:Fallback xmlns="">
       <p:transition spd="med">
         <p:fade/>
       </p:transition>
@@ -18792,13 +18792,13 @@
   <p:clrMapOvr>
     <a:masterClrMapping/>
   </p:clrMapOvr>
-  <mc:AlternateContent xmlns:mc="http://schemas.openxmlformats.org/markup-compatibility/2006">
-    <mc:Choice xmlns:p14="http://schemas.microsoft.com/office/powerpoint/2010/main" Requires="p14">
+  <mc:AlternateContent xmlns:mc="http://schemas.openxmlformats.org/markup-compatibility/2006" xmlns:p14="http://schemas.microsoft.com/office/powerpoint/2010/main">
+    <mc:Choice Requires="p14">
       <p:transition spd="med" p14:dur="700">
         <p:fade/>
       </p:transition>
     </mc:Choice>
-    <mc:Fallback>
+    <mc:Fallback xmlns="">
       <p:transition spd="med">
         <p:fade/>
       </p:transition>
